--- a/src/Docs/posters/SoftEngView_CMS_Poster.pptx
+++ b/src/Docs/posters/SoftEngView_CMS_Poster.pptx
@@ -2,103 +2,133 @@
 <file path=ppt/presentation.xml><?xml version="1.0" encoding="utf-8"?>
 <p:presentation xmlns:a="http://schemas.openxmlformats.org/drawingml/2006/main" xmlns:r="http://schemas.openxmlformats.org/officeDocument/2006/relationships" xmlns:p="http://schemas.openxmlformats.org/presentationml/2006/main" saveSubsetFonts="1">
   <p:sldMasterIdLst>
-    <p:sldMasterId id="2147483648" r:id="rId1"/>
+    <p:sldMasterId id="2147483720" r:id="rId1"/>
   </p:sldMasterIdLst>
   <p:sldIdLst>
     <p:sldId id="256" r:id="rId2"/>
   </p:sldIdLst>
   <p:sldSz cx="36576000" cy="29260800"/>
-  <p:notesSz cx="7315200" cy="9601200"/>
+  <p:notesSz cx="6858000" cy="9144000"/>
   <p:defaultTextStyle>
     <a:defPPr>
       <a:defRPr lang="en-US"/>
     </a:defPPr>
-    <a:lvl1pPr marL="0" algn="l" defTabSz="3762024" rtl="0" eaLnBrk="1" latinLnBrk="0" hangingPunct="1">
+    <a:lvl1pPr algn="l" defTabSz="3760788" rtl="0" fontAlgn="base">
+      <a:spcBef>
+        <a:spcPct val="0"/>
+      </a:spcBef>
+      <a:spcAft>
+        <a:spcPct val="0"/>
+      </a:spcAft>
       <a:defRPr sz="7400" kern="1200">
         <a:solidFill>
           <a:schemeClr val="tx1"/>
         </a:solidFill>
-        <a:latin typeface="+mn-lt"/>
+        <a:latin typeface="Arial" charset="0"/>
         <a:ea typeface="+mn-ea"/>
         <a:cs typeface="+mn-cs"/>
       </a:defRPr>
     </a:lvl1pPr>
-    <a:lvl2pPr marL="1881012" algn="l" defTabSz="3762024" rtl="0" eaLnBrk="1" latinLnBrk="0" hangingPunct="1">
+    <a:lvl2pPr marL="1879600" indent="-1422400" algn="l" defTabSz="3760788" rtl="0" fontAlgn="base">
+      <a:spcBef>
+        <a:spcPct val="0"/>
+      </a:spcBef>
+      <a:spcAft>
+        <a:spcPct val="0"/>
+      </a:spcAft>
       <a:defRPr sz="7400" kern="1200">
         <a:solidFill>
           <a:schemeClr val="tx1"/>
         </a:solidFill>
-        <a:latin typeface="+mn-lt"/>
+        <a:latin typeface="Arial" charset="0"/>
         <a:ea typeface="+mn-ea"/>
         <a:cs typeface="+mn-cs"/>
       </a:defRPr>
     </a:lvl2pPr>
-    <a:lvl3pPr marL="3762024" algn="l" defTabSz="3762024" rtl="0" eaLnBrk="1" latinLnBrk="0" hangingPunct="1">
+    <a:lvl3pPr marL="3760788" indent="-2846388" algn="l" defTabSz="3760788" rtl="0" fontAlgn="base">
+      <a:spcBef>
+        <a:spcPct val="0"/>
+      </a:spcBef>
+      <a:spcAft>
+        <a:spcPct val="0"/>
+      </a:spcAft>
       <a:defRPr sz="7400" kern="1200">
         <a:solidFill>
           <a:schemeClr val="tx1"/>
         </a:solidFill>
-        <a:latin typeface="+mn-lt"/>
+        <a:latin typeface="Arial" charset="0"/>
         <a:ea typeface="+mn-ea"/>
         <a:cs typeface="+mn-cs"/>
       </a:defRPr>
     </a:lvl3pPr>
-    <a:lvl4pPr marL="5643037" algn="l" defTabSz="3762024" rtl="0" eaLnBrk="1" latinLnBrk="0" hangingPunct="1">
+    <a:lvl4pPr marL="5641975" indent="-4270375" algn="l" defTabSz="3760788" rtl="0" fontAlgn="base">
+      <a:spcBef>
+        <a:spcPct val="0"/>
+      </a:spcBef>
+      <a:spcAft>
+        <a:spcPct val="0"/>
+      </a:spcAft>
       <a:defRPr sz="7400" kern="1200">
         <a:solidFill>
           <a:schemeClr val="tx1"/>
         </a:solidFill>
-        <a:latin typeface="+mn-lt"/>
+        <a:latin typeface="Arial" charset="0"/>
         <a:ea typeface="+mn-ea"/>
         <a:cs typeface="+mn-cs"/>
       </a:defRPr>
     </a:lvl4pPr>
-    <a:lvl5pPr marL="7524049" algn="l" defTabSz="3762024" rtl="0" eaLnBrk="1" latinLnBrk="0" hangingPunct="1">
+    <a:lvl5pPr marL="7523163" indent="-5694363" algn="l" defTabSz="3760788" rtl="0" fontAlgn="base">
+      <a:spcBef>
+        <a:spcPct val="0"/>
+      </a:spcBef>
+      <a:spcAft>
+        <a:spcPct val="0"/>
+      </a:spcAft>
       <a:defRPr sz="7400" kern="1200">
         <a:solidFill>
           <a:schemeClr val="tx1"/>
         </a:solidFill>
-        <a:latin typeface="+mn-lt"/>
+        <a:latin typeface="Arial" charset="0"/>
         <a:ea typeface="+mn-ea"/>
         <a:cs typeface="+mn-cs"/>
       </a:defRPr>
     </a:lvl5pPr>
-    <a:lvl6pPr marL="9405061" algn="l" defTabSz="3762024" rtl="0" eaLnBrk="1" latinLnBrk="0" hangingPunct="1">
+    <a:lvl6pPr marL="2286000" algn="l" defTabSz="914400" rtl="0" eaLnBrk="1" latinLnBrk="0" hangingPunct="1">
       <a:defRPr sz="7400" kern="1200">
         <a:solidFill>
           <a:schemeClr val="tx1"/>
         </a:solidFill>
-        <a:latin typeface="+mn-lt"/>
+        <a:latin typeface="Arial" charset="0"/>
         <a:ea typeface="+mn-ea"/>
         <a:cs typeface="+mn-cs"/>
       </a:defRPr>
     </a:lvl6pPr>
-    <a:lvl7pPr marL="11286073" algn="l" defTabSz="3762024" rtl="0" eaLnBrk="1" latinLnBrk="0" hangingPunct="1">
+    <a:lvl7pPr marL="2743200" algn="l" defTabSz="914400" rtl="0" eaLnBrk="1" latinLnBrk="0" hangingPunct="1">
       <a:defRPr sz="7400" kern="1200">
         <a:solidFill>
           <a:schemeClr val="tx1"/>
         </a:solidFill>
-        <a:latin typeface="+mn-lt"/>
+        <a:latin typeface="Arial" charset="0"/>
         <a:ea typeface="+mn-ea"/>
         <a:cs typeface="+mn-cs"/>
       </a:defRPr>
     </a:lvl7pPr>
-    <a:lvl8pPr marL="13167086" algn="l" defTabSz="3762024" rtl="0" eaLnBrk="1" latinLnBrk="0" hangingPunct="1">
+    <a:lvl8pPr marL="3200400" algn="l" defTabSz="914400" rtl="0" eaLnBrk="1" latinLnBrk="0" hangingPunct="1">
       <a:defRPr sz="7400" kern="1200">
         <a:solidFill>
           <a:schemeClr val="tx1"/>
         </a:solidFill>
-        <a:latin typeface="+mn-lt"/>
+        <a:latin typeface="Arial" charset="0"/>
         <a:ea typeface="+mn-ea"/>
         <a:cs typeface="+mn-cs"/>
       </a:defRPr>
     </a:lvl8pPr>
-    <a:lvl9pPr marL="15048098" algn="l" defTabSz="3762024" rtl="0" eaLnBrk="1" latinLnBrk="0" hangingPunct="1">
+    <a:lvl9pPr marL="3657600" algn="l" defTabSz="914400" rtl="0" eaLnBrk="1" latinLnBrk="0" hangingPunct="1">
       <a:defRPr sz="7400" kern="1200">
         <a:solidFill>
           <a:schemeClr val="tx1"/>
         </a:solidFill>
-        <a:latin typeface="+mn-lt"/>
+        <a:latin typeface="Arial" charset="0"/>
         <a:ea typeface="+mn-ea"/>
         <a:cs typeface="+mn-cs"/>
       </a:defRPr>
@@ -136,8 +166,8 @@
         </p:nvSpPr>
         <p:spPr>
           <a:xfrm>
-            <a:off x="2743200" y="9089817"/>
-            <a:ext cx="31089600" cy="6272106"/>
+            <a:off x="2743200" y="9089815"/>
+            <a:ext cx="31089600" cy="6272107"/>
           </a:xfrm>
         </p:spPr>
         <p:txBody>
@@ -284,12 +314,21 @@
         <p:spPr/>
         <p:txBody>
           <a:bodyPr/>
-          <a:lstStyle/>
-          <a:p>
-            <a:fld id="{8695FEDD-544D-4187-8F34-AE353162CC72}" type="datetimeFigureOut">
-              <a:rPr lang="en-US" smtClean="0"/>
-              <a:pPr/>
-              <a:t>3/8/2011</a:t>
+          <a:lstStyle>
+            <a:lvl1pPr>
+              <a:defRPr/>
+            </a:lvl1pPr>
+          </a:lstStyle>
+          <a:p>
+            <a:pPr>
+              <a:defRPr/>
+            </a:pPr>
+            <a:fld id="{2D315E40-085E-4CE5-B392-4995AC774889}" type="datetimeFigureOut">
+              <a:rPr lang="en-US"/>
+              <a:pPr>
+                <a:defRPr/>
+              </a:pPr>
+              <a:t>4/14/2011</a:t>
             </a:fld>
             <a:endParaRPr lang="en-US"/>
           </a:p>
@@ -308,8 +347,15 @@
         <p:spPr/>
         <p:txBody>
           <a:bodyPr/>
-          <a:lstStyle/>
-          <a:p>
+          <a:lstStyle>
+            <a:lvl1pPr>
+              <a:defRPr/>
+            </a:lvl1pPr>
+          </a:lstStyle>
+          <a:p>
+            <a:pPr>
+              <a:defRPr/>
+            </a:pPr>
             <a:endParaRPr lang="en-US"/>
           </a:p>
         </p:txBody>
@@ -327,11 +373,20 @@
         <p:spPr/>
         <p:txBody>
           <a:bodyPr/>
-          <a:lstStyle/>
-          <a:p>
-            <a:fld id="{13EA635B-029C-4134-B738-CA3DE9B6B1E2}" type="slidenum">
-              <a:rPr lang="en-US" smtClean="0"/>
-              <a:pPr/>
+          <a:lstStyle>
+            <a:lvl1pPr>
+              <a:defRPr/>
+            </a:lvl1pPr>
+          </a:lstStyle>
+          <a:p>
+            <a:pPr>
+              <a:defRPr/>
+            </a:pPr>
+            <a:fld id="{50D9C1EC-733B-4838-B09E-A28CDF7C6725}" type="slidenum">
+              <a:rPr lang="en-US"/>
+              <a:pPr>
+                <a:defRPr/>
+              </a:pPr>
               <a:t>‹#›</a:t>
             </a:fld>
             <a:endParaRPr lang="en-US"/>
@@ -451,12 +506,21 @@
         <p:spPr/>
         <p:txBody>
           <a:bodyPr/>
-          <a:lstStyle/>
-          <a:p>
-            <a:fld id="{8695FEDD-544D-4187-8F34-AE353162CC72}" type="datetimeFigureOut">
-              <a:rPr lang="en-US" smtClean="0"/>
-              <a:pPr/>
-              <a:t>3/8/2011</a:t>
+          <a:lstStyle>
+            <a:lvl1pPr>
+              <a:defRPr/>
+            </a:lvl1pPr>
+          </a:lstStyle>
+          <a:p>
+            <a:pPr>
+              <a:defRPr/>
+            </a:pPr>
+            <a:fld id="{AAC70FAA-C78D-4443-A224-B4A766E9C6F5}" type="datetimeFigureOut">
+              <a:rPr lang="en-US"/>
+              <a:pPr>
+                <a:defRPr/>
+              </a:pPr>
+              <a:t>4/14/2011</a:t>
             </a:fld>
             <a:endParaRPr lang="en-US"/>
           </a:p>
@@ -475,8 +539,15 @@
         <p:spPr/>
         <p:txBody>
           <a:bodyPr/>
-          <a:lstStyle/>
-          <a:p>
+          <a:lstStyle>
+            <a:lvl1pPr>
+              <a:defRPr/>
+            </a:lvl1pPr>
+          </a:lstStyle>
+          <a:p>
+            <a:pPr>
+              <a:defRPr/>
+            </a:pPr>
             <a:endParaRPr lang="en-US"/>
           </a:p>
         </p:txBody>
@@ -494,11 +565,20 @@
         <p:spPr/>
         <p:txBody>
           <a:bodyPr/>
-          <a:lstStyle/>
-          <a:p>
-            <a:fld id="{13EA635B-029C-4134-B738-CA3DE9B6B1E2}" type="slidenum">
-              <a:rPr lang="en-US" smtClean="0"/>
-              <a:pPr/>
+          <a:lstStyle>
+            <a:lvl1pPr>
+              <a:defRPr/>
+            </a:lvl1pPr>
+          </a:lstStyle>
+          <a:p>
+            <a:pPr>
+              <a:defRPr/>
+            </a:pPr>
+            <a:fld id="{50A089BE-147C-4B74-ADCA-563D94DD600D}" type="slidenum">
+              <a:rPr lang="en-US"/>
+              <a:pPr>
+                <a:defRPr/>
+              </a:pPr>
               <a:t>‹#›</a:t>
             </a:fld>
             <a:endParaRPr lang="en-US"/>
@@ -542,8 +622,8 @@
         </p:nvSpPr>
         <p:spPr>
           <a:xfrm>
-            <a:off x="84855052" y="6251792"/>
-            <a:ext cx="26333448" cy="133150186"/>
+            <a:off x="26517600" y="1171791"/>
+            <a:ext cx="8229600" cy="24966507"/>
           </a:xfrm>
         </p:spPr>
         <p:txBody>
@@ -570,8 +650,8 @@
         </p:nvSpPr>
         <p:spPr>
           <a:xfrm>
-            <a:off x="5854700" y="6251792"/>
-            <a:ext cx="78390753" cy="133150186"/>
+            <a:off x="1828800" y="1171791"/>
+            <a:ext cx="24079200" cy="24966507"/>
           </a:xfrm>
         </p:spPr>
         <p:txBody>
@@ -628,12 +708,21 @@
         <p:spPr/>
         <p:txBody>
           <a:bodyPr/>
-          <a:lstStyle/>
-          <a:p>
-            <a:fld id="{8695FEDD-544D-4187-8F34-AE353162CC72}" type="datetimeFigureOut">
-              <a:rPr lang="en-US" smtClean="0"/>
-              <a:pPr/>
-              <a:t>3/8/2011</a:t>
+          <a:lstStyle>
+            <a:lvl1pPr>
+              <a:defRPr/>
+            </a:lvl1pPr>
+          </a:lstStyle>
+          <a:p>
+            <a:pPr>
+              <a:defRPr/>
+            </a:pPr>
+            <a:fld id="{A3E1600F-77AA-4454-9E34-740C8A2D458D}" type="datetimeFigureOut">
+              <a:rPr lang="en-US"/>
+              <a:pPr>
+                <a:defRPr/>
+              </a:pPr>
+              <a:t>4/14/2011</a:t>
             </a:fld>
             <a:endParaRPr lang="en-US"/>
           </a:p>
@@ -652,8 +741,15 @@
         <p:spPr/>
         <p:txBody>
           <a:bodyPr/>
-          <a:lstStyle/>
-          <a:p>
+          <a:lstStyle>
+            <a:lvl1pPr>
+              <a:defRPr/>
+            </a:lvl1pPr>
+          </a:lstStyle>
+          <a:p>
+            <a:pPr>
+              <a:defRPr/>
+            </a:pPr>
             <a:endParaRPr lang="en-US"/>
           </a:p>
         </p:txBody>
@@ -671,11 +767,20 @@
         <p:spPr/>
         <p:txBody>
           <a:bodyPr/>
-          <a:lstStyle/>
-          <a:p>
-            <a:fld id="{13EA635B-029C-4134-B738-CA3DE9B6B1E2}" type="slidenum">
-              <a:rPr lang="en-US" smtClean="0"/>
-              <a:pPr/>
+          <a:lstStyle>
+            <a:lvl1pPr>
+              <a:defRPr/>
+            </a:lvl1pPr>
+          </a:lstStyle>
+          <a:p>
+            <a:pPr>
+              <a:defRPr/>
+            </a:pPr>
+            <a:fld id="{E821AF82-5183-4C3B-B30D-1D1C8038DDAF}" type="slidenum">
+              <a:rPr lang="en-US"/>
+              <a:pPr>
+                <a:defRPr/>
+              </a:pPr>
               <a:t>‹#›</a:t>
             </a:fld>
             <a:endParaRPr lang="en-US"/>
@@ -795,12 +900,21 @@
         <p:spPr/>
         <p:txBody>
           <a:bodyPr/>
-          <a:lstStyle/>
-          <a:p>
-            <a:fld id="{8695FEDD-544D-4187-8F34-AE353162CC72}" type="datetimeFigureOut">
-              <a:rPr lang="en-US" smtClean="0"/>
-              <a:pPr/>
-              <a:t>3/8/2011</a:t>
+          <a:lstStyle>
+            <a:lvl1pPr>
+              <a:defRPr/>
+            </a:lvl1pPr>
+          </a:lstStyle>
+          <a:p>
+            <a:pPr>
+              <a:defRPr/>
+            </a:pPr>
+            <a:fld id="{A6299665-C38A-422B-83DC-54FA9329D332}" type="datetimeFigureOut">
+              <a:rPr lang="en-US"/>
+              <a:pPr>
+                <a:defRPr/>
+              </a:pPr>
+              <a:t>4/14/2011</a:t>
             </a:fld>
             <a:endParaRPr lang="en-US"/>
           </a:p>
@@ -819,8 +933,15 @@
         <p:spPr/>
         <p:txBody>
           <a:bodyPr/>
-          <a:lstStyle/>
-          <a:p>
+          <a:lstStyle>
+            <a:lvl1pPr>
+              <a:defRPr/>
+            </a:lvl1pPr>
+          </a:lstStyle>
+          <a:p>
+            <a:pPr>
+              <a:defRPr/>
+            </a:pPr>
             <a:endParaRPr lang="en-US"/>
           </a:p>
         </p:txBody>
@@ -838,11 +959,20 @@
         <p:spPr/>
         <p:txBody>
           <a:bodyPr/>
-          <a:lstStyle/>
-          <a:p>
-            <a:fld id="{13EA635B-029C-4134-B738-CA3DE9B6B1E2}" type="slidenum">
-              <a:rPr lang="en-US" smtClean="0"/>
-              <a:pPr/>
+          <a:lstStyle>
+            <a:lvl1pPr>
+              <a:defRPr/>
+            </a:lvl1pPr>
+          </a:lstStyle>
+          <a:p>
+            <a:pPr>
+              <a:defRPr/>
+            </a:pPr>
+            <a:fld id="{B5698029-69D9-43C1-83AC-83816EB879EA}" type="slidenum">
+              <a:rPr lang="en-US"/>
+              <a:pPr>
+                <a:defRPr/>
+              </a:pPr>
               <a:t>‹#›</a:t>
             </a:fld>
             <a:endParaRPr lang="en-US"/>
@@ -886,7 +1016,7 @@
         </p:nvSpPr>
         <p:spPr>
           <a:xfrm>
-            <a:off x="2889253" y="18802775"/>
+            <a:off x="2889252" y="18802775"/>
             <a:ext cx="31089600" cy="5811520"/>
           </a:xfrm>
         </p:spPr>
@@ -918,7 +1048,7 @@
         </p:nvSpPr>
         <p:spPr>
           <a:xfrm>
-            <a:off x="2889253" y="12401978"/>
+            <a:off x="2889252" y="12401978"/>
             <a:ext cx="31089600" cy="6400798"/>
           </a:xfrm>
         </p:spPr>
@@ -1038,12 +1168,21 @@
         <p:spPr/>
         <p:txBody>
           <a:bodyPr/>
-          <a:lstStyle/>
-          <a:p>
-            <a:fld id="{8695FEDD-544D-4187-8F34-AE353162CC72}" type="datetimeFigureOut">
-              <a:rPr lang="en-US" smtClean="0"/>
-              <a:pPr/>
-              <a:t>3/8/2011</a:t>
+          <a:lstStyle>
+            <a:lvl1pPr>
+              <a:defRPr/>
+            </a:lvl1pPr>
+          </a:lstStyle>
+          <a:p>
+            <a:pPr>
+              <a:defRPr/>
+            </a:pPr>
+            <a:fld id="{A94C9243-66DB-4C49-A6E1-D888BE8FA737}" type="datetimeFigureOut">
+              <a:rPr lang="en-US"/>
+              <a:pPr>
+                <a:defRPr/>
+              </a:pPr>
+              <a:t>4/14/2011</a:t>
             </a:fld>
             <a:endParaRPr lang="en-US"/>
           </a:p>
@@ -1062,8 +1201,15 @@
         <p:spPr/>
         <p:txBody>
           <a:bodyPr/>
-          <a:lstStyle/>
-          <a:p>
+          <a:lstStyle>
+            <a:lvl1pPr>
+              <a:defRPr/>
+            </a:lvl1pPr>
+          </a:lstStyle>
+          <a:p>
+            <a:pPr>
+              <a:defRPr/>
+            </a:pPr>
             <a:endParaRPr lang="en-US"/>
           </a:p>
         </p:txBody>
@@ -1081,11 +1227,20 @@
         <p:spPr/>
         <p:txBody>
           <a:bodyPr/>
-          <a:lstStyle/>
-          <a:p>
-            <a:fld id="{13EA635B-029C-4134-B738-CA3DE9B6B1E2}" type="slidenum">
-              <a:rPr lang="en-US" smtClean="0"/>
-              <a:pPr/>
+          <a:lstStyle>
+            <a:lvl1pPr>
+              <a:defRPr/>
+            </a:lvl1pPr>
+          </a:lstStyle>
+          <a:p>
+            <a:pPr>
+              <a:defRPr/>
+            </a:pPr>
+            <a:fld id="{375250A2-45CD-46D5-B087-1BF80F41473F}" type="slidenum">
+              <a:rPr lang="en-US"/>
+              <a:pPr>
+                <a:defRPr/>
+              </a:pPr>
               <a:t>‹#›</a:t>
             </a:fld>
             <a:endParaRPr lang="en-US"/>
@@ -1152,8 +1307,8 @@
         </p:nvSpPr>
         <p:spPr>
           <a:xfrm>
-            <a:off x="5854703" y="36413441"/>
-            <a:ext cx="52362100" cy="102988535"/>
+            <a:off x="1828800" y="6827522"/>
+            <a:ext cx="16154400" cy="19310775"/>
           </a:xfrm>
         </p:spPr>
         <p:txBody>
@@ -1237,8 +1392,8 @@
         </p:nvSpPr>
         <p:spPr>
           <a:xfrm>
-            <a:off x="58826403" y="36413441"/>
-            <a:ext cx="52362100" cy="102988535"/>
+            <a:off x="18592800" y="6827522"/>
+            <a:ext cx="16154400" cy="19310775"/>
           </a:xfrm>
         </p:spPr>
         <p:txBody>
@@ -1312,7 +1467,7 @@
       </p:sp>
       <p:sp>
         <p:nvSpPr>
-          <p:cNvPr id="5" name="Date Placeholder 4"/>
+          <p:cNvPr id="5" name="Date Placeholder 3"/>
           <p:cNvSpPr>
             <a:spLocks noGrp="1"/>
           </p:cNvSpPr>
@@ -1323,12 +1478,21 @@
         <p:spPr/>
         <p:txBody>
           <a:bodyPr/>
-          <a:lstStyle/>
-          <a:p>
-            <a:fld id="{8695FEDD-544D-4187-8F34-AE353162CC72}" type="datetimeFigureOut">
-              <a:rPr lang="en-US" smtClean="0"/>
-              <a:pPr/>
-              <a:t>3/8/2011</a:t>
+          <a:lstStyle>
+            <a:lvl1pPr>
+              <a:defRPr/>
+            </a:lvl1pPr>
+          </a:lstStyle>
+          <a:p>
+            <a:pPr>
+              <a:defRPr/>
+            </a:pPr>
+            <a:fld id="{F487CB10-FB77-4217-A236-8D8EEED4F390}" type="datetimeFigureOut">
+              <a:rPr lang="en-US"/>
+              <a:pPr>
+                <a:defRPr/>
+              </a:pPr>
+              <a:t>4/14/2011</a:t>
             </a:fld>
             <a:endParaRPr lang="en-US"/>
           </a:p>
@@ -1336,7 +1500,7 @@
       </p:sp>
       <p:sp>
         <p:nvSpPr>
-          <p:cNvPr id="6" name="Footer Placeholder 5"/>
+          <p:cNvPr id="6" name="Footer Placeholder 4"/>
           <p:cNvSpPr>
             <a:spLocks noGrp="1"/>
           </p:cNvSpPr>
@@ -1347,15 +1511,22 @@
         <p:spPr/>
         <p:txBody>
           <a:bodyPr/>
-          <a:lstStyle/>
-          <a:p>
-            <a:endParaRPr lang="en-US"/>
-          </a:p>
-        </p:txBody>
-      </p:sp>
-      <p:sp>
-        <p:nvSpPr>
-          <p:cNvPr id="7" name="Slide Number Placeholder 6"/>
+          <a:lstStyle>
+            <a:lvl1pPr>
+              <a:defRPr/>
+            </a:lvl1pPr>
+          </a:lstStyle>
+          <a:p>
+            <a:pPr>
+              <a:defRPr/>
+            </a:pPr>
+            <a:endParaRPr lang="en-US"/>
+          </a:p>
+        </p:txBody>
+      </p:sp>
+      <p:sp>
+        <p:nvSpPr>
+          <p:cNvPr id="7" name="Slide Number Placeholder 5"/>
           <p:cNvSpPr>
             <a:spLocks noGrp="1"/>
           </p:cNvSpPr>
@@ -1366,11 +1537,20 @@
         <p:spPr/>
         <p:txBody>
           <a:bodyPr/>
-          <a:lstStyle/>
-          <a:p>
-            <a:fld id="{13EA635B-029C-4134-B738-CA3DE9B6B1E2}" type="slidenum">
-              <a:rPr lang="en-US" smtClean="0"/>
-              <a:pPr/>
+          <a:lstStyle>
+            <a:lvl1pPr>
+              <a:defRPr/>
+            </a:lvl1pPr>
+          </a:lstStyle>
+          <a:p>
+            <a:pPr>
+              <a:defRPr/>
+            </a:pPr>
+            <a:fld id="{D72E565F-6356-41BB-8C0D-255860EEDE5C}" type="slidenum">
+              <a:rPr lang="en-US"/>
+              <a:pPr>
+                <a:defRPr/>
+              </a:pPr>
               <a:t>‹#›</a:t>
             </a:fld>
             <a:endParaRPr lang="en-US"/>
@@ -1412,42 +1592,37 @@
             <p:ph type="title"/>
           </p:nvPr>
         </p:nvSpPr>
+        <p:spPr/>
+        <p:txBody>
+          <a:bodyPr/>
+          <a:lstStyle>
+            <a:lvl1pPr>
+              <a:defRPr/>
+            </a:lvl1pPr>
+          </a:lstStyle>
+          <a:p>
+            <a:r>
+              <a:rPr lang="en-US" smtClean="0"/>
+              <a:t>Click to edit Master title style</a:t>
+            </a:r>
+            <a:endParaRPr lang="en-US"/>
+          </a:p>
+        </p:txBody>
+      </p:sp>
+      <p:sp>
+        <p:nvSpPr>
+          <p:cNvPr id="3" name="Text Placeholder 2"/>
+          <p:cNvSpPr>
+            <a:spLocks noGrp="1"/>
+          </p:cNvSpPr>
+          <p:nvPr>
+            <p:ph type="body" idx="1"/>
+          </p:nvPr>
+        </p:nvSpPr>
         <p:spPr>
           <a:xfrm>
-            <a:off x="1828800" y="1171789"/>
-            <a:ext cx="32918400" cy="4876800"/>
-          </a:xfrm>
-        </p:spPr>
-        <p:txBody>
-          <a:bodyPr/>
-          <a:lstStyle>
-            <a:lvl1pPr>
-              <a:defRPr/>
-            </a:lvl1pPr>
-          </a:lstStyle>
-          <a:p>
-            <a:r>
-              <a:rPr lang="en-US" smtClean="0"/>
-              <a:t>Click to edit Master title style</a:t>
-            </a:r>
-            <a:endParaRPr lang="en-US"/>
-          </a:p>
-        </p:txBody>
-      </p:sp>
-      <p:sp>
-        <p:nvSpPr>
-          <p:cNvPr id="3" name="Text Placeholder 2"/>
-          <p:cNvSpPr>
-            <a:spLocks noGrp="1"/>
-          </p:cNvSpPr>
-          <p:nvPr>
-            <p:ph type="body" idx="1"/>
-          </p:nvPr>
-        </p:nvSpPr>
-        <p:spPr>
-          <a:xfrm>
-            <a:off x="1828800" y="6549815"/>
-            <a:ext cx="16160753" cy="2729651"/>
+            <a:off x="1828800" y="6549816"/>
+            <a:ext cx="16160752" cy="2729651"/>
           </a:xfrm>
         </p:spPr>
         <p:txBody>
@@ -1511,8 +1686,8 @@
         </p:nvSpPr>
         <p:spPr>
           <a:xfrm>
-            <a:off x="1828800" y="9279466"/>
-            <a:ext cx="16160753" cy="16858829"/>
+            <a:off x="1828800" y="9279467"/>
+            <a:ext cx="16160752" cy="16858829"/>
           </a:xfrm>
         </p:spPr>
         <p:txBody>
@@ -1596,7 +1771,7 @@
         </p:nvSpPr>
         <p:spPr>
           <a:xfrm>
-            <a:off x="18580103" y="6549815"/>
+            <a:off x="18580102" y="6549816"/>
             <a:ext cx="16167100" cy="2729651"/>
           </a:xfrm>
         </p:spPr>
@@ -1661,7 +1836,7 @@
         </p:nvSpPr>
         <p:spPr>
           <a:xfrm>
-            <a:off x="18580103" y="9279466"/>
+            <a:off x="18580102" y="9279467"/>
             <a:ext cx="16167100" cy="16858829"/>
           </a:xfrm>
         </p:spPr>
@@ -1736,7 +1911,7 @@
       </p:sp>
       <p:sp>
         <p:nvSpPr>
-          <p:cNvPr id="7" name="Date Placeholder 6"/>
+          <p:cNvPr id="7" name="Date Placeholder 3"/>
           <p:cNvSpPr>
             <a:spLocks noGrp="1"/>
           </p:cNvSpPr>
@@ -1747,12 +1922,21 @@
         <p:spPr/>
         <p:txBody>
           <a:bodyPr/>
-          <a:lstStyle/>
-          <a:p>
-            <a:fld id="{8695FEDD-544D-4187-8F34-AE353162CC72}" type="datetimeFigureOut">
-              <a:rPr lang="en-US" smtClean="0"/>
-              <a:pPr/>
-              <a:t>3/8/2011</a:t>
+          <a:lstStyle>
+            <a:lvl1pPr>
+              <a:defRPr/>
+            </a:lvl1pPr>
+          </a:lstStyle>
+          <a:p>
+            <a:pPr>
+              <a:defRPr/>
+            </a:pPr>
+            <a:fld id="{30E72097-6F9F-419F-B4CA-A99C12C55841}" type="datetimeFigureOut">
+              <a:rPr lang="en-US"/>
+              <a:pPr>
+                <a:defRPr/>
+              </a:pPr>
+              <a:t>4/14/2011</a:t>
             </a:fld>
             <a:endParaRPr lang="en-US"/>
           </a:p>
@@ -1760,7 +1944,7 @@
       </p:sp>
       <p:sp>
         <p:nvSpPr>
-          <p:cNvPr id="8" name="Footer Placeholder 7"/>
+          <p:cNvPr id="8" name="Footer Placeholder 4"/>
           <p:cNvSpPr>
             <a:spLocks noGrp="1"/>
           </p:cNvSpPr>
@@ -1771,15 +1955,22 @@
         <p:spPr/>
         <p:txBody>
           <a:bodyPr/>
-          <a:lstStyle/>
-          <a:p>
-            <a:endParaRPr lang="en-US"/>
-          </a:p>
-        </p:txBody>
-      </p:sp>
-      <p:sp>
-        <p:nvSpPr>
-          <p:cNvPr id="9" name="Slide Number Placeholder 8"/>
+          <a:lstStyle>
+            <a:lvl1pPr>
+              <a:defRPr/>
+            </a:lvl1pPr>
+          </a:lstStyle>
+          <a:p>
+            <a:pPr>
+              <a:defRPr/>
+            </a:pPr>
+            <a:endParaRPr lang="en-US"/>
+          </a:p>
+        </p:txBody>
+      </p:sp>
+      <p:sp>
+        <p:nvSpPr>
+          <p:cNvPr id="9" name="Slide Number Placeholder 5"/>
           <p:cNvSpPr>
             <a:spLocks noGrp="1"/>
           </p:cNvSpPr>
@@ -1790,11 +1981,20 @@
         <p:spPr/>
         <p:txBody>
           <a:bodyPr/>
-          <a:lstStyle/>
-          <a:p>
-            <a:fld id="{13EA635B-029C-4134-B738-CA3DE9B6B1E2}" type="slidenum">
-              <a:rPr lang="en-US" smtClean="0"/>
-              <a:pPr/>
+          <a:lstStyle>
+            <a:lvl1pPr>
+              <a:defRPr/>
+            </a:lvl1pPr>
+          </a:lstStyle>
+          <a:p>
+            <a:pPr>
+              <a:defRPr/>
+            </a:pPr>
+            <a:fld id="{61A616E3-2A9B-4D98-8932-3D6B02659357}" type="slidenum">
+              <a:rPr lang="en-US"/>
+              <a:pPr>
+                <a:defRPr/>
+              </a:pPr>
               <a:t>‹#›</a:t>
             </a:fld>
             <a:endParaRPr lang="en-US"/>
@@ -1851,7 +2051,7 @@
       </p:sp>
       <p:sp>
         <p:nvSpPr>
-          <p:cNvPr id="3" name="Date Placeholder 2"/>
+          <p:cNvPr id="3" name="Date Placeholder 3"/>
           <p:cNvSpPr>
             <a:spLocks noGrp="1"/>
           </p:cNvSpPr>
@@ -1862,12 +2062,21 @@
         <p:spPr/>
         <p:txBody>
           <a:bodyPr/>
-          <a:lstStyle/>
-          <a:p>
-            <a:fld id="{8695FEDD-544D-4187-8F34-AE353162CC72}" type="datetimeFigureOut">
-              <a:rPr lang="en-US" smtClean="0"/>
-              <a:pPr/>
-              <a:t>3/8/2011</a:t>
+          <a:lstStyle>
+            <a:lvl1pPr>
+              <a:defRPr/>
+            </a:lvl1pPr>
+          </a:lstStyle>
+          <a:p>
+            <a:pPr>
+              <a:defRPr/>
+            </a:pPr>
+            <a:fld id="{0322A0FB-334F-48DD-A590-20C050F2BA7D}" type="datetimeFigureOut">
+              <a:rPr lang="en-US"/>
+              <a:pPr>
+                <a:defRPr/>
+              </a:pPr>
+              <a:t>4/14/2011</a:t>
             </a:fld>
             <a:endParaRPr lang="en-US"/>
           </a:p>
@@ -1875,7 +2084,7 @@
       </p:sp>
       <p:sp>
         <p:nvSpPr>
-          <p:cNvPr id="4" name="Footer Placeholder 3"/>
+          <p:cNvPr id="4" name="Footer Placeholder 4"/>
           <p:cNvSpPr>
             <a:spLocks noGrp="1"/>
           </p:cNvSpPr>
@@ -1886,15 +2095,22 @@
         <p:spPr/>
         <p:txBody>
           <a:bodyPr/>
-          <a:lstStyle/>
-          <a:p>
-            <a:endParaRPr lang="en-US"/>
-          </a:p>
-        </p:txBody>
-      </p:sp>
-      <p:sp>
-        <p:nvSpPr>
-          <p:cNvPr id="5" name="Slide Number Placeholder 4"/>
+          <a:lstStyle>
+            <a:lvl1pPr>
+              <a:defRPr/>
+            </a:lvl1pPr>
+          </a:lstStyle>
+          <a:p>
+            <a:pPr>
+              <a:defRPr/>
+            </a:pPr>
+            <a:endParaRPr lang="en-US"/>
+          </a:p>
+        </p:txBody>
+      </p:sp>
+      <p:sp>
+        <p:nvSpPr>
+          <p:cNvPr id="5" name="Slide Number Placeholder 5"/>
           <p:cNvSpPr>
             <a:spLocks noGrp="1"/>
           </p:cNvSpPr>
@@ -1905,11 +2121,20 @@
         <p:spPr/>
         <p:txBody>
           <a:bodyPr/>
-          <a:lstStyle/>
-          <a:p>
-            <a:fld id="{13EA635B-029C-4134-B738-CA3DE9B6B1E2}" type="slidenum">
-              <a:rPr lang="en-US" smtClean="0"/>
-              <a:pPr/>
+          <a:lstStyle>
+            <a:lvl1pPr>
+              <a:defRPr/>
+            </a:lvl1pPr>
+          </a:lstStyle>
+          <a:p>
+            <a:pPr>
+              <a:defRPr/>
+            </a:pPr>
+            <a:fld id="{0505C723-E466-49B9-8147-F26319ED2C31}" type="slidenum">
+              <a:rPr lang="en-US"/>
+              <a:pPr>
+                <a:defRPr/>
+              </a:pPr>
               <a:t>‹#›</a:t>
             </a:fld>
             <a:endParaRPr lang="en-US"/>
@@ -1943,7 +2168,7 @@
       </p:grpSpPr>
       <p:sp>
         <p:nvSpPr>
-          <p:cNvPr id="2" name="Date Placeholder 1"/>
+          <p:cNvPr id="2" name="Date Placeholder 3"/>
           <p:cNvSpPr>
             <a:spLocks noGrp="1"/>
           </p:cNvSpPr>
@@ -1954,12 +2179,21 @@
         <p:spPr/>
         <p:txBody>
           <a:bodyPr/>
-          <a:lstStyle/>
-          <a:p>
-            <a:fld id="{8695FEDD-544D-4187-8F34-AE353162CC72}" type="datetimeFigureOut">
-              <a:rPr lang="en-US" smtClean="0"/>
-              <a:pPr/>
-              <a:t>3/8/2011</a:t>
+          <a:lstStyle>
+            <a:lvl1pPr>
+              <a:defRPr/>
+            </a:lvl1pPr>
+          </a:lstStyle>
+          <a:p>
+            <a:pPr>
+              <a:defRPr/>
+            </a:pPr>
+            <a:fld id="{4F47E912-CB42-42BC-8B7E-1315C7B9FCDD}" type="datetimeFigureOut">
+              <a:rPr lang="en-US"/>
+              <a:pPr>
+                <a:defRPr/>
+              </a:pPr>
+              <a:t>4/14/2011</a:t>
             </a:fld>
             <a:endParaRPr lang="en-US"/>
           </a:p>
@@ -1967,7 +2201,7 @@
       </p:sp>
       <p:sp>
         <p:nvSpPr>
-          <p:cNvPr id="3" name="Footer Placeholder 2"/>
+          <p:cNvPr id="3" name="Footer Placeholder 4"/>
           <p:cNvSpPr>
             <a:spLocks noGrp="1"/>
           </p:cNvSpPr>
@@ -1978,15 +2212,22 @@
         <p:spPr/>
         <p:txBody>
           <a:bodyPr/>
-          <a:lstStyle/>
-          <a:p>
-            <a:endParaRPr lang="en-US"/>
-          </a:p>
-        </p:txBody>
-      </p:sp>
-      <p:sp>
-        <p:nvSpPr>
-          <p:cNvPr id="4" name="Slide Number Placeholder 3"/>
+          <a:lstStyle>
+            <a:lvl1pPr>
+              <a:defRPr/>
+            </a:lvl1pPr>
+          </a:lstStyle>
+          <a:p>
+            <a:pPr>
+              <a:defRPr/>
+            </a:pPr>
+            <a:endParaRPr lang="en-US"/>
+          </a:p>
+        </p:txBody>
+      </p:sp>
+      <p:sp>
+        <p:nvSpPr>
+          <p:cNvPr id="4" name="Slide Number Placeholder 5"/>
           <p:cNvSpPr>
             <a:spLocks noGrp="1"/>
           </p:cNvSpPr>
@@ -1997,11 +2238,20 @@
         <p:spPr/>
         <p:txBody>
           <a:bodyPr/>
-          <a:lstStyle/>
-          <a:p>
-            <a:fld id="{13EA635B-029C-4134-B738-CA3DE9B6B1E2}" type="slidenum">
-              <a:rPr lang="en-US" smtClean="0"/>
-              <a:pPr/>
+          <a:lstStyle>
+            <a:lvl1pPr>
+              <a:defRPr/>
+            </a:lvl1pPr>
+          </a:lstStyle>
+          <a:p>
+            <a:pPr>
+              <a:defRPr/>
+            </a:pPr>
+            <a:fld id="{F85415D7-1805-47F0-80AB-AA745DF03828}" type="slidenum">
+              <a:rPr lang="en-US"/>
+              <a:pPr>
+                <a:defRPr/>
+              </a:pPr>
               <a:t>‹#›</a:t>
             </a:fld>
             <a:endParaRPr lang="en-US"/>
@@ -2045,8 +2295,8 @@
         </p:nvSpPr>
         <p:spPr>
           <a:xfrm>
-            <a:off x="1828801" y="1165014"/>
-            <a:ext cx="12033253" cy="4958080"/>
+            <a:off x="1828802" y="1165013"/>
+            <a:ext cx="12033252" cy="4958080"/>
           </a:xfrm>
         </p:spPr>
         <p:txBody>
@@ -2162,8 +2412,8 @@
         </p:nvSpPr>
         <p:spPr>
           <a:xfrm>
-            <a:off x="1828801" y="6123096"/>
-            <a:ext cx="12033253" cy="20015202"/>
+            <a:off x="1828802" y="6123096"/>
+            <a:ext cx="12033252" cy="20015202"/>
           </a:xfrm>
         </p:spPr>
         <p:txBody>
@@ -2217,7 +2467,7 @@
       </p:sp>
       <p:sp>
         <p:nvSpPr>
-          <p:cNvPr id="5" name="Date Placeholder 4"/>
+          <p:cNvPr id="5" name="Date Placeholder 3"/>
           <p:cNvSpPr>
             <a:spLocks noGrp="1"/>
           </p:cNvSpPr>
@@ -2228,12 +2478,21 @@
         <p:spPr/>
         <p:txBody>
           <a:bodyPr/>
-          <a:lstStyle/>
-          <a:p>
-            <a:fld id="{8695FEDD-544D-4187-8F34-AE353162CC72}" type="datetimeFigureOut">
-              <a:rPr lang="en-US" smtClean="0"/>
-              <a:pPr/>
-              <a:t>3/8/2011</a:t>
+          <a:lstStyle>
+            <a:lvl1pPr>
+              <a:defRPr/>
+            </a:lvl1pPr>
+          </a:lstStyle>
+          <a:p>
+            <a:pPr>
+              <a:defRPr/>
+            </a:pPr>
+            <a:fld id="{4546B0CA-6323-4EE7-ACD2-1AB6196991F7}" type="datetimeFigureOut">
+              <a:rPr lang="en-US"/>
+              <a:pPr>
+                <a:defRPr/>
+              </a:pPr>
+              <a:t>4/14/2011</a:t>
             </a:fld>
             <a:endParaRPr lang="en-US"/>
           </a:p>
@@ -2241,7 +2500,7 @@
       </p:sp>
       <p:sp>
         <p:nvSpPr>
-          <p:cNvPr id="6" name="Footer Placeholder 5"/>
+          <p:cNvPr id="6" name="Footer Placeholder 4"/>
           <p:cNvSpPr>
             <a:spLocks noGrp="1"/>
           </p:cNvSpPr>
@@ -2252,15 +2511,22 @@
         <p:spPr/>
         <p:txBody>
           <a:bodyPr/>
-          <a:lstStyle/>
-          <a:p>
-            <a:endParaRPr lang="en-US"/>
-          </a:p>
-        </p:txBody>
-      </p:sp>
-      <p:sp>
-        <p:nvSpPr>
-          <p:cNvPr id="7" name="Slide Number Placeholder 6"/>
+          <a:lstStyle>
+            <a:lvl1pPr>
+              <a:defRPr/>
+            </a:lvl1pPr>
+          </a:lstStyle>
+          <a:p>
+            <a:pPr>
+              <a:defRPr/>
+            </a:pPr>
+            <a:endParaRPr lang="en-US"/>
+          </a:p>
+        </p:txBody>
+      </p:sp>
+      <p:sp>
+        <p:nvSpPr>
+          <p:cNvPr id="7" name="Slide Number Placeholder 5"/>
           <p:cNvSpPr>
             <a:spLocks noGrp="1"/>
           </p:cNvSpPr>
@@ -2271,11 +2537,20 @@
         <p:spPr/>
         <p:txBody>
           <a:bodyPr/>
-          <a:lstStyle/>
-          <a:p>
-            <a:fld id="{13EA635B-029C-4134-B738-CA3DE9B6B1E2}" type="slidenum">
-              <a:rPr lang="en-US" smtClean="0"/>
-              <a:pPr/>
+          <a:lstStyle>
+            <a:lvl1pPr>
+              <a:defRPr/>
+            </a:lvl1pPr>
+          </a:lstStyle>
+          <a:p>
+            <a:pPr>
+              <a:defRPr/>
+            </a:pPr>
+            <a:fld id="{381000B9-8D60-464D-8DCD-8A6D0DF5324B}" type="slidenum">
+              <a:rPr lang="en-US"/>
+              <a:pPr>
+                <a:defRPr/>
+              </a:pPr>
               <a:t>‹#›</a:t>
             </a:fld>
             <a:endParaRPr lang="en-US"/>
@@ -2319,7 +2594,7 @@
         </p:nvSpPr>
         <p:spPr>
           <a:xfrm>
-            <a:off x="7169153" y="20482561"/>
+            <a:off x="7169152" y="20482560"/>
             <a:ext cx="21945600" cy="2418082"/>
           </a:xfrm>
         </p:spPr>
@@ -2351,12 +2626,14 @@
         </p:nvSpPr>
         <p:spPr>
           <a:xfrm>
-            <a:off x="7169153" y="2614506"/>
+            <a:off x="7169152" y="2614507"/>
             <a:ext cx="21945600" cy="17556480"/>
           </a:xfrm>
         </p:spPr>
         <p:txBody>
-          <a:bodyPr/>
+          <a:bodyPr rtlCol="0">
+            <a:normAutofit/>
+          </a:bodyPr>
           <a:lstStyle>
             <a:lvl1pPr marL="0" indent="0">
               <a:buNone/>
@@ -2396,7 +2673,8 @@
             </a:lvl9pPr>
           </a:lstStyle>
           <a:p>
-            <a:endParaRPr lang="en-US"/>
+            <a:pPr lvl="0"/>
+            <a:endParaRPr lang="en-US" noProof="0"/>
           </a:p>
         </p:txBody>
       </p:sp>
@@ -2412,7 +2690,7 @@
         </p:nvSpPr>
         <p:spPr>
           <a:xfrm>
-            <a:off x="7169153" y="22900643"/>
+            <a:off x="7169152" y="22900642"/>
             <a:ext cx="21945600" cy="3434078"/>
           </a:xfrm>
         </p:spPr>
@@ -2467,7 +2745,7 @@
       </p:sp>
       <p:sp>
         <p:nvSpPr>
-          <p:cNvPr id="5" name="Date Placeholder 4"/>
+          <p:cNvPr id="5" name="Date Placeholder 3"/>
           <p:cNvSpPr>
             <a:spLocks noGrp="1"/>
           </p:cNvSpPr>
@@ -2478,12 +2756,21 @@
         <p:spPr/>
         <p:txBody>
           <a:bodyPr/>
-          <a:lstStyle/>
-          <a:p>
-            <a:fld id="{8695FEDD-544D-4187-8F34-AE353162CC72}" type="datetimeFigureOut">
-              <a:rPr lang="en-US" smtClean="0"/>
-              <a:pPr/>
-              <a:t>3/8/2011</a:t>
+          <a:lstStyle>
+            <a:lvl1pPr>
+              <a:defRPr/>
+            </a:lvl1pPr>
+          </a:lstStyle>
+          <a:p>
+            <a:pPr>
+              <a:defRPr/>
+            </a:pPr>
+            <a:fld id="{E88F7778-3B46-438F-8A67-2B933225EEF9}" type="datetimeFigureOut">
+              <a:rPr lang="en-US"/>
+              <a:pPr>
+                <a:defRPr/>
+              </a:pPr>
+              <a:t>4/14/2011</a:t>
             </a:fld>
             <a:endParaRPr lang="en-US"/>
           </a:p>
@@ -2491,7 +2778,7 @@
       </p:sp>
       <p:sp>
         <p:nvSpPr>
-          <p:cNvPr id="6" name="Footer Placeholder 5"/>
+          <p:cNvPr id="6" name="Footer Placeholder 4"/>
           <p:cNvSpPr>
             <a:spLocks noGrp="1"/>
           </p:cNvSpPr>
@@ -2502,15 +2789,22 @@
         <p:spPr/>
         <p:txBody>
           <a:bodyPr/>
-          <a:lstStyle/>
-          <a:p>
-            <a:endParaRPr lang="en-US"/>
-          </a:p>
-        </p:txBody>
-      </p:sp>
-      <p:sp>
-        <p:nvSpPr>
-          <p:cNvPr id="7" name="Slide Number Placeholder 6"/>
+          <a:lstStyle>
+            <a:lvl1pPr>
+              <a:defRPr/>
+            </a:lvl1pPr>
+          </a:lstStyle>
+          <a:p>
+            <a:pPr>
+              <a:defRPr/>
+            </a:pPr>
+            <a:endParaRPr lang="en-US"/>
+          </a:p>
+        </p:txBody>
+      </p:sp>
+      <p:sp>
+        <p:nvSpPr>
+          <p:cNvPr id="7" name="Slide Number Placeholder 5"/>
           <p:cNvSpPr>
             <a:spLocks noGrp="1"/>
           </p:cNvSpPr>
@@ -2521,11 +2815,20 @@
         <p:spPr/>
         <p:txBody>
           <a:bodyPr/>
-          <a:lstStyle/>
-          <a:p>
-            <a:fld id="{13EA635B-029C-4134-B738-CA3DE9B6B1E2}" type="slidenum">
-              <a:rPr lang="en-US" smtClean="0"/>
-              <a:pPr/>
+          <a:lstStyle>
+            <a:lvl1pPr>
+              <a:defRPr/>
+            </a:lvl1pPr>
+          </a:lstStyle>
+          <a:p>
+            <a:pPr>
+              <a:defRPr/>
+            </a:pPr>
+            <a:fld id="{36CD8CEB-9166-448B-BA20-C09835A64FA1}" type="slidenum">
+              <a:rPr lang="en-US"/>
+              <a:pPr>
+                <a:defRPr/>
+              </a:pPr>
               <a:t>‹#›</a:t>
             </a:fld>
             <a:endParaRPr lang="en-US"/>
@@ -2544,12 +2847,9 @@
 <p:sldMaster xmlns:a="http://schemas.openxmlformats.org/drawingml/2006/main" xmlns:r="http://schemas.openxmlformats.org/officeDocument/2006/relationships" xmlns:p="http://schemas.openxmlformats.org/presentationml/2006/main">
   <p:cSld>
     <p:bg>
-      <p:bgPr>
-        <a:solidFill>
-          <a:schemeClr val="bg1"/>
-        </a:solidFill>
-        <a:effectLst/>
-      </p:bgPr>
+      <p:bgRef idx="1001">
+        <a:schemeClr val="bg2"/>
+      </p:bgRef>
     </p:bg>
     <p:spTree>
       <p:nvGrpSpPr>
@@ -2567,7 +2867,7 @@
       </p:grpSpPr>
       <p:sp>
         <p:nvSpPr>
-          <p:cNvPr id="2" name="Title Placeholder 1"/>
+          <p:cNvPr id="1026" name="Title Placeholder 1"/>
           <p:cNvSpPr>
             <a:spLocks noGrp="1"/>
           </p:cNvSpPr>
@@ -2575,32 +2875,41 @@
             <p:ph type="title"/>
           </p:nvPr>
         </p:nvSpPr>
-        <p:spPr>
+        <p:spPr bwMode="auto">
           <a:xfrm>
-            <a:off x="1828800" y="1171789"/>
+            <a:off x="1828800" y="1171575"/>
             <a:ext cx="32918400" cy="4876800"/>
           </a:xfrm>
           <a:prstGeom prst="rect">
             <a:avLst/>
           </a:prstGeom>
-        </p:spPr>
-        <p:txBody>
-          <a:bodyPr vert="horz" lIns="376202" tIns="188101" rIns="376202" bIns="188101" rtlCol="0" anchor="ctr">
-            <a:normAutofit/>
+          <a:noFill/>
+          <a:ln w="9525">
+            <a:noFill/>
+            <a:miter lim="800000"/>
+            <a:headEnd/>
+            <a:tailEnd/>
+          </a:ln>
+        </p:spPr>
+        <p:txBody>
+          <a:bodyPr vert="horz" wrap="square" lIns="376202" tIns="188101" rIns="376202" bIns="188101" numCol="1" anchor="ctr" anchorCtr="0" compatLnSpc="1">
+            <a:prstTxWarp prst="textNoShape">
+              <a:avLst/>
+            </a:prstTxWarp>
           </a:bodyPr>
           <a:lstStyle/>
           <a:p>
+            <a:pPr lvl="0"/>
             <a:r>
               <a:rPr lang="en-US" smtClean="0"/>
               <a:t>Click to edit Master title style</a:t>
             </a:r>
-            <a:endParaRPr lang="en-US"/>
-          </a:p>
-        </p:txBody>
-      </p:sp>
-      <p:sp>
-        <p:nvSpPr>
-          <p:cNvPr id="3" name="Text Placeholder 2"/>
+          </a:p>
+        </p:txBody>
+      </p:sp>
+      <p:sp>
+        <p:nvSpPr>
+          <p:cNvPr id="1027" name="Text Placeholder 2"/>
           <p:cNvSpPr>
             <a:spLocks noGrp="1"/>
           </p:cNvSpPr>
@@ -2608,18 +2917,27 @@
             <p:ph type="body" idx="1"/>
           </p:nvPr>
         </p:nvSpPr>
-        <p:spPr>
+        <p:spPr bwMode="auto">
           <a:xfrm>
-            <a:off x="1828800" y="6827523"/>
-            <a:ext cx="32918400" cy="19310775"/>
+            <a:off x="1828800" y="6827838"/>
+            <a:ext cx="32918400" cy="19310350"/>
           </a:xfrm>
           <a:prstGeom prst="rect">
             <a:avLst/>
           </a:prstGeom>
-        </p:spPr>
-        <p:txBody>
-          <a:bodyPr vert="horz" lIns="376202" tIns="188101" rIns="376202" bIns="188101" rtlCol="0">
-            <a:normAutofit/>
+          <a:noFill/>
+          <a:ln w="9525">
+            <a:noFill/>
+            <a:miter lim="800000"/>
+            <a:headEnd/>
+            <a:tailEnd/>
+          </a:ln>
+        </p:spPr>
+        <p:txBody>
+          <a:bodyPr vert="horz" wrap="square" lIns="376202" tIns="188101" rIns="376202" bIns="188101" numCol="1" anchor="t" anchorCtr="0" compatLnSpc="1">
+            <a:prstTxWarp prst="textNoShape">
+              <a:avLst/>
+            </a:prstTxWarp>
           </a:bodyPr>
           <a:lstStyle/>
           <a:p>
@@ -2656,7 +2974,6 @@
               <a:rPr lang="en-US" smtClean="0"/>
               <a:t>Fifth level</a:t>
             </a:r>
-            <a:endParaRPr lang="en-US"/>
           </a:p>
         </p:txBody>
       </p:sp>
@@ -2672,8 +2989,8 @@
         </p:nvSpPr>
         <p:spPr>
           <a:xfrm>
-            <a:off x="1828800" y="27120429"/>
-            <a:ext cx="8534400" cy="1557866"/>
+            <a:off x="1828800" y="27120850"/>
+            <a:ext cx="8534400" cy="1557338"/>
           </a:xfrm>
           <a:prstGeom prst="rect">
             <a:avLst/>
@@ -2682,40 +2999,99 @@
         <p:txBody>
           <a:bodyPr vert="horz" lIns="376202" tIns="188101" rIns="376202" bIns="188101" rtlCol="0" anchor="ctr"/>
           <a:lstStyle>
-            <a:lvl1pPr algn="l">
+            <a:lvl1pPr algn="l" defTabSz="3762024" fontAlgn="auto">
+              <a:spcBef>
+                <a:spcPts val="0"/>
+              </a:spcBef>
+              <a:spcAft>
+                <a:spcPts val="0"/>
+              </a:spcAft>
+              <a:defRPr sz="4900" smtClean="0">
+                <a:solidFill>
+                  <a:schemeClr val="tx1">
+                    <a:tint val="75000"/>
+                  </a:schemeClr>
+                </a:solidFill>
+                <a:latin typeface="+mn-lt"/>
+              </a:defRPr>
+            </a:lvl1pPr>
+          </a:lstStyle>
+          <a:p>
+            <a:pPr>
+              <a:defRPr/>
+            </a:pPr>
+            <a:fld id="{B44D0C0B-DA5F-4AE3-8F9D-52130F4931F4}" type="datetimeFigureOut">
+              <a:rPr lang="en-US"/>
+              <a:pPr>
+                <a:defRPr/>
+              </a:pPr>
+              <a:t>4/14/2011</a:t>
+            </a:fld>
+            <a:endParaRPr lang="en-US"/>
+          </a:p>
+        </p:txBody>
+      </p:sp>
+      <p:sp>
+        <p:nvSpPr>
+          <p:cNvPr id="5" name="Footer Placeholder 4"/>
+          <p:cNvSpPr>
+            <a:spLocks noGrp="1"/>
+          </p:cNvSpPr>
+          <p:nvPr>
+            <p:ph type="ftr" sz="quarter" idx="3"/>
+          </p:nvPr>
+        </p:nvSpPr>
+        <p:spPr>
+          <a:xfrm>
+            <a:off x="12496800" y="27120850"/>
+            <a:ext cx="11582400" cy="1557338"/>
+          </a:xfrm>
+          <a:prstGeom prst="rect">
+            <a:avLst/>
+          </a:prstGeom>
+        </p:spPr>
+        <p:txBody>
+          <a:bodyPr vert="horz" lIns="376202" tIns="188101" rIns="376202" bIns="188101" rtlCol="0" anchor="ctr"/>
+          <a:lstStyle>
+            <a:lvl1pPr algn="ctr" defTabSz="3762024" fontAlgn="auto">
+              <a:spcBef>
+                <a:spcPts val="0"/>
+              </a:spcBef>
+              <a:spcAft>
+                <a:spcPts val="0"/>
+              </a:spcAft>
               <a:defRPr sz="4900">
                 <a:solidFill>
                   <a:schemeClr val="tx1">
                     <a:tint val="75000"/>
                   </a:schemeClr>
                 </a:solidFill>
+                <a:latin typeface="+mn-lt"/>
               </a:defRPr>
             </a:lvl1pPr>
           </a:lstStyle>
           <a:p>
-            <a:fld id="{8695FEDD-544D-4187-8F34-AE353162CC72}" type="datetimeFigureOut">
-              <a:rPr lang="en-US" smtClean="0"/>
-              <a:pPr/>
-              <a:t>3/8/2011</a:t>
-            </a:fld>
-            <a:endParaRPr lang="en-US"/>
-          </a:p>
-        </p:txBody>
-      </p:sp>
-      <p:sp>
-        <p:nvSpPr>
-          <p:cNvPr id="5" name="Footer Placeholder 4"/>
-          <p:cNvSpPr>
-            <a:spLocks noGrp="1"/>
-          </p:cNvSpPr>
-          <p:nvPr>
-            <p:ph type="ftr" sz="quarter" idx="3"/>
+            <a:pPr>
+              <a:defRPr/>
+            </a:pPr>
+            <a:endParaRPr lang="en-US"/>
+          </a:p>
+        </p:txBody>
+      </p:sp>
+      <p:sp>
+        <p:nvSpPr>
+          <p:cNvPr id="6" name="Slide Number Placeholder 5"/>
+          <p:cNvSpPr>
+            <a:spLocks noGrp="1"/>
+          </p:cNvSpPr>
+          <p:nvPr>
+            <p:ph type="sldNum" sz="quarter" idx="4"/>
           </p:nvPr>
         </p:nvSpPr>
         <p:spPr>
           <a:xfrm>
-            <a:off x="12496800" y="27120429"/>
-            <a:ext cx="11582400" cy="1557866"/>
+            <a:off x="26212800" y="27120850"/>
+            <a:ext cx="8534400" cy="1557338"/>
           </a:xfrm>
           <a:prstGeom prst="rect">
             <a:avLst/>
@@ -2724,57 +3100,32 @@
         <p:txBody>
           <a:bodyPr vert="horz" lIns="376202" tIns="188101" rIns="376202" bIns="188101" rtlCol="0" anchor="ctr"/>
           <a:lstStyle>
-            <a:lvl1pPr algn="ctr">
-              <a:defRPr sz="4900">
+            <a:lvl1pPr algn="r" defTabSz="3762024" fontAlgn="auto">
+              <a:spcBef>
+                <a:spcPts val="0"/>
+              </a:spcBef>
+              <a:spcAft>
+                <a:spcPts val="0"/>
+              </a:spcAft>
+              <a:defRPr sz="4900" smtClean="0">
                 <a:solidFill>
                   <a:schemeClr val="tx1">
                     <a:tint val="75000"/>
                   </a:schemeClr>
                 </a:solidFill>
+                <a:latin typeface="+mn-lt"/>
               </a:defRPr>
             </a:lvl1pPr>
           </a:lstStyle>
           <a:p>
-            <a:endParaRPr lang="en-US"/>
-          </a:p>
-        </p:txBody>
-      </p:sp>
-      <p:sp>
-        <p:nvSpPr>
-          <p:cNvPr id="6" name="Slide Number Placeholder 5"/>
-          <p:cNvSpPr>
-            <a:spLocks noGrp="1"/>
-          </p:cNvSpPr>
-          <p:nvPr>
-            <p:ph type="sldNum" sz="quarter" idx="4"/>
-          </p:nvPr>
-        </p:nvSpPr>
-        <p:spPr>
-          <a:xfrm>
-            <a:off x="26212800" y="27120429"/>
-            <a:ext cx="8534400" cy="1557866"/>
-          </a:xfrm>
-          <a:prstGeom prst="rect">
-            <a:avLst/>
-          </a:prstGeom>
-        </p:spPr>
-        <p:txBody>
-          <a:bodyPr vert="horz" lIns="376202" tIns="188101" rIns="376202" bIns="188101" rtlCol="0" anchor="ctr"/>
-          <a:lstStyle>
-            <a:lvl1pPr algn="r">
-              <a:defRPr sz="4900">
-                <a:solidFill>
-                  <a:schemeClr val="tx1">
-                    <a:tint val="75000"/>
-                  </a:schemeClr>
-                </a:solidFill>
-              </a:defRPr>
-            </a:lvl1pPr>
-          </a:lstStyle>
-          <a:p>
-            <a:fld id="{13EA635B-029C-4134-B738-CA3DE9B6B1E2}" type="slidenum">
-              <a:rPr lang="en-US" smtClean="0"/>
-              <a:pPr/>
+            <a:pPr>
+              <a:defRPr/>
+            </a:pPr>
+            <a:fld id="{E3DA1F1A-4AA8-4F2A-9805-017DA1AE0BFA}" type="slidenum">
+              <a:rPr lang="en-US"/>
+              <a:pPr>
+                <a:defRPr/>
+              </a:pPr>
               <a:t>‹#›</a:t>
             </a:fld>
             <a:endParaRPr lang="en-US"/>
@@ -2785,25 +3136,27 @@
   </p:cSld>
   <p:clrMap bg1="lt1" tx1="dk1" bg2="lt2" tx2="dk2" accent1="accent1" accent2="accent2" accent3="accent3" accent4="accent4" accent5="accent5" accent6="accent6" hlink="hlink" folHlink="folHlink"/>
   <p:sldLayoutIdLst>
-    <p:sldLayoutId id="2147483649" r:id="rId1"/>
-    <p:sldLayoutId id="2147483650" r:id="rId2"/>
-    <p:sldLayoutId id="2147483651" r:id="rId3"/>
-    <p:sldLayoutId id="2147483652" r:id="rId4"/>
-    <p:sldLayoutId id="2147483653" r:id="rId5"/>
-    <p:sldLayoutId id="2147483654" r:id="rId6"/>
-    <p:sldLayoutId id="2147483655" r:id="rId7"/>
-    <p:sldLayoutId id="2147483656" r:id="rId8"/>
-    <p:sldLayoutId id="2147483657" r:id="rId9"/>
-    <p:sldLayoutId id="2147483658" r:id="rId10"/>
-    <p:sldLayoutId id="2147483659" r:id="rId11"/>
+    <p:sldLayoutId id="2147483731" r:id="rId1"/>
+    <p:sldLayoutId id="2147483730" r:id="rId2"/>
+    <p:sldLayoutId id="2147483729" r:id="rId3"/>
+    <p:sldLayoutId id="2147483728" r:id="rId4"/>
+    <p:sldLayoutId id="2147483727" r:id="rId5"/>
+    <p:sldLayoutId id="2147483726" r:id="rId6"/>
+    <p:sldLayoutId id="2147483725" r:id="rId7"/>
+    <p:sldLayoutId id="2147483724" r:id="rId8"/>
+    <p:sldLayoutId id="2147483723" r:id="rId9"/>
+    <p:sldLayoutId id="2147483722" r:id="rId10"/>
+    <p:sldLayoutId id="2147483721" r:id="rId11"/>
   </p:sldLayoutIdLst>
   <p:txStyles>
     <p:titleStyle>
-      <a:lvl1pPr algn="ctr" defTabSz="3762024" rtl="0" eaLnBrk="1" latinLnBrk="0" hangingPunct="1">
+      <a:lvl1pPr algn="ctr" defTabSz="3760788" rtl="0" fontAlgn="base">
         <a:spcBef>
           <a:spcPct val="0"/>
         </a:spcBef>
-        <a:buNone/>
+        <a:spcAft>
+          <a:spcPct val="0"/>
+        </a:spcAft>
         <a:defRPr sz="18100" kern="1200">
           <a:solidFill>
             <a:schemeClr val="tx1"/>
@@ -2813,13 +3166,128 @@
           <a:cs typeface="+mj-cs"/>
         </a:defRPr>
       </a:lvl1pPr>
+      <a:lvl2pPr algn="ctr" defTabSz="3760788" rtl="0" fontAlgn="base">
+        <a:spcBef>
+          <a:spcPct val="0"/>
+        </a:spcBef>
+        <a:spcAft>
+          <a:spcPct val="0"/>
+        </a:spcAft>
+        <a:defRPr sz="18100">
+          <a:solidFill>
+            <a:schemeClr val="tx1"/>
+          </a:solidFill>
+          <a:latin typeface="Calibri" pitchFamily="34" charset="0"/>
+        </a:defRPr>
+      </a:lvl2pPr>
+      <a:lvl3pPr algn="ctr" defTabSz="3760788" rtl="0" fontAlgn="base">
+        <a:spcBef>
+          <a:spcPct val="0"/>
+        </a:spcBef>
+        <a:spcAft>
+          <a:spcPct val="0"/>
+        </a:spcAft>
+        <a:defRPr sz="18100">
+          <a:solidFill>
+            <a:schemeClr val="tx1"/>
+          </a:solidFill>
+          <a:latin typeface="Calibri" pitchFamily="34" charset="0"/>
+        </a:defRPr>
+      </a:lvl3pPr>
+      <a:lvl4pPr algn="ctr" defTabSz="3760788" rtl="0" fontAlgn="base">
+        <a:spcBef>
+          <a:spcPct val="0"/>
+        </a:spcBef>
+        <a:spcAft>
+          <a:spcPct val="0"/>
+        </a:spcAft>
+        <a:defRPr sz="18100">
+          <a:solidFill>
+            <a:schemeClr val="tx1"/>
+          </a:solidFill>
+          <a:latin typeface="Calibri" pitchFamily="34" charset="0"/>
+        </a:defRPr>
+      </a:lvl4pPr>
+      <a:lvl5pPr algn="ctr" defTabSz="3760788" rtl="0" fontAlgn="base">
+        <a:spcBef>
+          <a:spcPct val="0"/>
+        </a:spcBef>
+        <a:spcAft>
+          <a:spcPct val="0"/>
+        </a:spcAft>
+        <a:defRPr sz="18100">
+          <a:solidFill>
+            <a:schemeClr val="tx1"/>
+          </a:solidFill>
+          <a:latin typeface="Calibri" pitchFamily="34" charset="0"/>
+        </a:defRPr>
+      </a:lvl5pPr>
+      <a:lvl6pPr marL="457200" algn="ctr" defTabSz="3760788" rtl="0" fontAlgn="base">
+        <a:spcBef>
+          <a:spcPct val="0"/>
+        </a:spcBef>
+        <a:spcAft>
+          <a:spcPct val="0"/>
+        </a:spcAft>
+        <a:defRPr sz="18100">
+          <a:solidFill>
+            <a:schemeClr val="tx1"/>
+          </a:solidFill>
+          <a:latin typeface="Calibri" pitchFamily="34" charset="0"/>
+        </a:defRPr>
+      </a:lvl6pPr>
+      <a:lvl7pPr marL="914400" algn="ctr" defTabSz="3760788" rtl="0" fontAlgn="base">
+        <a:spcBef>
+          <a:spcPct val="0"/>
+        </a:spcBef>
+        <a:spcAft>
+          <a:spcPct val="0"/>
+        </a:spcAft>
+        <a:defRPr sz="18100">
+          <a:solidFill>
+            <a:schemeClr val="tx1"/>
+          </a:solidFill>
+          <a:latin typeface="Calibri" pitchFamily="34" charset="0"/>
+        </a:defRPr>
+      </a:lvl7pPr>
+      <a:lvl8pPr marL="1371600" algn="ctr" defTabSz="3760788" rtl="0" fontAlgn="base">
+        <a:spcBef>
+          <a:spcPct val="0"/>
+        </a:spcBef>
+        <a:spcAft>
+          <a:spcPct val="0"/>
+        </a:spcAft>
+        <a:defRPr sz="18100">
+          <a:solidFill>
+            <a:schemeClr val="tx1"/>
+          </a:solidFill>
+          <a:latin typeface="Calibri" pitchFamily="34" charset="0"/>
+        </a:defRPr>
+      </a:lvl8pPr>
+      <a:lvl9pPr marL="1828800" algn="ctr" defTabSz="3760788" rtl="0" fontAlgn="base">
+        <a:spcBef>
+          <a:spcPct val="0"/>
+        </a:spcBef>
+        <a:spcAft>
+          <a:spcPct val="0"/>
+        </a:spcAft>
+        <a:defRPr sz="18100">
+          <a:solidFill>
+            <a:schemeClr val="tx1"/>
+          </a:solidFill>
+          <a:latin typeface="Calibri" pitchFamily="34" charset="0"/>
+        </a:defRPr>
+      </a:lvl9pPr>
     </p:titleStyle>
     <p:bodyStyle>
-      <a:lvl1pPr marL="1410759" indent="-1410759" algn="l" defTabSz="3762024" rtl="0" eaLnBrk="1" latinLnBrk="0" hangingPunct="1">
+      <a:lvl1pPr marL="1409700" indent="-1409700" algn="l" defTabSz="3760788" rtl="0" fontAlgn="base">
         <a:spcBef>
           <a:spcPct val="20000"/>
         </a:spcBef>
-        <a:buFont typeface="Arial" pitchFamily="34" charset="0"/>
+        <a:spcAft>
+          <a:spcPct val="0"/>
+        </a:spcAft>
+        <a:buFont typeface="Arial" charset="0"/>
         <a:buChar char="•"/>
         <a:defRPr sz="13200" kern="1200">
           <a:solidFill>
@@ -2830,11 +3298,14 @@
           <a:cs typeface="+mn-cs"/>
         </a:defRPr>
       </a:lvl1pPr>
-      <a:lvl2pPr marL="3056645" indent="-1175633" algn="l" defTabSz="3762024" rtl="0" eaLnBrk="1" latinLnBrk="0" hangingPunct="1">
+      <a:lvl2pPr marL="3055938" indent="-1174750" algn="l" defTabSz="3760788" rtl="0" fontAlgn="base">
         <a:spcBef>
           <a:spcPct val="20000"/>
         </a:spcBef>
-        <a:buFont typeface="Arial" pitchFamily="34" charset="0"/>
+        <a:spcAft>
+          <a:spcPct val="0"/>
+        </a:spcAft>
+        <a:buFont typeface="Arial" charset="0"/>
         <a:buChar char="–"/>
         <a:defRPr sz="11500" kern="1200">
           <a:solidFill>
@@ -2845,11 +3316,14 @@
           <a:cs typeface="+mn-cs"/>
         </a:defRPr>
       </a:lvl2pPr>
-      <a:lvl3pPr marL="4702531" indent="-940506" algn="l" defTabSz="3762024" rtl="0" eaLnBrk="1" latinLnBrk="0" hangingPunct="1">
+      <a:lvl3pPr marL="4702175" indent="-939800" algn="l" defTabSz="3760788" rtl="0" fontAlgn="base">
         <a:spcBef>
           <a:spcPct val="20000"/>
         </a:spcBef>
-        <a:buFont typeface="Arial" pitchFamily="34" charset="0"/>
+        <a:spcAft>
+          <a:spcPct val="0"/>
+        </a:spcAft>
+        <a:buFont typeface="Arial" charset="0"/>
         <a:buChar char="•"/>
         <a:defRPr sz="9900" kern="1200">
           <a:solidFill>
@@ -2860,11 +3334,14 @@
           <a:cs typeface="+mn-cs"/>
         </a:defRPr>
       </a:lvl3pPr>
-      <a:lvl4pPr marL="6583543" indent="-940506" algn="l" defTabSz="3762024" rtl="0" eaLnBrk="1" latinLnBrk="0" hangingPunct="1">
+      <a:lvl4pPr marL="6583363" indent="-939800" algn="l" defTabSz="3760788" rtl="0" fontAlgn="base">
         <a:spcBef>
           <a:spcPct val="20000"/>
         </a:spcBef>
-        <a:buFont typeface="Arial" pitchFamily="34" charset="0"/>
+        <a:spcAft>
+          <a:spcPct val="0"/>
+        </a:spcAft>
+        <a:buFont typeface="Arial" charset="0"/>
         <a:buChar char="–"/>
         <a:defRPr sz="8200" kern="1200">
           <a:solidFill>
@@ -2875,11 +3352,14 @@
           <a:cs typeface="+mn-cs"/>
         </a:defRPr>
       </a:lvl4pPr>
-      <a:lvl5pPr marL="8464555" indent="-940506" algn="l" defTabSz="3762024" rtl="0" eaLnBrk="1" latinLnBrk="0" hangingPunct="1">
+      <a:lvl5pPr marL="8464550" indent="-939800" algn="l" defTabSz="3760788" rtl="0" fontAlgn="base">
         <a:spcBef>
           <a:spcPct val="20000"/>
         </a:spcBef>
-        <a:buFont typeface="Arial" pitchFamily="34" charset="0"/>
+        <a:spcAft>
+          <a:spcPct val="0"/>
+        </a:spcAft>
+        <a:buFont typeface="Arial" charset="0"/>
         <a:buChar char="»"/>
         <a:defRPr sz="8200" kern="1200">
           <a:solidFill>
@@ -3053,20 +3533,6 @@
 <file path=ppt/slides/slide1.xml><?xml version="1.0" encoding="utf-8"?>
 <p:sld xmlns:a="http://schemas.openxmlformats.org/drawingml/2006/main" xmlns:r="http://schemas.openxmlformats.org/officeDocument/2006/relationships" xmlns:p="http://schemas.openxmlformats.org/presentationml/2006/main">
   <p:cSld>
-    <p:bg>
-      <p:bgPr>
-        <a:blipFill dpi="0" rotWithShape="1">
-          <a:blip r:embed="rId2" cstate="print">
-            <a:lum/>
-          </a:blip>
-          <a:srcRect/>
-          <a:stretch>
-            <a:fillRect l="-11000" r="-11000"/>
-          </a:stretch>
-        </a:blipFill>
-        <a:effectLst/>
-      </p:bgPr>
-    </p:bg>
     <p:spTree>
       <p:nvGrpSpPr>
         <p:cNvPr id="1" name=""/>
@@ -3081,652 +3547,402 @@
           <a:chExt cx="0" cy="0"/>
         </a:xfrm>
       </p:grpSpPr>
-      <p:sp>
-        <p:nvSpPr>
-          <p:cNvPr id="5" name="Rounded Rectangle 4"/>
-          <p:cNvSpPr/>
+      <p:pic>
+        <p:nvPicPr>
+          <p:cNvPr id="13313" name="Picture 12" descr="f18.jpg"/>
+          <p:cNvPicPr>
+            <a:picLocks noChangeAspect="1"/>
+          </p:cNvPicPr>
           <p:nvPr/>
-        </p:nvSpPr>
-        <p:spPr>
+        </p:nvPicPr>
+        <p:blipFill>
+          <a:blip r:embed="rId2" cstate="print"/>
+          <a:srcRect/>
+          <a:stretch>
+            <a:fillRect/>
+          </a:stretch>
+        </p:blipFill>
+        <p:spPr bwMode="auto">
           <a:xfrm>
-            <a:off x="6096000" y="762000"/>
-            <a:ext cx="24384000" cy="3962400"/>
-          </a:xfrm>
-          <a:prstGeom prst="roundRect">
-            <a:avLst/>
-          </a:prstGeom>
-          <a:solidFill>
-            <a:schemeClr val="bg1"/>
-          </a:solidFill>
-          <a:ln w="82550">
-            <a:solidFill>
-              <a:schemeClr val="tx1"/>
-            </a:solidFill>
-          </a:ln>
-        </p:spPr>
-        <p:style>
-          <a:lnRef idx="2">
-            <a:schemeClr val="accent1">
-              <a:shade val="50000"/>
-            </a:schemeClr>
-          </a:lnRef>
-          <a:fillRef idx="1">
-            <a:schemeClr val="accent1"/>
-          </a:fillRef>
-          <a:effectRef idx="0">
-            <a:schemeClr val="accent1"/>
-          </a:effectRef>
-          <a:fontRef idx="minor">
-            <a:schemeClr val="lt1"/>
-          </a:fontRef>
-        </p:style>
-        <p:txBody>
-          <a:bodyPr rtlCol="0" anchor="ctr"/>
-          <a:lstStyle/>
-          <a:p>
-            <a:pPr algn="ctr"/>
-            <a:endParaRPr lang="en-US"/>
-          </a:p>
-        </p:txBody>
-      </p:sp>
-      <p:sp>
-        <p:nvSpPr>
-          <p:cNvPr id="4" name="Rectangle 3"/>
-          <p:cNvSpPr/>
-          <p:nvPr/>
-        </p:nvSpPr>
-        <p:spPr>
-          <a:xfrm>
-            <a:off x="6477000" y="762000"/>
-            <a:ext cx="23622000" cy="2646878"/>
+            <a:off x="0" y="0"/>
+            <a:ext cx="36576000" cy="29260800"/>
           </a:xfrm>
           <a:prstGeom prst="rect">
             <a:avLst/>
           </a:prstGeom>
           <a:noFill/>
-          <a:ln>
+          <a:ln w="9525">
             <a:noFill/>
+            <a:miter lim="800000"/>
+            <a:headEnd/>
+            <a:tailEnd/>
           </a:ln>
         </p:spPr>
-        <p:style>
-          <a:lnRef idx="2">
-            <a:schemeClr val="accent2"/>
-          </a:lnRef>
-          <a:fillRef idx="1">
-            <a:schemeClr val="lt1"/>
-          </a:fillRef>
-          <a:effectRef idx="0">
-            <a:schemeClr val="accent2"/>
-          </a:effectRef>
-          <a:fontRef idx="minor">
-            <a:schemeClr val="dk1"/>
-          </a:fontRef>
-        </p:style>
-        <p:txBody>
-          <a:bodyPr wrap="square" lIns="91440" tIns="45720" rIns="91440" bIns="45720">
+      </p:pic>
+      <p:sp>
+        <p:nvSpPr>
+          <p:cNvPr id="2" name="Title 1"/>
+          <p:cNvSpPr>
+            <a:spLocks noGrp="1"/>
+          </p:cNvSpPr>
+          <p:nvPr>
+            <p:ph type="ctrTitle"/>
+          </p:nvPr>
+        </p:nvSpPr>
+        <p:spPr>
+          <a:xfrm>
+            <a:off x="0" y="0"/>
+            <a:ext cx="36576000" cy="2239963"/>
+          </a:xfrm>
+        </p:spPr>
+        <p:txBody>
+          <a:bodyPr rtlCol="0">
+            <a:normAutofit fontScale="90000"/>
+          </a:bodyPr>
+          <a:lstStyle/>
+          <a:p>
+            <a:pPr defTabSz="3762024" fontAlgn="auto">
+              <a:spcAft>
+                <a:spcPts val="0"/>
+              </a:spcAft>
+              <a:defRPr/>
+            </a:pPr>
+            <a:r>
+              <a:rPr lang="en-US" dirty="0" smtClean="0"/>
+              <a:t>Company Management System</a:t>
+            </a:r>
+            <a:endParaRPr lang="en-US" dirty="0"/>
+          </a:p>
+        </p:txBody>
+      </p:sp>
+      <p:sp>
+        <p:nvSpPr>
+          <p:cNvPr id="3" name="Subtitle 2"/>
+          <p:cNvSpPr>
+            <a:spLocks noGrp="1"/>
+          </p:cNvSpPr>
+          <p:nvPr>
+            <p:ph type="subTitle" idx="1"/>
+          </p:nvPr>
+        </p:nvSpPr>
+        <p:spPr>
+          <a:xfrm>
+            <a:off x="10744200" y="3048000"/>
+            <a:ext cx="15240000" cy="3967162"/>
+          </a:xfrm>
+        </p:spPr>
+        <p:txBody>
+          <a:bodyPr>
+            <a:normAutofit/>
+          </a:bodyPr>
+          <a:lstStyle/>
+          <a:p>
+            <a:pPr>
+              <a:lnSpc>
+                <a:spcPct val="90000"/>
+              </a:lnSpc>
+            </a:pPr>
+            <a:r>
+              <a:rPr lang="en-US" sz="5400" dirty="0" smtClean="0">
+                <a:solidFill>
+                  <a:schemeClr val="bg1"/>
+                </a:solidFill>
+              </a:rPr>
+              <a:t>Michael </a:t>
+            </a:r>
+            <a:r>
+              <a:rPr lang="en-US" sz="5400" dirty="0" smtClean="0">
+                <a:solidFill>
+                  <a:schemeClr val="bg1"/>
+                </a:solidFill>
+              </a:rPr>
+              <a:t>Laws, Michael </a:t>
+            </a:r>
+            <a:r>
+              <a:rPr lang="en-US" sz="5400" dirty="0" smtClean="0">
+                <a:solidFill>
+                  <a:schemeClr val="bg1"/>
+                </a:solidFill>
+              </a:rPr>
+              <a:t>Harrison</a:t>
+            </a:r>
+          </a:p>
+          <a:p>
+            <a:pPr>
+              <a:lnSpc>
+                <a:spcPct val="90000"/>
+              </a:lnSpc>
+            </a:pPr>
+            <a:r>
+              <a:rPr lang="en-US" sz="5400" dirty="0" smtClean="0">
+                <a:solidFill>
+                  <a:schemeClr val="bg1"/>
+                </a:solidFill>
+              </a:rPr>
+              <a:t>Ryan </a:t>
+            </a:r>
+            <a:r>
+              <a:rPr lang="en-US" sz="5400" dirty="0" err="1" smtClean="0">
+                <a:solidFill>
+                  <a:schemeClr val="bg1"/>
+                </a:solidFill>
+              </a:rPr>
+              <a:t>Rabe</a:t>
+            </a:r>
+            <a:r>
+              <a:rPr lang="en-US" sz="5400" dirty="0" smtClean="0">
+                <a:solidFill>
+                  <a:schemeClr val="bg1"/>
+                </a:solidFill>
+              </a:rPr>
+              <a:t>, </a:t>
+            </a:r>
+            <a:r>
+              <a:rPr lang="en-US" sz="5400" dirty="0" err="1" smtClean="0">
+                <a:solidFill>
+                  <a:schemeClr val="bg1"/>
+                </a:solidFill>
+              </a:rPr>
+              <a:t>Dimitri</a:t>
+            </a:r>
+            <a:r>
+              <a:rPr lang="en-US" sz="5400" dirty="0" smtClean="0">
+                <a:solidFill>
+                  <a:schemeClr val="bg1"/>
+                </a:solidFill>
+              </a:rPr>
+              <a:t> </a:t>
+            </a:r>
+            <a:r>
+              <a:rPr lang="en-US" sz="5400" dirty="0" err="1" smtClean="0">
+                <a:solidFill>
+                  <a:schemeClr val="bg1"/>
+                </a:solidFill>
+              </a:rPr>
+              <a:t>Hatley</a:t>
+            </a:r>
+            <a:endParaRPr lang="en-US" sz="12200" dirty="0" smtClean="0">
+              <a:solidFill>
+                <a:schemeClr val="bg1"/>
+              </a:solidFill>
+            </a:endParaRPr>
+          </a:p>
+        </p:txBody>
+      </p:sp>
+      <p:sp>
+        <p:nvSpPr>
+          <p:cNvPr id="13316" name="Subtitle 2"/>
+          <p:cNvSpPr txBox="1">
+            <a:spLocks/>
+          </p:cNvSpPr>
+          <p:nvPr/>
+        </p:nvSpPr>
+        <p:spPr bwMode="auto">
+          <a:xfrm>
+            <a:off x="0" y="1828800"/>
+            <a:ext cx="36576000" cy="1685925"/>
+          </a:xfrm>
+          <a:prstGeom prst="rect">
+            <a:avLst/>
+          </a:prstGeom>
+          <a:noFill/>
+          <a:ln w="9525">
+            <a:noFill/>
+            <a:miter lim="800000"/>
+            <a:headEnd/>
+            <a:tailEnd/>
+          </a:ln>
+        </p:spPr>
+        <p:txBody>
+          <a:bodyPr lIns="376202" tIns="188101" rIns="376202" bIns="188101"/>
+          <a:lstStyle/>
+          <a:p>
+            <a:pPr algn="ctr">
+              <a:spcBef>
+                <a:spcPct val="20000"/>
+              </a:spcBef>
+            </a:pPr>
+            <a:r>
+              <a:rPr lang="en-US" sz="8200">
+                <a:solidFill>
+                  <a:schemeClr val="bg1"/>
+                </a:solidFill>
+                <a:latin typeface="Calibri" pitchFamily="34" charset="0"/>
+              </a:rPr>
+              <a:t>Team Name: Team1</a:t>
+            </a:r>
+            <a:endParaRPr lang="en-US" sz="13200">
+              <a:solidFill>
+                <a:schemeClr val="bg1"/>
+              </a:solidFill>
+              <a:latin typeface="Calibri" pitchFamily="34" charset="0"/>
+            </a:endParaRPr>
+          </a:p>
+        </p:txBody>
+      </p:sp>
+      <p:sp>
+        <p:nvSpPr>
+          <p:cNvPr id="13317" name="TextBox 4"/>
+          <p:cNvSpPr txBox="1">
+            <a:spLocks noChangeArrowheads="1"/>
+          </p:cNvSpPr>
+          <p:nvPr/>
+        </p:nvSpPr>
+        <p:spPr bwMode="auto">
+          <a:xfrm>
+            <a:off x="533400" y="4953000"/>
+            <a:ext cx="12192000" cy="6119909"/>
+          </a:xfrm>
+          <a:prstGeom prst="rect">
+            <a:avLst/>
+          </a:prstGeom>
+          <a:noFill/>
+          <a:ln w="9525">
+            <a:noFill/>
+            <a:miter lim="800000"/>
+            <a:headEnd/>
+            <a:tailEnd/>
+          </a:ln>
+        </p:spPr>
+        <p:txBody>
+          <a:bodyPr lIns="376202" tIns="188101" rIns="376202" bIns="188101">
             <a:spAutoFit/>
           </a:bodyPr>
           <a:lstStyle/>
           <a:p>
-            <a:pPr algn="ctr"/>
-            <a:r>
-              <a:rPr lang="en-US" sz="10000" b="1" dirty="0" smtClean="0">
-                <a:ln w="1905"/>
-                <a:gradFill>
-                  <a:gsLst>
-                    <a:gs pos="0">
-                      <a:schemeClr val="accent6">
-                        <a:shade val="20000"/>
-                        <a:satMod val="200000"/>
-                      </a:schemeClr>
-                    </a:gs>
-                    <a:gs pos="78000">
-                      <a:schemeClr val="accent6">
-                        <a:tint val="90000"/>
-                        <a:shade val="89000"/>
-                        <a:satMod val="220000"/>
-                      </a:schemeClr>
-                    </a:gs>
-                    <a:gs pos="100000">
-                      <a:schemeClr val="accent6">
-                        <a:tint val="12000"/>
-                        <a:satMod val="255000"/>
-                      </a:schemeClr>
-                    </a:gs>
-                  </a:gsLst>
-                  <a:lin ang="5400000"/>
-                </a:gradFill>
-                <a:effectLst>
-                  <a:innerShdw blurRad="69850" dist="43180" dir="5400000">
-                    <a:srgbClr val="000000">
-                      <a:alpha val="65000"/>
-                    </a:srgbClr>
-                  </a:innerShdw>
-                </a:effectLst>
+            <a:r>
+              <a:rPr lang="en-US" sz="5800" b="1" dirty="0">
+                <a:solidFill>
+                  <a:schemeClr val="bg1"/>
+                </a:solidFill>
+                <a:latin typeface="Calibri" pitchFamily="34" charset="0"/>
               </a:rPr>
-              <a:t>Flight Scheduler Assistant</a:t>
-            </a:r>
-          </a:p>
-          <a:p>
-            <a:pPr algn="ctr"/>
-            <a:r>
-              <a:rPr lang="en-US" sz="6600" b="1" dirty="0" smtClean="0">
-                <a:ln w="1905"/>
-                <a:gradFill>
-                  <a:gsLst>
-                    <a:gs pos="0">
-                      <a:schemeClr val="accent6">
-                        <a:shade val="20000"/>
-                        <a:satMod val="200000"/>
-                      </a:schemeClr>
-                    </a:gs>
-                    <a:gs pos="78000">
-                      <a:schemeClr val="accent6">
-                        <a:tint val="90000"/>
-                        <a:shade val="89000"/>
-                        <a:satMod val="220000"/>
-                      </a:schemeClr>
-                    </a:gs>
-                    <a:gs pos="100000">
-                      <a:schemeClr val="accent6">
-                        <a:tint val="12000"/>
-                        <a:satMod val="255000"/>
-                      </a:schemeClr>
-                    </a:gs>
-                  </a:gsLst>
-                  <a:lin ang="5400000"/>
-                </a:gradFill>
-                <a:effectLst>
-                  <a:innerShdw blurRad="69850" dist="43180" dir="5400000">
-                    <a:srgbClr val="000000">
-                      <a:alpha val="65000"/>
-                    </a:srgbClr>
-                  </a:innerShdw>
-                </a:effectLst>
+              <a:t>	OVERVIEW</a:t>
+            </a:r>
+          </a:p>
+          <a:p>
+            <a:r>
+              <a:rPr lang="en-US" sz="4500" dirty="0" smtClean="0">
+                <a:solidFill>
+                  <a:schemeClr val="bg1"/>
+                </a:solidFill>
+                <a:latin typeface="Calibri" pitchFamily="34" charset="0"/>
               </a:rPr>
-              <a:t>Team Name: Code Maulers</a:t>
-            </a:r>
-          </a:p>
-        </p:txBody>
-      </p:sp>
-      <p:sp>
-        <p:nvSpPr>
-          <p:cNvPr id="8" name="Rectangle 7"/>
-          <p:cNvSpPr/>
+              <a:t>Through programming with </a:t>
+            </a:r>
+            <a:r>
+              <a:rPr lang="en-US" sz="4500" dirty="0">
+                <a:solidFill>
+                  <a:schemeClr val="bg1"/>
+                </a:solidFill>
+                <a:latin typeface="Calibri" pitchFamily="34" charset="0"/>
+              </a:rPr>
+              <a:t>a web framework we have never heard of </a:t>
+            </a:r>
+            <a:r>
+              <a:rPr lang="en-US" sz="4500" dirty="0" smtClean="0">
+                <a:solidFill>
+                  <a:schemeClr val="bg1"/>
+                </a:solidFill>
+                <a:latin typeface="Calibri" pitchFamily="34" charset="0"/>
+              </a:rPr>
+              <a:t>before </a:t>
+            </a:r>
+            <a:r>
+              <a:rPr lang="en-US" sz="4500" dirty="0">
+                <a:solidFill>
+                  <a:schemeClr val="bg1"/>
+                </a:solidFill>
+                <a:latin typeface="Calibri" pitchFamily="34" charset="0"/>
+              </a:rPr>
+              <a:t>(Django</a:t>
+            </a:r>
+            <a:r>
+              <a:rPr lang="en-US" sz="4500" dirty="0" smtClean="0">
+                <a:solidFill>
+                  <a:schemeClr val="bg1"/>
+                </a:solidFill>
+                <a:latin typeface="Calibri" pitchFamily="34" charset="0"/>
+              </a:rPr>
+              <a:t>), </a:t>
+            </a:r>
+            <a:r>
+              <a:rPr lang="en-US" sz="4500" dirty="0">
+                <a:solidFill>
+                  <a:schemeClr val="bg1"/>
+                </a:solidFill>
+                <a:latin typeface="Calibri" pitchFamily="34" charset="0"/>
+              </a:rPr>
+              <a:t>in a language we have never used before (Python), we created a user role based, dynamically generated, highly extensible system to handle the paperwork the midshipmen of a company process on a daily basis.</a:t>
+            </a:r>
+          </a:p>
+        </p:txBody>
+      </p:sp>
+      <p:sp>
+        <p:nvSpPr>
+          <p:cNvPr id="13318" name="TextBox 5"/>
+          <p:cNvSpPr txBox="1">
+            <a:spLocks noChangeArrowheads="1"/>
+          </p:cNvSpPr>
           <p:nvPr/>
         </p:nvSpPr>
-        <p:spPr>
+        <p:spPr bwMode="auto">
           <a:xfrm>
-            <a:off x="13030200" y="3276600"/>
-            <a:ext cx="10439400" cy="1938992"/>
+            <a:off x="20193000" y="7315200"/>
+            <a:ext cx="9296400" cy="2088036"/>
           </a:xfrm>
           <a:prstGeom prst="rect">
             <a:avLst/>
           </a:prstGeom>
-        </p:spPr>
-        <p:txBody>
-          <a:bodyPr wrap="square" numCol="2">
+          <a:noFill/>
+          <a:ln w="9525">
+            <a:noFill/>
+            <a:miter lim="800000"/>
+            <a:headEnd/>
+            <a:tailEnd/>
+          </a:ln>
+        </p:spPr>
+        <p:txBody>
+          <a:bodyPr wrap="square" lIns="376202" tIns="188101" rIns="376202" bIns="188101">
             <a:spAutoFit/>
           </a:bodyPr>
           <a:lstStyle/>
           <a:p>
-            <a:pPr algn="ctr"/>
-            <a:r>
-              <a:rPr lang="en-US" sz="4000" b="1" dirty="0" smtClean="0">
-                <a:ln w="1905"/>
-                <a:gradFill>
-                  <a:gsLst>
-                    <a:gs pos="0">
-                      <a:schemeClr val="accent6">
-                        <a:shade val="20000"/>
-                        <a:satMod val="200000"/>
-                      </a:schemeClr>
-                    </a:gs>
-                    <a:gs pos="78000">
-                      <a:schemeClr val="accent6">
-                        <a:tint val="90000"/>
-                        <a:shade val="89000"/>
-                        <a:satMod val="220000"/>
-                      </a:schemeClr>
-                    </a:gs>
-                    <a:gs pos="100000">
-                      <a:schemeClr val="accent6">
-                        <a:tint val="12000"/>
-                        <a:satMod val="255000"/>
-                      </a:schemeClr>
-                    </a:gs>
-                  </a:gsLst>
-                  <a:lin ang="5400000"/>
-                </a:gradFill>
-                <a:effectLst>
-                  <a:innerShdw blurRad="69850" dist="43180" dir="5400000">
-                    <a:srgbClr val="000000">
-                      <a:alpha val="65000"/>
-                    </a:srgbClr>
-                  </a:innerShdw>
-                </a:effectLst>
+            <a:r>
+              <a:rPr lang="en-US" sz="6600" b="1" dirty="0">
+                <a:solidFill>
+                  <a:schemeClr val="bg1"/>
+                </a:solidFill>
+                <a:latin typeface="Calibri" pitchFamily="34" charset="0"/>
               </a:rPr>
-              <a:t>Patrick </a:t>
-            </a:r>
-            <a:r>
-              <a:rPr lang="en-US" sz="4000" b="1" dirty="0" err="1" smtClean="0">
-                <a:ln w="1905"/>
-                <a:gradFill>
-                  <a:gsLst>
-                    <a:gs pos="0">
-                      <a:schemeClr val="accent6">
-                        <a:shade val="20000"/>
-                        <a:satMod val="200000"/>
-                      </a:schemeClr>
-                    </a:gs>
-                    <a:gs pos="78000">
-                      <a:schemeClr val="accent6">
-                        <a:tint val="90000"/>
-                        <a:shade val="89000"/>
-                        <a:satMod val="220000"/>
-                      </a:schemeClr>
-                    </a:gs>
-                    <a:gs pos="100000">
-                      <a:schemeClr val="accent6">
-                        <a:tint val="12000"/>
-                        <a:satMod val="255000"/>
-                      </a:schemeClr>
-                    </a:gs>
-                  </a:gsLst>
-                  <a:lin ang="5400000"/>
-                </a:gradFill>
-                <a:effectLst>
-                  <a:innerShdw blurRad="69850" dist="43180" dir="5400000">
-                    <a:srgbClr val="000000">
-                      <a:alpha val="65000"/>
-                    </a:srgbClr>
-                  </a:innerShdw>
-                </a:effectLst>
+              <a:t>Workload Distribution</a:t>
+            </a:r>
+          </a:p>
+          <a:p>
+            <a:r>
+              <a:rPr lang="en-US" sz="4500" dirty="0" err="1">
+                <a:solidFill>
+                  <a:schemeClr val="bg1"/>
+                </a:solidFill>
+                <a:latin typeface="Calibri" pitchFamily="34" charset="0"/>
               </a:rPr>
-              <a:t>Rotolo</a:t>
-            </a:r>
-            <a:r>
-              <a:rPr lang="en-US" sz="4000" b="1" dirty="0" smtClean="0">
-                <a:ln w="1905"/>
-                <a:gradFill>
-                  <a:gsLst>
-                    <a:gs pos="0">
-                      <a:schemeClr val="accent6">
-                        <a:shade val="20000"/>
-                        <a:satMod val="200000"/>
-                      </a:schemeClr>
-                    </a:gs>
-                    <a:gs pos="78000">
-                      <a:schemeClr val="accent6">
-                        <a:tint val="90000"/>
-                        <a:shade val="89000"/>
-                        <a:satMod val="220000"/>
-                      </a:schemeClr>
-                    </a:gs>
-                    <a:gs pos="100000">
-                      <a:schemeClr val="accent6">
-                        <a:tint val="12000"/>
-                        <a:satMod val="255000"/>
-                      </a:schemeClr>
-                    </a:gs>
-                  </a:gsLst>
-                  <a:lin ang="5400000"/>
-                </a:gradFill>
-                <a:effectLst>
-                  <a:innerShdw blurRad="69850" dist="43180" dir="5400000">
-                    <a:srgbClr val="000000">
-                      <a:alpha val="65000"/>
-                    </a:srgbClr>
-                  </a:innerShdw>
-                </a:effectLst>
+              <a:t>Avg</a:t>
+            </a:r>
+            <a:r>
+              <a:rPr lang="en-US" sz="4500" dirty="0">
+                <a:solidFill>
+                  <a:schemeClr val="bg1"/>
+                </a:solidFill>
+                <a:latin typeface="Calibri" pitchFamily="34" charset="0"/>
               </a:rPr>
-              <a:t>      </a:t>
-            </a:r>
-          </a:p>
-          <a:p>
-            <a:pPr algn="ctr"/>
-            <a:r>
-              <a:rPr lang="en-US" sz="4000" b="1" dirty="0" smtClean="0">
-                <a:ln w="1905"/>
-                <a:gradFill>
-                  <a:gsLst>
-                    <a:gs pos="0">
-                      <a:schemeClr val="accent6">
-                        <a:shade val="20000"/>
-                        <a:satMod val="200000"/>
-                      </a:schemeClr>
-                    </a:gs>
-                    <a:gs pos="78000">
-                      <a:schemeClr val="accent6">
-                        <a:tint val="90000"/>
-                        <a:shade val="89000"/>
-                        <a:satMod val="220000"/>
-                      </a:schemeClr>
-                    </a:gs>
-                    <a:gs pos="100000">
-                      <a:schemeClr val="accent6">
-                        <a:tint val="12000"/>
-                        <a:satMod val="255000"/>
-                      </a:schemeClr>
-                    </a:gs>
-                  </a:gsLst>
-                  <a:lin ang="5400000"/>
-                </a:gradFill>
-                <a:effectLst>
-                  <a:innerShdw blurRad="69850" dist="43180" dir="5400000">
-                    <a:srgbClr val="000000">
-                      <a:alpha val="65000"/>
-                    </a:srgbClr>
-                  </a:innerShdw>
-                </a:effectLst>
-              </a:rPr>
-              <a:t>Alec Thomas</a:t>
-            </a:r>
-          </a:p>
-          <a:p>
-            <a:pPr algn="ctr"/>
-            <a:endParaRPr lang="en-US" sz="4000" b="1" dirty="0" smtClean="0">
-              <a:ln w="1905"/>
-              <a:gradFill>
-                <a:gsLst>
-                  <a:gs pos="0">
-                    <a:schemeClr val="accent6">
-                      <a:shade val="20000"/>
-                      <a:satMod val="200000"/>
-                    </a:schemeClr>
-                  </a:gs>
-                  <a:gs pos="78000">
-                    <a:schemeClr val="accent6">
-                      <a:tint val="90000"/>
-                      <a:shade val="89000"/>
-                      <a:satMod val="220000"/>
-                    </a:schemeClr>
-                  </a:gs>
-                  <a:gs pos="100000">
-                    <a:schemeClr val="accent6">
-                      <a:tint val="12000"/>
-                      <a:satMod val="255000"/>
-                    </a:schemeClr>
-                  </a:gs>
-                </a:gsLst>
-                <a:lin ang="5400000"/>
-              </a:gradFill>
-              <a:effectLst>
-                <a:innerShdw blurRad="69850" dist="43180" dir="5400000">
-                  <a:srgbClr val="000000">
-                    <a:alpha val="65000"/>
-                  </a:srgbClr>
-                </a:innerShdw>
-              </a:effectLst>
-            </a:endParaRPr>
-          </a:p>
-          <a:p>
-            <a:pPr algn="ctr"/>
-            <a:r>
-              <a:rPr lang="en-US" sz="4000" b="1" dirty="0" smtClean="0">
-                <a:ln w="1905"/>
-                <a:gradFill>
-                  <a:gsLst>
-                    <a:gs pos="0">
-                      <a:schemeClr val="accent6">
-                        <a:shade val="20000"/>
-                        <a:satMod val="200000"/>
-                      </a:schemeClr>
-                    </a:gs>
-                    <a:gs pos="78000">
-                      <a:schemeClr val="accent6">
-                        <a:tint val="90000"/>
-                        <a:shade val="89000"/>
-                        <a:satMod val="220000"/>
-                      </a:schemeClr>
-                    </a:gs>
-                    <a:gs pos="100000">
-                      <a:schemeClr val="accent6">
-                        <a:tint val="12000"/>
-                        <a:satMod val="255000"/>
-                      </a:schemeClr>
-                    </a:gs>
-                  </a:gsLst>
-                  <a:lin ang="5400000"/>
-                </a:gradFill>
-                <a:effectLst>
-                  <a:innerShdw blurRad="69850" dist="43180" dir="5400000">
-                    <a:srgbClr val="000000">
-                      <a:alpha val="65000"/>
-                    </a:srgbClr>
-                  </a:innerShdw>
-                </a:effectLst>
-              </a:rPr>
-              <a:t>Anthony </a:t>
-            </a:r>
-            <a:r>
-              <a:rPr lang="en-US" sz="4000" b="1" dirty="0" err="1" smtClean="0">
-                <a:ln w="1905"/>
-                <a:gradFill>
-                  <a:gsLst>
-                    <a:gs pos="0">
-                      <a:schemeClr val="accent6">
-                        <a:shade val="20000"/>
-                        <a:satMod val="200000"/>
-                      </a:schemeClr>
-                    </a:gs>
-                    <a:gs pos="78000">
-                      <a:schemeClr val="accent6">
-                        <a:tint val="90000"/>
-                        <a:shade val="89000"/>
-                        <a:satMod val="220000"/>
-                      </a:schemeClr>
-                    </a:gs>
-                    <a:gs pos="100000">
-                      <a:schemeClr val="accent6">
-                        <a:tint val="12000"/>
-                        <a:satMod val="255000"/>
-                      </a:schemeClr>
-                    </a:gs>
-                  </a:gsLst>
-                  <a:lin ang="5400000"/>
-                </a:gradFill>
-                <a:effectLst>
-                  <a:innerShdw blurRad="69850" dist="43180" dir="5400000">
-                    <a:srgbClr val="000000">
-                      <a:alpha val="65000"/>
-                    </a:srgbClr>
-                  </a:innerShdw>
-                </a:effectLst>
-              </a:rPr>
-              <a:t>Scalabrino</a:t>
-            </a:r>
-            <a:r>
-              <a:rPr lang="en-US" sz="4000" b="1" dirty="0" smtClean="0">
-                <a:ln w="1905"/>
-                <a:gradFill>
-                  <a:gsLst>
-                    <a:gs pos="0">
-                      <a:schemeClr val="accent6">
-                        <a:shade val="20000"/>
-                        <a:satMod val="200000"/>
-                      </a:schemeClr>
-                    </a:gs>
-                    <a:gs pos="78000">
-                      <a:schemeClr val="accent6">
-                        <a:tint val="90000"/>
-                        <a:shade val="89000"/>
-                        <a:satMod val="220000"/>
-                      </a:schemeClr>
-                    </a:gs>
-                    <a:gs pos="100000">
-                      <a:schemeClr val="accent6">
-                        <a:tint val="12000"/>
-                        <a:satMod val="255000"/>
-                      </a:schemeClr>
-                    </a:gs>
-                  </a:gsLst>
-                  <a:lin ang="5400000"/>
-                </a:gradFill>
-                <a:effectLst>
-                  <a:innerShdw blurRad="69850" dist="43180" dir="5400000">
-                    <a:srgbClr val="000000">
-                      <a:alpha val="65000"/>
-                    </a:srgbClr>
-                  </a:innerShdw>
-                </a:effectLst>
-              </a:rPr>
-              <a:t>       </a:t>
-            </a:r>
-          </a:p>
-          <a:p>
-            <a:pPr algn="ctr"/>
-            <a:r>
-              <a:rPr lang="en-US" sz="4000" b="1" dirty="0" err="1" smtClean="0">
-                <a:ln w="1905"/>
-                <a:gradFill>
-                  <a:gsLst>
-                    <a:gs pos="0">
-                      <a:schemeClr val="accent6">
-                        <a:shade val="20000"/>
-                        <a:satMod val="200000"/>
-                      </a:schemeClr>
-                    </a:gs>
-                    <a:gs pos="78000">
-                      <a:schemeClr val="accent6">
-                        <a:tint val="90000"/>
-                        <a:shade val="89000"/>
-                        <a:satMod val="220000"/>
-                      </a:schemeClr>
-                    </a:gs>
-                    <a:gs pos="100000">
-                      <a:schemeClr val="accent6">
-                        <a:tint val="12000"/>
-                        <a:satMod val="255000"/>
-                      </a:schemeClr>
-                    </a:gs>
-                  </a:gsLst>
-                  <a:lin ang="5400000"/>
-                </a:gradFill>
-                <a:effectLst>
-                  <a:innerShdw blurRad="69850" dist="43180" dir="5400000">
-                    <a:srgbClr val="000000">
-                      <a:alpha val="65000"/>
-                    </a:srgbClr>
-                  </a:innerShdw>
-                </a:effectLst>
-              </a:rPr>
-              <a:t>Tori</a:t>
-            </a:r>
-            <a:r>
-              <a:rPr lang="en-US" sz="4000" b="1" dirty="0" smtClean="0">
-                <a:ln w="1905"/>
-                <a:gradFill>
-                  <a:gsLst>
-                    <a:gs pos="0">
-                      <a:schemeClr val="accent6">
-                        <a:shade val="20000"/>
-                        <a:satMod val="200000"/>
-                      </a:schemeClr>
-                    </a:gs>
-                    <a:gs pos="78000">
-                      <a:schemeClr val="accent6">
-                        <a:tint val="90000"/>
-                        <a:shade val="89000"/>
-                        <a:satMod val="220000"/>
-                      </a:schemeClr>
-                    </a:gs>
-                    <a:gs pos="100000">
-                      <a:schemeClr val="accent6">
-                        <a:tint val="12000"/>
-                        <a:satMod val="255000"/>
-                      </a:schemeClr>
-                    </a:gs>
-                  </a:gsLst>
-                  <a:lin ang="5400000"/>
-                </a:gradFill>
-                <a:effectLst>
-                  <a:innerShdw blurRad="69850" dist="43180" dir="5400000">
-                    <a:srgbClr val="000000">
-                      <a:alpha val="65000"/>
-                    </a:srgbClr>
-                  </a:innerShdw>
-                </a:effectLst>
-              </a:rPr>
-              <a:t> </a:t>
-            </a:r>
-            <a:r>
-              <a:rPr lang="en-US" sz="4000" b="1" dirty="0" err="1" smtClean="0">
-                <a:ln w="1905"/>
-                <a:gradFill>
-                  <a:gsLst>
-                    <a:gs pos="0">
-                      <a:schemeClr val="accent6">
-                        <a:shade val="20000"/>
-                        <a:satMod val="200000"/>
-                      </a:schemeClr>
-                    </a:gs>
-                    <a:gs pos="78000">
-                      <a:schemeClr val="accent6">
-                        <a:tint val="90000"/>
-                        <a:shade val="89000"/>
-                        <a:satMod val="220000"/>
-                      </a:schemeClr>
-                    </a:gs>
-                    <a:gs pos="100000">
-                      <a:schemeClr val="accent6">
-                        <a:tint val="12000"/>
-                        <a:satMod val="255000"/>
-                      </a:schemeClr>
-                    </a:gs>
-                  </a:gsLst>
-                  <a:lin ang="5400000"/>
-                </a:gradFill>
-                <a:effectLst>
-                  <a:innerShdw blurRad="69850" dist="43180" dir="5400000">
-                    <a:srgbClr val="000000">
-                      <a:alpha val="65000"/>
-                    </a:srgbClr>
-                  </a:innerShdw>
-                </a:effectLst>
-              </a:rPr>
-              <a:t>Wiedmeier</a:t>
-            </a:r>
-            <a:endParaRPr lang="en-US" sz="4000" b="1" dirty="0">
-              <a:ln w="1905"/>
-              <a:gradFill>
-                <a:gsLst>
-                  <a:gs pos="0">
-                    <a:schemeClr val="accent6">
-                      <a:shade val="20000"/>
-                      <a:satMod val="200000"/>
-                    </a:schemeClr>
-                  </a:gs>
-                  <a:gs pos="78000">
-                    <a:schemeClr val="accent6">
-                      <a:tint val="90000"/>
-                      <a:shade val="89000"/>
-                      <a:satMod val="220000"/>
-                    </a:schemeClr>
-                  </a:gs>
-                  <a:gs pos="100000">
-                    <a:schemeClr val="accent6">
-                      <a:tint val="12000"/>
-                      <a:satMod val="255000"/>
-                    </a:schemeClr>
-                  </a:gs>
-                </a:gsLst>
-                <a:lin ang="5400000"/>
-              </a:gradFill>
-              <a:effectLst>
-                <a:innerShdw blurRad="69850" dist="43180" dir="5400000">
-                  <a:srgbClr val="000000">
-                    <a:alpha val="65000"/>
-                  </a:srgbClr>
-                </a:innerShdw>
-              </a:effectLst>
-            </a:endParaRPr>
+              <a:t> man hours per person: 120+</a:t>
+            </a:r>
           </a:p>
         </p:txBody>
       </p:sp>
       <p:pic>
         <p:nvPicPr>
-          <p:cNvPr id="11" name="Picture 10" descr="NAVY_ryan_seacrest.jpg"/>
+          <p:cNvPr id="13320" name="Picture 15" descr="crest1.png"/>
           <p:cNvPicPr>
             <a:picLocks noChangeAspect="1"/>
           </p:cNvPicPr>
@@ -3734,519 +3950,6 @@
         </p:nvPicPr>
         <p:blipFill>
           <a:blip r:embed="rId3" cstate="print"/>
-          <a:stretch>
-            <a:fillRect/>
-          </a:stretch>
-        </p:blipFill>
-        <p:spPr>
-          <a:xfrm>
-            <a:off x="6705600" y="1524000"/>
-            <a:ext cx="2255520" cy="2819400"/>
-          </a:xfrm>
-          <a:prstGeom prst="rect">
-            <a:avLst/>
-          </a:prstGeom>
-        </p:spPr>
-      </p:pic>
-      <p:sp>
-        <p:nvSpPr>
-          <p:cNvPr id="13" name="Rounded Rectangle 12"/>
-          <p:cNvSpPr/>
-          <p:nvPr/>
-        </p:nvSpPr>
-        <p:spPr>
-          <a:xfrm>
-            <a:off x="1143000" y="12192000"/>
-            <a:ext cx="16916400" cy="15925800"/>
-          </a:xfrm>
-          <a:prstGeom prst="roundRect">
-            <a:avLst/>
-          </a:prstGeom>
-          <a:solidFill>
-            <a:schemeClr val="bg1">
-              <a:alpha val="75000"/>
-            </a:schemeClr>
-          </a:solidFill>
-          <a:ln w="82550">
-            <a:solidFill>
-              <a:schemeClr val="tx1"/>
-            </a:solidFill>
-          </a:ln>
-        </p:spPr>
-        <p:style>
-          <a:lnRef idx="2">
-            <a:schemeClr val="accent1">
-              <a:shade val="50000"/>
-            </a:schemeClr>
-          </a:lnRef>
-          <a:fillRef idx="1">
-            <a:schemeClr val="accent1"/>
-          </a:fillRef>
-          <a:effectRef idx="0">
-            <a:schemeClr val="accent1"/>
-          </a:effectRef>
-          <a:fontRef idx="minor">
-            <a:schemeClr val="lt1"/>
-          </a:fontRef>
-        </p:style>
-        <p:txBody>
-          <a:bodyPr rtlCol="0" anchor="ctr"/>
-          <a:lstStyle/>
-          <a:p>
-            <a:pPr algn="ctr"/>
-            <a:endParaRPr lang="en-US"/>
-          </a:p>
-        </p:txBody>
-      </p:sp>
-      <p:sp>
-        <p:nvSpPr>
-          <p:cNvPr id="15" name="Rectangle 14"/>
-          <p:cNvSpPr/>
-          <p:nvPr/>
-        </p:nvSpPr>
-        <p:spPr>
-          <a:xfrm>
-            <a:off x="2590800" y="12725400"/>
-            <a:ext cx="13718275" cy="1323439"/>
-          </a:xfrm>
-          <a:prstGeom prst="rect">
-            <a:avLst/>
-          </a:prstGeom>
-        </p:spPr>
-        <p:txBody>
-          <a:bodyPr wrap="square">
-            <a:spAutoFit/>
-          </a:bodyPr>
-          <a:lstStyle/>
-          <a:p>
-            <a:pPr algn="ctr"/>
-            <a:r>
-              <a:rPr lang="en-US" sz="8000" b="1" dirty="0" smtClean="0">
-                <a:ln w="1905"/>
-                <a:gradFill>
-                  <a:gsLst>
-                    <a:gs pos="0">
-                      <a:schemeClr val="accent6">
-                        <a:shade val="20000"/>
-                        <a:satMod val="200000"/>
-                      </a:schemeClr>
-                    </a:gs>
-                    <a:gs pos="78000">
-                      <a:schemeClr val="accent6">
-                        <a:tint val="90000"/>
-                        <a:shade val="89000"/>
-                        <a:satMod val="220000"/>
-                      </a:schemeClr>
-                    </a:gs>
-                    <a:gs pos="100000">
-                      <a:schemeClr val="accent6">
-                        <a:tint val="12000"/>
-                        <a:satMod val="255000"/>
-                      </a:schemeClr>
-                    </a:gs>
-                  </a:gsLst>
-                  <a:lin ang="5400000"/>
-                </a:gradFill>
-                <a:effectLst>
-                  <a:innerShdw blurRad="69850" dist="43180" dir="5400000">
-                    <a:srgbClr val="000000">
-                      <a:alpha val="65000"/>
-                    </a:srgbClr>
-                  </a:innerShdw>
-                </a:effectLst>
-              </a:rPr>
-              <a:t>UML Diagram</a:t>
-            </a:r>
-          </a:p>
-        </p:txBody>
-      </p:sp>
-      <p:sp>
-        <p:nvSpPr>
-          <p:cNvPr id="16" name="Rounded Rectangle 15"/>
-          <p:cNvSpPr/>
-          <p:nvPr/>
-        </p:nvSpPr>
-        <p:spPr>
-          <a:xfrm>
-            <a:off x="1219200" y="5715000"/>
-            <a:ext cx="16916400" cy="6019800"/>
-          </a:xfrm>
-          <a:prstGeom prst="roundRect">
-            <a:avLst/>
-          </a:prstGeom>
-          <a:solidFill>
-            <a:schemeClr val="bg1">
-              <a:alpha val="75000"/>
-            </a:schemeClr>
-          </a:solidFill>
-          <a:ln w="82550">
-            <a:solidFill>
-              <a:schemeClr val="tx1"/>
-            </a:solidFill>
-          </a:ln>
-        </p:spPr>
-        <p:style>
-          <a:lnRef idx="2">
-            <a:schemeClr val="accent1">
-              <a:shade val="50000"/>
-            </a:schemeClr>
-          </a:lnRef>
-          <a:fillRef idx="1">
-            <a:schemeClr val="accent1"/>
-          </a:fillRef>
-          <a:effectRef idx="0">
-            <a:schemeClr val="accent1"/>
-          </a:effectRef>
-          <a:fontRef idx="minor">
-            <a:schemeClr val="lt1"/>
-          </a:fontRef>
-        </p:style>
-        <p:txBody>
-          <a:bodyPr rtlCol="0" anchor="ctr"/>
-          <a:lstStyle/>
-          <a:p>
-            <a:pPr algn="ctr"/>
-            <a:endParaRPr lang="en-US"/>
-          </a:p>
-        </p:txBody>
-      </p:sp>
-      <p:sp>
-        <p:nvSpPr>
-          <p:cNvPr id="17" name="Rectangle 16"/>
-          <p:cNvSpPr/>
-          <p:nvPr/>
-        </p:nvSpPr>
-        <p:spPr>
-          <a:xfrm>
-            <a:off x="2666999" y="5708456"/>
-            <a:ext cx="7848601" cy="1323439"/>
-          </a:xfrm>
-          <a:prstGeom prst="rect">
-            <a:avLst/>
-          </a:prstGeom>
-        </p:spPr>
-        <p:txBody>
-          <a:bodyPr wrap="square">
-            <a:spAutoFit/>
-          </a:bodyPr>
-          <a:lstStyle/>
-          <a:p>
-            <a:pPr algn="ctr"/>
-            <a:r>
-              <a:rPr lang="en-US" sz="8000" b="1" dirty="0" smtClean="0">
-                <a:ln w="1905"/>
-                <a:gradFill>
-                  <a:gsLst>
-                    <a:gs pos="0">
-                      <a:schemeClr val="accent6">
-                        <a:shade val="20000"/>
-                        <a:satMod val="200000"/>
-                      </a:schemeClr>
-                    </a:gs>
-                    <a:gs pos="78000">
-                      <a:schemeClr val="accent6">
-                        <a:tint val="90000"/>
-                        <a:shade val="89000"/>
-                        <a:satMod val="220000"/>
-                      </a:schemeClr>
-                    </a:gs>
-                    <a:gs pos="100000">
-                      <a:schemeClr val="accent6">
-                        <a:tint val="12000"/>
-                        <a:satMod val="255000"/>
-                      </a:schemeClr>
-                    </a:gs>
-                  </a:gsLst>
-                  <a:lin ang="5400000"/>
-                </a:gradFill>
-                <a:effectLst>
-                  <a:innerShdw blurRad="69850" dist="43180" dir="5400000">
-                    <a:srgbClr val="000000">
-                      <a:alpha val="65000"/>
-                    </a:srgbClr>
-                  </a:innerShdw>
-                </a:effectLst>
-              </a:rPr>
-              <a:t>Overview</a:t>
-            </a:r>
-          </a:p>
-        </p:txBody>
-      </p:sp>
-      <p:sp>
-        <p:nvSpPr>
-          <p:cNvPr id="19" name="TextBox 18"/>
-          <p:cNvSpPr txBox="1"/>
-          <p:nvPr/>
-        </p:nvSpPr>
-        <p:spPr>
-          <a:xfrm>
-            <a:off x="1447800" y="7391400"/>
-            <a:ext cx="10896600" cy="3170099"/>
-          </a:xfrm>
-          <a:prstGeom prst="rect">
-            <a:avLst/>
-          </a:prstGeom>
-          <a:noFill/>
-        </p:spPr>
-        <p:txBody>
-          <a:bodyPr wrap="square" rtlCol="0">
-            <a:spAutoFit/>
-          </a:bodyPr>
-          <a:lstStyle/>
-          <a:p>
-            <a:r>
-              <a:rPr lang="en-US" sz="4000" dirty="0" smtClean="0"/>
-              <a:t>The Aviation Scheduler uses a database to keep track of flight information for pilots and NFOs to include their flights, training data, log books, and snivels.  Access to certain features are restricted based on the role of the user.</a:t>
-            </a:r>
-            <a:endParaRPr lang="en-US" sz="4000" dirty="0"/>
-          </a:p>
-        </p:txBody>
-      </p:sp>
-      <p:sp>
-        <p:nvSpPr>
-          <p:cNvPr id="21" name="Rounded Rectangle 20"/>
-          <p:cNvSpPr/>
-          <p:nvPr/>
-        </p:nvSpPr>
-        <p:spPr>
-          <a:xfrm>
-            <a:off x="18516600" y="20421600"/>
-            <a:ext cx="16916400" cy="7543800"/>
-          </a:xfrm>
-          <a:prstGeom prst="roundRect">
-            <a:avLst/>
-          </a:prstGeom>
-          <a:solidFill>
-            <a:schemeClr val="bg1">
-              <a:alpha val="75000"/>
-            </a:schemeClr>
-          </a:solidFill>
-          <a:ln w="82550">
-            <a:solidFill>
-              <a:schemeClr val="tx1"/>
-            </a:solidFill>
-          </a:ln>
-        </p:spPr>
-        <p:style>
-          <a:lnRef idx="2">
-            <a:schemeClr val="accent1">
-              <a:shade val="50000"/>
-            </a:schemeClr>
-          </a:lnRef>
-          <a:fillRef idx="1">
-            <a:schemeClr val="accent1"/>
-          </a:fillRef>
-          <a:effectRef idx="0">
-            <a:schemeClr val="accent1"/>
-          </a:effectRef>
-          <a:fontRef idx="minor">
-            <a:schemeClr val="lt1"/>
-          </a:fontRef>
-        </p:style>
-        <p:txBody>
-          <a:bodyPr rtlCol="0" anchor="ctr"/>
-          <a:lstStyle/>
-          <a:p>
-            <a:pPr algn="ctr"/>
-            <a:endParaRPr lang="en-US"/>
-          </a:p>
-        </p:txBody>
-      </p:sp>
-      <p:sp>
-        <p:nvSpPr>
-          <p:cNvPr id="22" name="Rectangle 21"/>
-          <p:cNvSpPr/>
-          <p:nvPr/>
-        </p:nvSpPr>
-        <p:spPr>
-          <a:xfrm>
-            <a:off x="19964400" y="20878800"/>
-            <a:ext cx="13718275" cy="1323439"/>
-          </a:xfrm>
-          <a:prstGeom prst="rect">
-            <a:avLst/>
-          </a:prstGeom>
-        </p:spPr>
-        <p:txBody>
-          <a:bodyPr wrap="square">
-            <a:spAutoFit/>
-          </a:bodyPr>
-          <a:lstStyle/>
-          <a:p>
-            <a:pPr algn="ctr"/>
-            <a:r>
-              <a:rPr lang="en-US" sz="8000" b="1" dirty="0" smtClean="0">
-                <a:ln w="1905"/>
-                <a:gradFill>
-                  <a:gsLst>
-                    <a:gs pos="0">
-                      <a:schemeClr val="accent6">
-                        <a:shade val="20000"/>
-                        <a:satMod val="200000"/>
-                      </a:schemeClr>
-                    </a:gs>
-                    <a:gs pos="78000">
-                      <a:schemeClr val="accent6">
-                        <a:tint val="90000"/>
-                        <a:shade val="89000"/>
-                        <a:satMod val="220000"/>
-                      </a:schemeClr>
-                    </a:gs>
-                    <a:gs pos="100000">
-                      <a:schemeClr val="accent6">
-                        <a:tint val="12000"/>
-                        <a:satMod val="255000"/>
-                      </a:schemeClr>
-                    </a:gs>
-                  </a:gsLst>
-                  <a:lin ang="5400000"/>
-                </a:gradFill>
-                <a:effectLst>
-                  <a:innerShdw blurRad="69850" dist="43180" dir="5400000">
-                    <a:srgbClr val="000000">
-                      <a:alpha val="65000"/>
-                    </a:srgbClr>
-                  </a:innerShdw>
-                </a:effectLst>
-              </a:rPr>
-              <a:t>GUI</a:t>
-            </a:r>
-          </a:p>
-        </p:txBody>
-      </p:sp>
-      <p:sp>
-        <p:nvSpPr>
-          <p:cNvPr id="23" name="Rounded Rectangle 22"/>
-          <p:cNvSpPr/>
-          <p:nvPr/>
-        </p:nvSpPr>
-        <p:spPr>
-          <a:xfrm>
-            <a:off x="18592800" y="5562600"/>
-            <a:ext cx="16916400" cy="13487400"/>
-          </a:xfrm>
-          <a:prstGeom prst="roundRect">
-            <a:avLst/>
-          </a:prstGeom>
-          <a:solidFill>
-            <a:schemeClr val="bg1">
-              <a:alpha val="75000"/>
-            </a:schemeClr>
-          </a:solidFill>
-          <a:ln w="82550">
-            <a:solidFill>
-              <a:schemeClr val="tx1"/>
-            </a:solidFill>
-          </a:ln>
-        </p:spPr>
-        <p:style>
-          <a:lnRef idx="2">
-            <a:schemeClr val="accent1">
-              <a:shade val="50000"/>
-            </a:schemeClr>
-          </a:lnRef>
-          <a:fillRef idx="1">
-            <a:schemeClr val="accent1"/>
-          </a:fillRef>
-          <a:effectRef idx="0">
-            <a:schemeClr val="accent1"/>
-          </a:effectRef>
-          <a:fontRef idx="minor">
-            <a:schemeClr val="lt1"/>
-          </a:fontRef>
-        </p:style>
-        <p:txBody>
-          <a:bodyPr rtlCol="0" anchor="ctr"/>
-          <a:lstStyle/>
-          <a:p>
-            <a:pPr algn="ctr"/>
-            <a:endParaRPr lang="en-US"/>
-          </a:p>
-        </p:txBody>
-      </p:sp>
-      <p:sp>
-        <p:nvSpPr>
-          <p:cNvPr id="24" name="Rectangle 23"/>
-          <p:cNvSpPr/>
-          <p:nvPr/>
-        </p:nvSpPr>
-        <p:spPr>
-          <a:xfrm>
-            <a:off x="19882133" y="5556056"/>
-            <a:ext cx="13718275" cy="1323439"/>
-          </a:xfrm>
-          <a:prstGeom prst="rect">
-            <a:avLst/>
-          </a:prstGeom>
-        </p:spPr>
-        <p:txBody>
-          <a:bodyPr wrap="square">
-            <a:spAutoFit/>
-          </a:bodyPr>
-          <a:lstStyle/>
-          <a:p>
-            <a:pPr algn="ctr"/>
-            <a:r>
-              <a:rPr lang="en-US" sz="8000" b="1" dirty="0" smtClean="0">
-                <a:ln w="1905"/>
-                <a:gradFill>
-                  <a:gsLst>
-                    <a:gs pos="0">
-                      <a:schemeClr val="accent6">
-                        <a:shade val="20000"/>
-                        <a:satMod val="200000"/>
-                      </a:schemeClr>
-                    </a:gs>
-                    <a:gs pos="78000">
-                      <a:schemeClr val="accent6">
-                        <a:tint val="90000"/>
-                        <a:shade val="89000"/>
-                        <a:satMod val="220000"/>
-                      </a:schemeClr>
-                    </a:gs>
-                    <a:gs pos="100000">
-                      <a:schemeClr val="accent6">
-                        <a:tint val="12000"/>
-                        <a:satMod val="255000"/>
-                      </a:schemeClr>
-                    </a:gs>
-                  </a:gsLst>
-                  <a:lin ang="5400000"/>
-                </a:gradFill>
-                <a:effectLst>
-                  <a:innerShdw blurRad="69850" dist="43180" dir="5400000">
-                    <a:srgbClr val="000000">
-                      <a:alpha val="65000"/>
-                    </a:srgbClr>
-                  </a:innerShdw>
-                </a:effectLst>
-              </a:rPr>
-              <a:t>Workload Distribution</a:t>
-            </a:r>
-          </a:p>
-        </p:txBody>
-      </p:sp>
-      <p:pic>
-        <p:nvPicPr>
-          <p:cNvPr id="25" name="Picture 2"/>
-          <p:cNvPicPr>
-            <a:picLocks noChangeAspect="1" noChangeArrowheads="1"/>
-          </p:cNvPicPr>
-          <p:nvPr/>
-        </p:nvPicPr>
-        <p:blipFill>
-          <a:blip r:embed="rId4" cstate="print">
-            <a:clrChange>
-              <a:clrFrom>
-                <a:srgbClr val="FFFFFF"/>
-              </a:clrFrom>
-              <a:clrTo>
-                <a:srgbClr val="FFFFFF">
-                  <a:alpha val="0"/>
-                </a:srgbClr>
-              </a:clrTo>
-            </a:clrChange>
-          </a:blip>
           <a:srcRect/>
           <a:stretch>
             <a:fillRect/>
@@ -4254,8 +3957,65 @@
         </p:blipFill>
         <p:spPr bwMode="auto">
           <a:xfrm>
-            <a:off x="20040600" y="7391400"/>
-            <a:ext cx="7026015" cy="5105400"/>
+            <a:off x="1219200" y="0"/>
+            <a:ext cx="3143250" cy="4495800"/>
+          </a:xfrm>
+          <a:prstGeom prst="rect">
+            <a:avLst/>
+          </a:prstGeom>
+          <a:noFill/>
+          <a:ln w="9525">
+            <a:noFill/>
+            <a:miter lim="800000"/>
+            <a:headEnd/>
+            <a:tailEnd/>
+          </a:ln>
+        </p:spPr>
+      </p:pic>
+      <p:pic>
+        <p:nvPicPr>
+          <p:cNvPr id="13321" name="Picture 10" descr="Z:\Pictures\Department Poster Pics\FinalCSLogo\CS-Logo-final-small.png"/>
+          <p:cNvPicPr>
+            <a:picLocks noChangeAspect="1" noChangeArrowheads="1"/>
+          </p:cNvPicPr>
+          <p:nvPr/>
+        </p:nvPicPr>
+        <p:blipFill>
+          <a:blip r:embed="rId4" cstate="print"/>
+          <a:srcRect/>
+          <a:stretch>
+            <a:fillRect/>
+          </a:stretch>
+        </p:blipFill>
+        <p:spPr bwMode="auto">
+          <a:xfrm>
+            <a:off x="32004000" y="0"/>
+            <a:ext cx="3694113" cy="3711575"/>
+          </a:xfrm>
+          <a:prstGeom prst="rect">
+            <a:avLst/>
+          </a:prstGeom>
+          <a:noFill/>
+          <a:ln w="9525">
+            <a:noFill/>
+            <a:miter lim="800000"/>
+            <a:headEnd/>
+            <a:tailEnd/>
+          </a:ln>
+        </p:spPr>
+      </p:pic>
+      <p:sp>
+        <p:nvSpPr>
+          <p:cNvPr id="13323" name="Text Box 11"/>
+          <p:cNvSpPr txBox="1">
+            <a:spLocks noChangeArrowheads="1"/>
+          </p:cNvSpPr>
+          <p:nvPr/>
+        </p:nvSpPr>
+        <p:spPr bwMode="auto">
+          <a:xfrm>
+            <a:off x="3108325" y="12222163"/>
+            <a:ext cx="5980113" cy="1219200"/>
           </a:xfrm>
           <a:prstGeom prst="rect">
             <a:avLst/>
@@ -4269,104 +4029,36 @@
           </a:ln>
           <a:effectLst/>
         </p:spPr>
-      </p:pic>
-      <p:sp>
-        <p:nvSpPr>
-          <p:cNvPr id="26" name="Rectangle 25"/>
-          <p:cNvSpPr/>
-          <p:nvPr/>
-        </p:nvSpPr>
-        <p:spPr>
-          <a:xfrm>
-            <a:off x="19888200" y="7162800"/>
-            <a:ext cx="7688969" cy="830997"/>
-          </a:xfrm>
-          <a:prstGeom prst="rect">
-            <a:avLst/>
-          </a:prstGeom>
-          <a:noFill/>
-        </p:spPr>
-        <p:txBody>
-          <a:bodyPr wrap="square">
+        <p:txBody>
+          <a:bodyPr wrap="none">
             <a:spAutoFit/>
-            <a:scene3d>
-              <a:camera prst="orthographicFront"/>
-              <a:lightRig rig="soft" dir="tl">
-                <a:rot lat="0" lon="0" rev="0"/>
-              </a:lightRig>
-            </a:scene3d>
-            <a:sp3d contourW="25400" prstMaterial="matte">
-              <a:bevelT w="25400" h="55880" prst="artDeco"/>
-              <a:contourClr>
-                <a:schemeClr val="accent2">
-                  <a:tint val="20000"/>
-                </a:schemeClr>
-              </a:contourClr>
-            </a:sp3d>
           </a:bodyPr>
           <a:lstStyle/>
           <a:p>
-            <a:pPr algn="ctr" fontAlgn="auto">
-              <a:spcBef>
-                <a:spcPts val="0"/>
-              </a:spcBef>
-              <a:spcAft>
-                <a:spcPts val="0"/>
-              </a:spcAft>
-              <a:defRPr/>
-            </a:pPr>
-            <a:r>
-              <a:rPr lang="en-US" sz="4800" b="1" spc="50" dirty="0">
-                <a:ln w="11430"/>
+            <a:pPr defTabSz="914400"/>
+            <a:r>
+              <a:rPr lang="en-US">
                 <a:solidFill>
-                  <a:schemeClr val="accent6">
-                    <a:lumMod val="75000"/>
-                  </a:schemeClr>
+                  <a:schemeClr val="bg1"/>
                 </a:solidFill>
-                <a:effectLst>
-                  <a:outerShdw blurRad="76200" dist="50800" dir="5400000" algn="tl" rotWithShape="0">
-                    <a:srgbClr val="000000">
-                      <a:alpha val="65000"/>
-                    </a:srgbClr>
-                  </a:outerShdw>
-                </a:effectLst>
-                <a:latin typeface="+mn-lt"/>
               </a:rPr>
-              <a:t>Cumulative Task Oriented</a:t>
-            </a:r>
-          </a:p>
-        </p:txBody>
-      </p:sp>
-      <p:pic>
-        <p:nvPicPr>
-          <p:cNvPr id="27" name="Picture 2"/>
-          <p:cNvPicPr>
-            <a:picLocks noChangeAspect="1" noChangeArrowheads="1"/>
-          </p:cNvPicPr>
+              <a:t>UML Diagram</a:t>
+            </a:r>
+          </a:p>
+        </p:txBody>
+      </p:sp>
+      <p:sp>
+        <p:nvSpPr>
+          <p:cNvPr id="13324" name="Text Box 12"/>
+          <p:cNvSpPr txBox="1">
+            <a:spLocks noChangeArrowheads="1"/>
+          </p:cNvSpPr>
           <p:nvPr/>
-        </p:nvPicPr>
-        <p:blipFill>
-          <a:blip r:embed="rId5" cstate="print">
-            <a:clrChange>
-              <a:clrFrom>
-                <a:srgbClr val="FFFFFF"/>
-              </a:clrFrom>
-              <a:clrTo>
-                <a:srgbClr val="FFFFFF">
-                  <a:alpha val="0"/>
-                </a:srgbClr>
-              </a:clrTo>
-            </a:clrChange>
-          </a:blip>
-          <a:srcRect/>
-          <a:stretch>
-            <a:fillRect/>
-          </a:stretch>
-        </p:blipFill>
+        </p:nvSpPr>
         <p:spPr bwMode="auto">
           <a:xfrm>
-            <a:off x="27660600" y="7315200"/>
-            <a:ext cx="7086600" cy="5149424"/>
+            <a:off x="23926800" y="18059400"/>
+            <a:ext cx="1854200" cy="1219200"/>
           </a:xfrm>
           <a:prstGeom prst="rect">
             <a:avLst/>
@@ -4380,93 +4072,53 @@
           </a:ln>
           <a:effectLst/>
         </p:spPr>
-      </p:pic>
-      <p:sp>
-        <p:nvSpPr>
-          <p:cNvPr id="28" name="Rectangle 27"/>
-          <p:cNvSpPr/>
+        <p:txBody>
+          <a:bodyPr wrap="none">
+            <a:spAutoFit/>
+          </a:bodyPr>
+          <a:lstStyle/>
+          <a:p>
+            <a:pPr defTabSz="914400"/>
+            <a:r>
+              <a:rPr lang="en-US" dirty="0">
+                <a:solidFill>
+                  <a:schemeClr val="bg1"/>
+                </a:solidFill>
+              </a:rPr>
+              <a:t>GUI</a:t>
+            </a:r>
+          </a:p>
+        </p:txBody>
+      </p:sp>
+      <p:pic>
+        <p:nvPicPr>
+          <p:cNvPr id="13325" name="Picture 13" descr="UML_1"/>
+          <p:cNvPicPr>
+            <a:picLocks noChangeAspect="1" noChangeArrowheads="1"/>
+          </p:cNvPicPr>
           <p:nvPr/>
-        </p:nvSpPr>
-        <p:spPr>
+        </p:nvPicPr>
+        <p:blipFill>
+          <a:blip r:embed="rId5" cstate="print"/>
+          <a:srcRect/>
+          <a:stretch>
+            <a:fillRect/>
+          </a:stretch>
+        </p:blipFill>
+        <p:spPr bwMode="auto">
           <a:xfrm>
-            <a:off x="22707600" y="12725400"/>
-            <a:ext cx="8458200" cy="830997"/>
+            <a:off x="838200" y="13716000"/>
+            <a:ext cx="11688763" cy="15087600"/>
           </a:xfrm>
           <a:prstGeom prst="rect">
             <a:avLst/>
           </a:prstGeom>
           <a:noFill/>
         </p:spPr>
-        <p:txBody>
-          <a:bodyPr wrap="square">
-            <a:spAutoFit/>
-            <a:scene3d>
-              <a:camera prst="orthographicFront"/>
-              <a:lightRig rig="soft" dir="tl">
-                <a:rot lat="0" lon="0" rev="0"/>
-              </a:lightRig>
-            </a:scene3d>
-            <a:sp3d contourW="25400" prstMaterial="matte">
-              <a:bevelT w="25400" h="55880" prst="artDeco"/>
-              <a:contourClr>
-                <a:schemeClr val="accent2">
-                  <a:tint val="20000"/>
-                </a:schemeClr>
-              </a:contourClr>
-            </a:sp3d>
-          </a:bodyPr>
-          <a:lstStyle/>
-          <a:p>
-            <a:pPr algn="ctr" fontAlgn="auto">
-              <a:spcBef>
-                <a:spcPts val="0"/>
-              </a:spcBef>
-              <a:spcAft>
-                <a:spcPts val="0"/>
-              </a:spcAft>
-              <a:defRPr/>
-            </a:pPr>
-            <a:r>
-              <a:rPr lang="en-US" sz="4800" b="1" spc="50" dirty="0" smtClean="0">
-                <a:ln w="11430"/>
-                <a:solidFill>
-                  <a:schemeClr val="accent6">
-                    <a:lumMod val="75000"/>
-                  </a:schemeClr>
-                </a:solidFill>
-                <a:effectLst>
-                  <a:outerShdw blurRad="76200" dist="50800" dir="5400000" algn="tl" rotWithShape="0">
-                    <a:srgbClr val="000000">
-                      <a:alpha val="65000"/>
-                    </a:srgbClr>
-                  </a:outerShdw>
-                </a:effectLst>
-                <a:latin typeface="+mn-lt"/>
-              </a:rPr>
-              <a:t>Time Per Milestone</a:t>
-            </a:r>
-            <a:endParaRPr lang="en-US" sz="4800" b="1" spc="50" dirty="0">
-              <a:ln w="11430"/>
-              <a:solidFill>
-                <a:schemeClr val="accent6">
-                  <a:lumMod val="75000"/>
-                </a:schemeClr>
-              </a:solidFill>
-              <a:effectLst>
-                <a:outerShdw blurRad="76200" dist="50800" dir="5400000" algn="tl" rotWithShape="0">
-                  <a:srgbClr val="000000">
-                    <a:alpha val="65000"/>
-                  </a:srgbClr>
-                </a:outerShdw>
-              </a:effectLst>
-              <a:latin typeface="+mn-lt"/>
-            </a:endParaRPr>
-          </a:p>
-        </p:txBody>
-      </p:sp>
+      </p:pic>
       <p:pic>
         <p:nvPicPr>
-          <p:cNvPr id="33" name="Picture 2"/>
+          <p:cNvPr id="13326" name="Picture 14" descr="eng view 1"/>
           <p:cNvPicPr>
             <a:picLocks noChangeAspect="1" noChangeArrowheads="1"/>
           </p:cNvPicPr>
@@ -4481,44 +4133,18 @@
         </p:blipFill>
         <p:spPr bwMode="auto">
           <a:xfrm>
-            <a:off x="24765000" y="22783800"/>
-            <a:ext cx="5759971" cy="4010025"/>
+            <a:off x="13868400" y="19278600"/>
+            <a:ext cx="10515600" cy="9080500"/>
           </a:xfrm>
           <a:prstGeom prst="rect">
             <a:avLst/>
           </a:prstGeom>
           <a:noFill/>
-          <a:ln w="9525">
-            <a:noFill/>
-            <a:miter lim="800000"/>
-            <a:headEnd/>
-            <a:tailEnd/>
-          </a:ln>
-          <a:effectLst>
-            <a:outerShdw blurRad="225425" dist="50800" dir="5220000" algn="ctr">
-              <a:srgbClr val="000000">
-                <a:alpha val="33000"/>
-              </a:srgbClr>
-            </a:outerShdw>
-          </a:effectLst>
-          <a:scene3d>
-            <a:camera prst="obliqueBottomRight"/>
-            <a:lightRig rig="harsh" dir="t">
-              <a:rot lat="0" lon="0" rev="3000000"/>
-            </a:lightRig>
-          </a:scene3d>
-          <a:sp3d extrusionH="254000" contourW="19050">
-            <a:bevelT w="82550" h="44450" prst="angle"/>
-            <a:bevelB w="82550" h="44450" prst="angle"/>
-            <a:contourClr>
-              <a:srgbClr val="FFFFFF"/>
-            </a:contourClr>
-          </a:sp3d>
         </p:spPr>
       </p:pic>
       <p:pic>
         <p:nvPicPr>
-          <p:cNvPr id="29" name="Picture 2"/>
+          <p:cNvPr id="13327" name="Picture 15" descr="eng view 2"/>
           <p:cNvPicPr>
             <a:picLocks noChangeAspect="1" noChangeArrowheads="1"/>
           </p:cNvPicPr>
@@ -4533,128 +4159,27 @@
         </p:blipFill>
         <p:spPr bwMode="auto">
           <a:xfrm>
-            <a:off x="19050000" y="21412200"/>
-            <a:ext cx="5029200" cy="3501270"/>
+            <a:off x="25374600" y="19126200"/>
+            <a:ext cx="10591800" cy="9577388"/>
           </a:xfrm>
           <a:prstGeom prst="rect">
             <a:avLst/>
           </a:prstGeom>
           <a:noFill/>
-          <a:ln w="9525">
-            <a:noFill/>
-            <a:miter lim="800000"/>
-            <a:headEnd/>
-            <a:tailEnd/>
-          </a:ln>
-          <a:effectLst>
-            <a:outerShdw blurRad="225425" dist="50800" dir="5220000" algn="ctr">
-              <a:srgbClr val="000000">
-                <a:alpha val="33000"/>
-              </a:srgbClr>
-            </a:outerShdw>
-          </a:effectLst>
-          <a:scene3d>
-            <a:camera prst="perspectiveFront" fov="3300000">
-              <a:rot lat="486000" lon="19530000" rev="174000"/>
-            </a:camera>
-            <a:lightRig rig="harsh" dir="t">
-              <a:rot lat="0" lon="0" rev="3000000"/>
-            </a:lightRig>
-          </a:scene3d>
-          <a:sp3d extrusionH="254000" contourW="19050">
-            <a:bevelT w="82550" h="44450" prst="angle"/>
-            <a:bevelB w="82550" h="44450" prst="angle"/>
-            <a:contourClr>
-              <a:srgbClr val="FFFFFF"/>
-            </a:contourClr>
-          </a:sp3d>
         </p:spPr>
       </p:pic>
-      <p:pic>
-        <p:nvPicPr>
-          <p:cNvPr id="30" name="Picture 2"/>
-          <p:cNvPicPr>
-            <a:picLocks noChangeAspect="1" noChangeArrowheads="1"/>
-          </p:cNvPicPr>
+      <p:sp>
+        <p:nvSpPr>
+          <p:cNvPr id="13344" name="Text Box 32"/>
+          <p:cNvSpPr txBox="1">
+            <a:spLocks noChangeArrowheads="1"/>
+          </p:cNvSpPr>
           <p:nvPr/>
-        </p:nvPicPr>
-        <p:blipFill>
-          <a:blip r:embed="rId8" cstate="print"/>
-          <a:srcRect/>
-          <a:stretch>
-            <a:fillRect/>
-          </a:stretch>
-        </p:blipFill>
+        </p:nvSpPr>
         <p:spPr bwMode="auto">
           <a:xfrm>
-            <a:off x="20726400" y="24079200"/>
-            <a:ext cx="5363204" cy="3733800"/>
-          </a:xfrm>
-          <a:prstGeom prst="rect">
-            <a:avLst/>
-          </a:prstGeom>
-          <a:noFill/>
-          <a:ln w="9525">
-            <a:noFill/>
-            <a:miter lim="800000"/>
-            <a:headEnd/>
-            <a:tailEnd/>
-          </a:ln>
-          <a:effectLst>
-            <a:outerShdw blurRad="225425" dist="50800" dir="5220000" algn="ctr">
-              <a:srgbClr val="000000">
-                <a:alpha val="33000"/>
-              </a:srgbClr>
-            </a:outerShdw>
-          </a:effectLst>
-          <a:scene3d>
-            <a:camera prst="perspectiveFront" fov="3300000">
-              <a:rot lat="486000" lon="19530000" rev="174000"/>
-            </a:camera>
-            <a:lightRig rig="harsh" dir="t">
-              <a:rot lat="0" lon="0" rev="3000000"/>
-            </a:lightRig>
-          </a:scene3d>
-          <a:sp3d extrusionH="254000" contourW="19050">
-            <a:bevelT w="82550" h="44450" prst="angle"/>
-            <a:bevelB w="82550" h="44450" prst="angle"/>
-            <a:contourClr>
-              <a:srgbClr val="FFFFFF"/>
-            </a:contourClr>
-          </a:sp3d>
-        </p:spPr>
-      </p:pic>
-      <p:pic>
-        <p:nvPicPr>
-          <p:cNvPr id="34" name="Picture 4"/>
-          <p:cNvPicPr>
-            <a:picLocks noChangeAspect="1" noChangeArrowheads="1"/>
-          </p:cNvPicPr>
-          <p:nvPr/>
-        </p:nvPicPr>
-        <p:blipFill>
-          <a:blip r:embed="rId9" cstate="print">
-            <a:clrChange>
-              <a:clrFrom>
-                <a:srgbClr val="FFFFFF"/>
-              </a:clrFrom>
-              <a:clrTo>
-                <a:srgbClr val="FFFFFF">
-                  <a:alpha val="0"/>
-                </a:srgbClr>
-              </a:clrTo>
-            </a:clrChange>
-            <a:lum bright="-40000"/>
-          </a:blip>
-          <a:srcRect l="73750" t="24445" r="7242" b="23334"/>
-          <a:stretch>
-            <a:fillRect/>
-          </a:stretch>
-        </p:blipFill>
-        <p:spPr bwMode="auto">
-          <a:xfrm>
-            <a:off x="13411200" y="7592196"/>
-            <a:ext cx="2286000" cy="3533004"/>
+            <a:off x="12877800" y="13411200"/>
+            <a:ext cx="4936095" cy="5339923"/>
           </a:xfrm>
           <a:prstGeom prst="rect">
             <a:avLst/>
@@ -4668,414 +4193,710 @@
           </a:ln>
           <a:effectLst/>
         </p:spPr>
-      </p:pic>
-      <p:sp>
-        <p:nvSpPr>
-          <p:cNvPr id="35" name="Rectangle 34"/>
-          <p:cNvSpPr/>
+        <p:txBody>
+          <a:bodyPr wrap="none">
+            <a:spAutoFit/>
+          </a:bodyPr>
+          <a:lstStyle/>
+          <a:p>
+            <a:pPr defTabSz="914400"/>
+            <a:r>
+              <a:rPr lang="en-US" sz="5800" b="1" dirty="0" err="1">
+                <a:solidFill>
+                  <a:schemeClr val="bg1"/>
+                </a:solidFill>
+                <a:latin typeface="Calibri" pitchFamily="34" charset="0"/>
+              </a:rPr>
+              <a:t>Mcabe’s</a:t>
+            </a:r>
+            <a:r>
+              <a:rPr lang="en-US" sz="5800" b="1" dirty="0">
+                <a:solidFill>
+                  <a:schemeClr val="bg1"/>
+                </a:solidFill>
+                <a:latin typeface="Calibri" pitchFamily="34" charset="0"/>
+              </a:rPr>
+              <a:t> Metric</a:t>
+            </a:r>
+          </a:p>
+          <a:p>
+            <a:pPr defTabSz="914400"/>
+            <a:endParaRPr lang="en-US" sz="5800" dirty="0">
+              <a:solidFill>
+                <a:schemeClr val="bg1"/>
+              </a:solidFill>
+              <a:latin typeface="Calibri" pitchFamily="34" charset="0"/>
+            </a:endParaRPr>
+          </a:p>
+          <a:p>
+            <a:pPr defTabSz="914400"/>
+            <a:r>
+              <a:rPr lang="en-US" sz="4500" dirty="0">
+                <a:solidFill>
+                  <a:schemeClr val="bg1"/>
+                </a:solidFill>
+                <a:latin typeface="Calibri" pitchFamily="34" charset="0"/>
+              </a:rPr>
+              <a:t>E = 8</a:t>
+            </a:r>
+          </a:p>
+          <a:p>
+            <a:pPr defTabSz="914400"/>
+            <a:r>
+              <a:rPr lang="en-US" sz="4500" dirty="0">
+                <a:solidFill>
+                  <a:schemeClr val="bg1"/>
+                </a:solidFill>
+                <a:latin typeface="Calibri" pitchFamily="34" charset="0"/>
+              </a:rPr>
+              <a:t>N = 7</a:t>
+            </a:r>
+          </a:p>
+          <a:p>
+            <a:pPr defTabSz="914400"/>
+            <a:r>
+              <a:rPr lang="en-US" sz="4500" dirty="0">
+                <a:solidFill>
+                  <a:schemeClr val="bg1"/>
+                </a:solidFill>
+                <a:latin typeface="Calibri" pitchFamily="34" charset="0"/>
+              </a:rPr>
+              <a:t>P = 1</a:t>
+            </a:r>
+          </a:p>
+          <a:p>
+            <a:pPr defTabSz="914400"/>
+            <a:r>
+              <a:rPr lang="en-US" sz="4500" dirty="0">
+                <a:solidFill>
+                  <a:schemeClr val="bg1"/>
+                </a:solidFill>
+                <a:latin typeface="Calibri" pitchFamily="34" charset="0"/>
+              </a:rPr>
+              <a:t>Therefore,</a:t>
+            </a:r>
+          </a:p>
+          <a:p>
+            <a:pPr defTabSz="914400"/>
+            <a:r>
+              <a:rPr lang="en-US" sz="4500" dirty="0">
+                <a:solidFill>
+                  <a:schemeClr val="bg1"/>
+                </a:solidFill>
+                <a:latin typeface="Calibri" pitchFamily="34" charset="0"/>
+              </a:rPr>
+              <a:t>M = </a:t>
+            </a:r>
+            <a:r>
+              <a:rPr lang="en-US" sz="4500" dirty="0" smtClean="0">
+                <a:solidFill>
+                  <a:schemeClr val="bg1"/>
+                </a:solidFill>
+                <a:latin typeface="Calibri" pitchFamily="34" charset="0"/>
+              </a:rPr>
+              <a:t>3</a:t>
+            </a:r>
+            <a:endParaRPr lang="en-US" dirty="0">
+              <a:solidFill>
+                <a:schemeClr val="bg1"/>
+              </a:solidFill>
+            </a:endParaRPr>
+          </a:p>
+        </p:txBody>
+      </p:sp>
+      <p:cxnSp>
+        <p:nvCxnSpPr>
+          <p:cNvPr id="13345" name="Straight Arrow Connector 8"/>
+          <p:cNvCxnSpPr>
+            <a:cxnSpLocks noChangeShapeType="1"/>
+            <a:stCxn id="13349" idx="5"/>
+            <a:endCxn id="13351" idx="0"/>
+          </p:cNvCxnSpPr>
           <p:nvPr/>
-        </p:nvSpPr>
-        <p:spPr>
-          <a:xfrm>
-            <a:off x="11963400" y="5974140"/>
-            <a:ext cx="5334000" cy="1569660"/>
-          </a:xfrm>
-          <a:prstGeom prst="rect">
+        </p:nvCxnSpPr>
+        <p:spPr bwMode="auto">
+          <a:xfrm rot="16200000" flipH="1">
+            <a:off x="16552863" y="14990763"/>
+            <a:ext cx="382587" cy="268287"/>
+          </a:xfrm>
+          <a:prstGeom prst="straightConnector1">
             <a:avLst/>
           </a:prstGeom>
           <a:noFill/>
-        </p:spPr>
-        <p:txBody>
-          <a:bodyPr wrap="square">
-            <a:spAutoFit/>
-            <a:scene3d>
-              <a:camera prst="orthographicFront"/>
-              <a:lightRig rig="soft" dir="tl">
-                <a:rot lat="0" lon="0" rev="0"/>
-              </a:lightRig>
-            </a:scene3d>
-            <a:sp3d contourW="25400" prstMaterial="matte">
-              <a:bevelT w="25400" h="55880" prst="artDeco"/>
-              <a:contourClr>
-                <a:schemeClr val="accent2">
-                  <a:tint val="20000"/>
-                </a:schemeClr>
-              </a:contourClr>
-            </a:sp3d>
-          </a:bodyPr>
-          <a:lstStyle/>
-          <a:p>
-            <a:pPr algn="ctr" fontAlgn="auto">
-              <a:spcBef>
-                <a:spcPts val="0"/>
-              </a:spcBef>
-              <a:spcAft>
-                <a:spcPts val="0"/>
-              </a:spcAft>
-              <a:defRPr/>
-            </a:pPr>
-            <a:r>
-              <a:rPr lang="en-US" sz="4800" b="1" spc="50" dirty="0" smtClean="0">
-                <a:ln w="11430"/>
-                <a:solidFill>
-                  <a:schemeClr val="accent6">
-                    <a:lumMod val="75000"/>
-                  </a:schemeClr>
-                </a:solidFill>
-                <a:effectLst>
-                  <a:outerShdw blurRad="76200" dist="50800" dir="5400000" algn="tl" rotWithShape="0">
-                    <a:srgbClr val="000000">
-                      <a:alpha val="65000"/>
-                    </a:srgbClr>
-                  </a:outerShdw>
-                </a:effectLst>
-                <a:latin typeface="+mn-lt"/>
-              </a:rPr>
-              <a:t>McCabe Metric for </a:t>
-            </a:r>
-            <a:r>
-              <a:rPr lang="en-US" sz="4800" b="1" spc="50" dirty="0" err="1" smtClean="0">
-                <a:ln w="11430"/>
-                <a:solidFill>
-                  <a:schemeClr val="accent6">
-                    <a:lumMod val="75000"/>
-                  </a:schemeClr>
-                </a:solidFill>
-                <a:effectLst>
-                  <a:outerShdw blurRad="76200" dist="50800" dir="5400000" algn="tl" rotWithShape="0">
-                    <a:srgbClr val="000000">
-                      <a:alpha val="65000"/>
-                    </a:srgbClr>
-                  </a:outerShdw>
-                </a:effectLst>
-                <a:latin typeface="+mn-lt"/>
-              </a:rPr>
-              <a:t>makeFlightPlan</a:t>
-            </a:r>
-            <a:r>
-              <a:rPr lang="en-US" sz="4800" b="1" spc="50" dirty="0" smtClean="0">
-                <a:ln w="11430"/>
-                <a:solidFill>
-                  <a:schemeClr val="accent6">
-                    <a:lumMod val="75000"/>
-                  </a:schemeClr>
-                </a:solidFill>
-                <a:effectLst>
-                  <a:outerShdw blurRad="76200" dist="50800" dir="5400000" algn="tl" rotWithShape="0">
-                    <a:srgbClr val="000000">
-                      <a:alpha val="65000"/>
-                    </a:srgbClr>
-                  </a:outerShdw>
-                </a:effectLst>
-                <a:latin typeface="+mn-lt"/>
-              </a:rPr>
-              <a:t>() </a:t>
-            </a:r>
-            <a:endParaRPr lang="en-US" sz="4800" b="1" spc="50" dirty="0">
-              <a:ln w="11430"/>
-              <a:solidFill>
-                <a:schemeClr val="accent6">
-                  <a:lumMod val="75000"/>
-                </a:schemeClr>
-              </a:solidFill>
-              <a:effectLst>
-                <a:outerShdw blurRad="76200" dist="50800" dir="5400000" algn="tl" rotWithShape="0">
-                  <a:srgbClr val="000000">
-                    <a:alpha val="65000"/>
-                  </a:srgbClr>
-                </a:outerShdw>
-              </a:effectLst>
-              <a:latin typeface="+mn-lt"/>
-            </a:endParaRPr>
-          </a:p>
-        </p:txBody>
-      </p:sp>
-      <p:sp>
-        <p:nvSpPr>
-          <p:cNvPr id="36" name="TextBox 35"/>
-          <p:cNvSpPr txBox="1"/>
+          <a:ln w="9525" algn="ctr">
+            <a:solidFill>
+              <a:schemeClr val="tx1"/>
+            </a:solidFill>
+            <a:round/>
+            <a:headEnd/>
+            <a:tailEnd type="arrow" w="med" len="med"/>
+          </a:ln>
+        </p:spPr>
+      </p:cxnSp>
+      <p:cxnSp>
+        <p:nvCxnSpPr>
+          <p:cNvPr id="13346" name="Straight Arrow Connector 10"/>
+          <p:cNvCxnSpPr>
+            <a:cxnSpLocks noChangeShapeType="1"/>
+            <a:stCxn id="13349" idx="3"/>
+            <a:endCxn id="13350" idx="0"/>
+          </p:cNvCxnSpPr>
           <p:nvPr/>
-        </p:nvSpPr>
-        <p:spPr>
-          <a:xfrm>
-            <a:off x="7391400" y="10874514"/>
-            <a:ext cx="10363200" cy="707886"/>
-          </a:xfrm>
-          <a:prstGeom prst="rect">
+        </p:nvCxnSpPr>
+        <p:spPr bwMode="auto">
+          <a:xfrm rot="5400000">
+            <a:off x="15906750" y="14990763"/>
+            <a:ext cx="382587" cy="268288"/>
+          </a:xfrm>
+          <a:prstGeom prst="straightConnector1">
             <a:avLst/>
           </a:prstGeom>
           <a:noFill/>
-        </p:spPr>
-        <p:txBody>
-          <a:bodyPr wrap="square" rtlCol="0">
-            <a:spAutoFit/>
-          </a:bodyPr>
-          <a:lstStyle/>
-          <a:p>
-            <a:r>
-              <a:rPr lang="en-US" sz="4000" dirty="0" smtClean="0"/>
-              <a:t>M= e-2+2 = 16-11+2 </a:t>
-            </a:r>
-            <a:r>
-              <a:rPr lang="en-US" sz="4000" dirty="0" smtClean="0"/>
-              <a:t>= </a:t>
-            </a:r>
-            <a:r>
-              <a:rPr lang="en-US" sz="4000" dirty="0" smtClean="0"/>
-              <a:t>7 a reasonable M value</a:t>
-            </a:r>
-            <a:endParaRPr lang="en-US" sz="4000" dirty="0"/>
-          </a:p>
-        </p:txBody>
-      </p:sp>
-      <p:pic>
-        <p:nvPicPr>
-          <p:cNvPr id="37" name="Picture 2"/>
-          <p:cNvPicPr>
-            <a:picLocks noChangeAspect="1" noChangeArrowheads="1"/>
-          </p:cNvPicPr>
+          <a:ln w="9525" algn="ctr">
+            <a:solidFill>
+              <a:schemeClr val="tx1"/>
+            </a:solidFill>
+            <a:round/>
+            <a:headEnd/>
+            <a:tailEnd type="arrow" w="med" len="med"/>
+          </a:ln>
+        </p:spPr>
+      </p:cxnSp>
+      <p:cxnSp>
+        <p:nvCxnSpPr>
+          <p:cNvPr id="13347" name="Straight Arrow Connector 12"/>
+          <p:cNvCxnSpPr>
+            <a:cxnSpLocks noChangeShapeType="1"/>
+            <a:stCxn id="13350" idx="4"/>
+            <a:endCxn id="13352" idx="1"/>
+          </p:cNvCxnSpPr>
           <p:nvPr/>
-        </p:nvPicPr>
-        <p:blipFill>
-          <a:blip r:embed="rId10" cstate="print"/>
-          <a:srcRect/>
-          <a:stretch>
-            <a:fillRect/>
-          </a:stretch>
-        </p:blipFill>
+        </p:nvCxnSpPr>
         <p:spPr bwMode="auto">
-          <a:xfrm>
-            <a:off x="30175200" y="21107400"/>
-            <a:ext cx="4305300" cy="3381375"/>
-          </a:xfrm>
-          <a:prstGeom prst="rect">
+          <a:xfrm rot="16200000" flipH="1">
+            <a:off x="15944850" y="15868650"/>
+            <a:ext cx="306388" cy="268288"/>
+          </a:xfrm>
+          <a:prstGeom prst="straightConnector1">
             <a:avLst/>
           </a:prstGeom>
           <a:noFill/>
-          <a:ln w="9525">
-            <a:noFill/>
-            <a:miter lim="800000"/>
+          <a:ln w="9525" algn="ctr">
+            <a:solidFill>
+              <a:schemeClr val="tx1"/>
+            </a:solidFill>
+            <a:round/>
+            <a:headEnd/>
+            <a:tailEnd type="arrow" w="med" len="med"/>
+          </a:ln>
+        </p:spPr>
+      </p:cxnSp>
+      <p:cxnSp>
+        <p:nvCxnSpPr>
+          <p:cNvPr id="13348" name="Straight Arrow Connector 16"/>
+          <p:cNvCxnSpPr>
+            <a:cxnSpLocks noChangeShapeType="1"/>
+            <a:stCxn id="13351" idx="4"/>
+            <a:endCxn id="13352" idx="7"/>
+          </p:cNvCxnSpPr>
+          <p:nvPr/>
+        </p:nvCxnSpPr>
+        <p:spPr bwMode="auto">
+          <a:xfrm rot="5400000">
+            <a:off x="16590963" y="15868650"/>
+            <a:ext cx="306388" cy="268287"/>
+          </a:xfrm>
+          <a:prstGeom prst="straightConnector1">
+            <a:avLst/>
+          </a:prstGeom>
+          <a:noFill/>
+          <a:ln w="9525" algn="ctr">
+            <a:solidFill>
+              <a:schemeClr val="tx1"/>
+            </a:solidFill>
+            <a:round/>
+            <a:headEnd/>
+            <a:tailEnd type="arrow" w="med" len="med"/>
+          </a:ln>
+        </p:spPr>
+      </p:cxnSp>
+      <p:sp>
+        <p:nvSpPr>
+          <p:cNvPr id="13349" name="Oval 17"/>
+          <p:cNvSpPr>
+            <a:spLocks noChangeArrowheads="1"/>
+          </p:cNvSpPr>
+          <p:nvPr/>
+        </p:nvSpPr>
+        <p:spPr bwMode="auto">
+          <a:xfrm>
+            <a:off x="16154400" y="14478000"/>
+            <a:ext cx="533400" cy="533400"/>
+          </a:xfrm>
+          <a:prstGeom prst="ellipse">
+            <a:avLst/>
+          </a:prstGeom>
+          <a:solidFill>
+            <a:srgbClr val="FF0000"/>
+          </a:solidFill>
+          <a:ln w="9525" algn="ctr">
+            <a:solidFill>
+              <a:schemeClr val="tx1"/>
+            </a:solidFill>
+            <a:round/>
             <a:headEnd/>
             <a:tailEnd/>
           </a:ln>
-          <a:effectLst>
-            <a:outerShdw blurRad="225425" dist="50800" dir="5220000" algn="ctr">
-              <a:srgbClr val="000000">
-                <a:alpha val="33000"/>
-              </a:srgbClr>
-            </a:outerShdw>
-          </a:effectLst>
-          <a:scene3d>
-            <a:camera prst="perspectiveFront" fov="3300000">
-              <a:rot lat="21420348" lon="1536441" rev="21482677"/>
-            </a:camera>
-            <a:lightRig rig="harsh" dir="t">
-              <a:rot lat="0" lon="0" rev="3000000"/>
-            </a:lightRig>
-          </a:scene3d>
-          <a:sp3d extrusionH="254000" contourW="19050">
-            <a:bevelT w="82550" h="44450" prst="angle"/>
-            <a:bevelB w="82550" h="44450" prst="angle"/>
-            <a:contourClr>
-              <a:srgbClr val="FFFFFF"/>
-            </a:contourClr>
-          </a:sp3d>
-        </p:spPr>
-      </p:pic>
-      <p:pic>
-        <p:nvPicPr>
-          <p:cNvPr id="38" name="Picture 3"/>
-          <p:cNvPicPr>
-            <a:picLocks noChangeAspect="1" noChangeArrowheads="1"/>
-          </p:cNvPicPr>
+        </p:spPr>
+        <p:txBody>
+          <a:bodyPr/>
+          <a:lstStyle/>
+          <a:p>
+            <a:pPr algn="ctr">
+              <a:buClr>
+                <a:srgbClr val="000000"/>
+              </a:buClr>
+              <a:buSzPct val="100000"/>
+              <a:buFont typeface="Times New Roman" pitchFamily="18" charset="0"/>
+              <a:buNone/>
+            </a:pPr>
+            <a:endParaRPr lang="en-US" sz="3200">
+              <a:solidFill>
+                <a:schemeClr val="bg1"/>
+              </a:solidFill>
+              <a:latin typeface="Baskerville" charset="0"/>
+            </a:endParaRPr>
+          </a:p>
+        </p:txBody>
+      </p:sp>
+      <p:sp>
+        <p:nvSpPr>
+          <p:cNvPr id="13350" name="Oval 18"/>
+          <p:cNvSpPr>
+            <a:spLocks noChangeArrowheads="1"/>
+          </p:cNvSpPr>
           <p:nvPr/>
-        </p:nvPicPr>
-        <p:blipFill>
-          <a:blip r:embed="rId11" cstate="print"/>
-          <a:srcRect/>
-          <a:stretch>
-            <a:fillRect/>
-          </a:stretch>
-        </p:blipFill>
+        </p:nvSpPr>
         <p:spPr bwMode="auto">
           <a:xfrm>
-            <a:off x="29946600" y="25069800"/>
-            <a:ext cx="4305300" cy="3381375"/>
-          </a:xfrm>
-          <a:prstGeom prst="rect">
+            <a:off x="15697200" y="15316200"/>
+            <a:ext cx="533400" cy="533400"/>
+          </a:xfrm>
+          <a:prstGeom prst="ellipse">
+            <a:avLst/>
+          </a:prstGeom>
+          <a:solidFill>
+            <a:schemeClr val="bg1"/>
+          </a:solidFill>
+          <a:ln w="9525" algn="ctr">
+            <a:solidFill>
+              <a:schemeClr val="tx1"/>
+            </a:solidFill>
+            <a:round/>
+            <a:headEnd/>
+            <a:tailEnd/>
+          </a:ln>
+        </p:spPr>
+        <p:txBody>
+          <a:bodyPr/>
+          <a:lstStyle/>
+          <a:p>
+            <a:pPr algn="ctr">
+              <a:buClr>
+                <a:srgbClr val="000000"/>
+              </a:buClr>
+              <a:buSzPct val="100000"/>
+              <a:buFont typeface="Times New Roman" pitchFamily="18" charset="0"/>
+              <a:buNone/>
+            </a:pPr>
+            <a:endParaRPr lang="en-US" sz="3200">
+              <a:solidFill>
+                <a:schemeClr val="bg1"/>
+              </a:solidFill>
+              <a:latin typeface="Baskerville" charset="0"/>
+            </a:endParaRPr>
+          </a:p>
+        </p:txBody>
+      </p:sp>
+      <p:sp>
+        <p:nvSpPr>
+          <p:cNvPr id="13351" name="Oval 19"/>
+          <p:cNvSpPr>
+            <a:spLocks noChangeArrowheads="1"/>
+          </p:cNvSpPr>
+          <p:nvPr/>
+        </p:nvSpPr>
+        <p:spPr bwMode="auto">
+          <a:xfrm>
+            <a:off x="16611600" y="15316200"/>
+            <a:ext cx="533400" cy="533400"/>
+          </a:xfrm>
+          <a:prstGeom prst="ellipse">
+            <a:avLst/>
+          </a:prstGeom>
+          <a:solidFill>
+            <a:schemeClr val="bg1"/>
+          </a:solidFill>
+          <a:ln w="9525" algn="ctr">
+            <a:solidFill>
+              <a:schemeClr val="tx1"/>
+            </a:solidFill>
+            <a:round/>
+            <a:headEnd/>
+            <a:tailEnd/>
+          </a:ln>
+        </p:spPr>
+        <p:txBody>
+          <a:bodyPr/>
+          <a:lstStyle/>
+          <a:p>
+            <a:pPr algn="ctr">
+              <a:buClr>
+                <a:srgbClr val="000000"/>
+              </a:buClr>
+              <a:buSzPct val="100000"/>
+              <a:buFont typeface="Times New Roman" pitchFamily="18" charset="0"/>
+              <a:buNone/>
+            </a:pPr>
+            <a:endParaRPr lang="en-US" sz="3200">
+              <a:solidFill>
+                <a:schemeClr val="bg1"/>
+              </a:solidFill>
+              <a:latin typeface="Baskerville" charset="0"/>
+            </a:endParaRPr>
+          </a:p>
+        </p:txBody>
+      </p:sp>
+      <p:sp>
+        <p:nvSpPr>
+          <p:cNvPr id="13352" name="Oval 20"/>
+          <p:cNvSpPr>
+            <a:spLocks noChangeArrowheads="1"/>
+          </p:cNvSpPr>
+          <p:nvPr/>
+        </p:nvSpPr>
+        <p:spPr bwMode="auto">
+          <a:xfrm>
+            <a:off x="16154400" y="16078200"/>
+            <a:ext cx="533400" cy="533400"/>
+          </a:xfrm>
+          <a:prstGeom prst="ellipse">
+            <a:avLst/>
+          </a:prstGeom>
+          <a:solidFill>
+            <a:schemeClr val="bg1"/>
+          </a:solidFill>
+          <a:ln w="9525" algn="ctr">
+            <a:solidFill>
+              <a:schemeClr val="tx1"/>
+            </a:solidFill>
+            <a:round/>
+            <a:headEnd/>
+            <a:tailEnd/>
+          </a:ln>
+        </p:spPr>
+        <p:txBody>
+          <a:bodyPr/>
+          <a:lstStyle/>
+          <a:p>
+            <a:pPr algn="ctr">
+              <a:buClr>
+                <a:srgbClr val="000000"/>
+              </a:buClr>
+              <a:buSzPct val="100000"/>
+              <a:buFont typeface="Times New Roman" pitchFamily="18" charset="0"/>
+              <a:buNone/>
+            </a:pPr>
+            <a:endParaRPr lang="en-US" sz="3200">
+              <a:solidFill>
+                <a:schemeClr val="bg1"/>
+              </a:solidFill>
+              <a:latin typeface="Baskerville" charset="0"/>
+            </a:endParaRPr>
+          </a:p>
+        </p:txBody>
+      </p:sp>
+      <p:sp>
+        <p:nvSpPr>
+          <p:cNvPr id="13353" name="Oval 21"/>
+          <p:cNvSpPr>
+            <a:spLocks noChangeArrowheads="1"/>
+          </p:cNvSpPr>
+          <p:nvPr/>
+        </p:nvSpPr>
+        <p:spPr bwMode="auto">
+          <a:xfrm>
+            <a:off x="15544800" y="16764000"/>
+            <a:ext cx="533400" cy="533400"/>
+          </a:xfrm>
+          <a:prstGeom prst="ellipse">
+            <a:avLst/>
+          </a:prstGeom>
+          <a:solidFill>
+            <a:schemeClr val="bg1"/>
+          </a:solidFill>
+          <a:ln w="9525" algn="ctr">
+            <a:solidFill>
+              <a:schemeClr val="tx1"/>
+            </a:solidFill>
+            <a:round/>
+            <a:headEnd/>
+            <a:tailEnd/>
+          </a:ln>
+        </p:spPr>
+        <p:txBody>
+          <a:bodyPr/>
+          <a:lstStyle/>
+          <a:p>
+            <a:pPr algn="ctr">
+              <a:buClr>
+                <a:srgbClr val="000000"/>
+              </a:buClr>
+              <a:buSzPct val="100000"/>
+              <a:buFont typeface="Times New Roman" pitchFamily="18" charset="0"/>
+              <a:buNone/>
+            </a:pPr>
+            <a:endParaRPr lang="en-US" sz="3200">
+              <a:solidFill>
+                <a:schemeClr val="bg1"/>
+              </a:solidFill>
+              <a:latin typeface="Baskerville" charset="0"/>
+            </a:endParaRPr>
+          </a:p>
+        </p:txBody>
+      </p:sp>
+      <p:sp>
+        <p:nvSpPr>
+          <p:cNvPr id="13354" name="Oval 22"/>
+          <p:cNvSpPr>
+            <a:spLocks noChangeArrowheads="1"/>
+          </p:cNvSpPr>
+          <p:nvPr/>
+        </p:nvSpPr>
+        <p:spPr bwMode="auto">
+          <a:xfrm>
+            <a:off x="16687800" y="16764000"/>
+            <a:ext cx="533400" cy="533400"/>
+          </a:xfrm>
+          <a:prstGeom prst="ellipse">
+            <a:avLst/>
+          </a:prstGeom>
+          <a:solidFill>
+            <a:schemeClr val="bg1"/>
+          </a:solidFill>
+          <a:ln w="9525" algn="ctr">
+            <a:solidFill>
+              <a:schemeClr val="tx1"/>
+            </a:solidFill>
+            <a:round/>
+            <a:headEnd/>
+            <a:tailEnd/>
+          </a:ln>
+        </p:spPr>
+        <p:txBody>
+          <a:bodyPr/>
+          <a:lstStyle/>
+          <a:p>
+            <a:pPr algn="ctr">
+              <a:buClr>
+                <a:srgbClr val="000000"/>
+              </a:buClr>
+              <a:buSzPct val="100000"/>
+              <a:buFont typeface="Times New Roman" pitchFamily="18" charset="0"/>
+              <a:buNone/>
+            </a:pPr>
+            <a:endParaRPr lang="en-US" sz="3200">
+              <a:solidFill>
+                <a:schemeClr val="bg1"/>
+              </a:solidFill>
+              <a:latin typeface="Baskerville" charset="0"/>
+            </a:endParaRPr>
+          </a:p>
+        </p:txBody>
+      </p:sp>
+      <p:sp>
+        <p:nvSpPr>
+          <p:cNvPr id="42" name="Oval 41"/>
+          <p:cNvSpPr/>
+          <p:nvPr/>
+        </p:nvSpPr>
+        <p:spPr bwMode="auto">
+          <a:xfrm>
+            <a:off x="16154400" y="17526000"/>
+            <a:ext cx="533400" cy="533400"/>
+          </a:xfrm>
+          <a:prstGeom prst="ellipse">
+            <a:avLst/>
+          </a:prstGeom>
+          <a:solidFill>
+            <a:schemeClr val="accent6"/>
+          </a:solidFill>
+          <a:ln w="9525" cap="flat" cmpd="sng" algn="ctr">
+            <a:solidFill>
+              <a:schemeClr val="tx1"/>
+            </a:solidFill>
+            <a:prstDash val="solid"/>
+            <a:round/>
+            <a:headEnd type="none" w="med" len="med"/>
+            <a:tailEnd type="none" w="med" len="med"/>
+          </a:ln>
+          <a:effectLst/>
+        </p:spPr>
+        <p:txBody>
+          <a:bodyPr/>
+          <a:lstStyle/>
+          <a:p>
+            <a:pPr algn="ctr">
+              <a:buClr>
+                <a:srgbClr val="000000"/>
+              </a:buClr>
+              <a:buSzPct val="100000"/>
+              <a:buFont typeface="Times New Roman" pitchFamily="18" charset="0"/>
+              <a:buNone/>
+            </a:pPr>
+            <a:endParaRPr lang="en-US" sz="3200">
+              <a:solidFill>
+                <a:schemeClr val="bg1"/>
+              </a:solidFill>
+              <a:latin typeface="Baskerville" charset="0"/>
+            </a:endParaRPr>
+          </a:p>
+        </p:txBody>
+      </p:sp>
+      <p:cxnSp>
+        <p:nvCxnSpPr>
+          <p:cNvPr id="13356" name="Straight Arrow Connector 43"/>
+          <p:cNvCxnSpPr>
+            <a:cxnSpLocks noChangeShapeType="1"/>
+            <a:stCxn id="13352" idx="3"/>
+            <a:endCxn id="13353" idx="7"/>
+          </p:cNvCxnSpPr>
+          <p:nvPr/>
+        </p:nvCxnSpPr>
+        <p:spPr bwMode="auto">
+          <a:xfrm rot="5400000">
+            <a:off x="15962313" y="16571913"/>
+            <a:ext cx="307975" cy="231775"/>
+          </a:xfrm>
+          <a:prstGeom prst="straightConnector1">
             <a:avLst/>
           </a:prstGeom>
           <a:noFill/>
-          <a:ln w="9525">
-            <a:noFill/>
-            <a:miter lim="800000"/>
+          <a:ln w="9525" algn="ctr">
+            <a:solidFill>
+              <a:schemeClr val="tx1"/>
+            </a:solidFill>
+            <a:round/>
             <a:headEnd/>
-            <a:tailEnd/>
+            <a:tailEnd type="arrow" w="med" len="med"/>
           </a:ln>
-          <a:effectLst>
-            <a:outerShdw blurRad="225425" dist="50800" dir="5220000" algn="ctr">
-              <a:srgbClr val="000000">
-                <a:alpha val="33000"/>
-              </a:srgbClr>
-            </a:outerShdw>
-          </a:effectLst>
-          <a:scene3d>
-            <a:camera prst="perspectiveFront" fov="3300000">
-              <a:rot lat="20754440" lon="1924192" rev="21201721"/>
-            </a:camera>
-            <a:lightRig rig="harsh" dir="t">
-              <a:rot lat="0" lon="0" rev="3000000"/>
-            </a:lightRig>
-          </a:scene3d>
-          <a:sp3d extrusionH="254000" contourW="19050">
-            <a:bevelT w="82550" h="44450" prst="angle"/>
-            <a:bevelB w="82550" h="44450" prst="angle"/>
-            <a:contourClr>
-              <a:srgbClr val="FFFFFF"/>
-            </a:contourClr>
-          </a:sp3d>
-        </p:spPr>
-      </p:pic>
-      <p:sp>
-        <p:nvSpPr>
-          <p:cNvPr id="31" name="Rectangle 30"/>
-          <p:cNvSpPr/>
+        </p:spPr>
+      </p:cxnSp>
+      <p:cxnSp>
+        <p:nvCxnSpPr>
+          <p:cNvPr id="13357" name="Straight Arrow Connector 48"/>
+          <p:cNvCxnSpPr>
+            <a:cxnSpLocks noChangeShapeType="1"/>
+            <a:stCxn id="13352" idx="5"/>
+            <a:endCxn id="13354" idx="1"/>
+          </p:cNvCxnSpPr>
           <p:nvPr/>
-        </p:nvSpPr>
-        <p:spPr>
-          <a:xfrm>
-            <a:off x="27051000" y="7162800"/>
-            <a:ext cx="8458200" cy="830997"/>
-          </a:xfrm>
-          <a:prstGeom prst="rect">
+        </p:nvCxnSpPr>
+        <p:spPr bwMode="auto">
+          <a:xfrm rot="16200000" flipH="1">
+            <a:off x="16533813" y="16610013"/>
+            <a:ext cx="307975" cy="155575"/>
+          </a:xfrm>
+          <a:prstGeom prst="straightConnector1">
             <a:avLst/>
           </a:prstGeom>
           <a:noFill/>
-        </p:spPr>
-        <p:txBody>
-          <a:bodyPr wrap="square">
-            <a:spAutoFit/>
-            <a:scene3d>
-              <a:camera prst="orthographicFront"/>
-              <a:lightRig rig="soft" dir="tl">
-                <a:rot lat="0" lon="0" rev="0"/>
-              </a:lightRig>
-            </a:scene3d>
-            <a:sp3d contourW="25400" prstMaterial="matte">
-              <a:bevelT w="25400" h="55880" prst="artDeco"/>
-              <a:contourClr>
-                <a:schemeClr val="accent2">
-                  <a:tint val="20000"/>
-                </a:schemeClr>
-              </a:contourClr>
-            </a:sp3d>
-          </a:bodyPr>
-          <a:lstStyle/>
-          <a:p>
-            <a:pPr algn="ctr" fontAlgn="auto">
-              <a:spcBef>
-                <a:spcPts val="0"/>
-              </a:spcBef>
-              <a:spcAft>
-                <a:spcPts val="0"/>
-              </a:spcAft>
-              <a:defRPr/>
-            </a:pPr>
-            <a:r>
-              <a:rPr lang="en-US" sz="4800" b="1" spc="50" dirty="0">
-                <a:ln w="11430"/>
-                <a:solidFill>
-                  <a:schemeClr val="accent6">
-                    <a:lumMod val="75000"/>
-                  </a:schemeClr>
-                </a:solidFill>
-                <a:effectLst>
-                  <a:outerShdw blurRad="76200" dist="50800" dir="5400000" algn="tl" rotWithShape="0">
-                    <a:srgbClr val="000000">
-                      <a:alpha val="65000"/>
-                    </a:srgbClr>
-                  </a:outerShdw>
-                </a:effectLst>
-                <a:latin typeface="+mn-lt"/>
-              </a:rPr>
-              <a:t>Cumulative Member Oriented</a:t>
-            </a:r>
-          </a:p>
-        </p:txBody>
-      </p:sp>
-      <p:pic>
-        <p:nvPicPr>
-          <p:cNvPr id="1026" name="Picture 2"/>
-          <p:cNvPicPr>
-            <a:picLocks noChangeAspect="1" noChangeArrowheads="1"/>
-          </p:cNvPicPr>
+          <a:ln w="9525" algn="ctr">
+            <a:solidFill>
+              <a:schemeClr val="tx1"/>
+            </a:solidFill>
+            <a:round/>
+            <a:headEnd/>
+            <a:tailEnd type="arrow" w="med" len="med"/>
+          </a:ln>
+        </p:spPr>
+      </p:cxnSp>
+      <p:cxnSp>
+        <p:nvCxnSpPr>
+          <p:cNvPr id="13358" name="Straight Arrow Connector 56"/>
+          <p:cNvCxnSpPr>
+            <a:cxnSpLocks noChangeShapeType="1"/>
+            <a:stCxn id="13353" idx="4"/>
+            <a:endCxn id="42" idx="1"/>
+          </p:cNvCxnSpPr>
           <p:nvPr/>
-        </p:nvPicPr>
-        <p:blipFill>
-          <a:blip r:embed="rId12" cstate="print">
-            <a:clrChange>
-              <a:clrFrom>
-                <a:srgbClr val="FFFFFF"/>
-              </a:clrFrom>
-              <a:clrTo>
-                <a:srgbClr val="FFFFFF">
-                  <a:alpha val="0"/>
-                </a:srgbClr>
-              </a:clrTo>
-            </a:clrChange>
-          </a:blip>
-          <a:srcRect/>
-          <a:stretch>
-            <a:fillRect/>
-          </a:stretch>
-        </p:blipFill>
+        </p:nvCxnSpPr>
         <p:spPr bwMode="auto">
-          <a:xfrm>
-            <a:off x="22936200" y="13716000"/>
-            <a:ext cx="7696200" cy="4634728"/>
-          </a:xfrm>
-          <a:prstGeom prst="rect">
+          <a:xfrm rot="16200000" flipH="1">
+            <a:off x="15868650" y="17240250"/>
+            <a:ext cx="306388" cy="420688"/>
+          </a:xfrm>
+          <a:prstGeom prst="straightConnector1">
             <a:avLst/>
           </a:prstGeom>
           <a:noFill/>
-          <a:ln w="9525">
-            <a:noFill/>
-            <a:miter lim="800000"/>
+          <a:ln w="9525" algn="ctr">
+            <a:solidFill>
+              <a:schemeClr val="tx1"/>
+            </a:solidFill>
+            <a:round/>
             <a:headEnd/>
-            <a:tailEnd/>
+            <a:tailEnd type="arrow" w="med" len="med"/>
           </a:ln>
-          <a:effectLst/>
-        </p:spPr>
-      </p:pic>
+        </p:spPr>
+      </p:cxnSp>
+      <p:cxnSp>
+        <p:nvCxnSpPr>
+          <p:cNvPr id="13359" name="Straight Arrow Connector 60"/>
+          <p:cNvCxnSpPr>
+            <a:cxnSpLocks noChangeShapeType="1"/>
+            <a:stCxn id="13354" idx="4"/>
+            <a:endCxn id="42" idx="7"/>
+          </p:cNvCxnSpPr>
+          <p:nvPr/>
+        </p:nvCxnSpPr>
+        <p:spPr bwMode="auto">
+          <a:xfrm rot="5400000">
+            <a:off x="16629063" y="17278350"/>
+            <a:ext cx="306388" cy="344487"/>
+          </a:xfrm>
+          <a:prstGeom prst="straightConnector1">
+            <a:avLst/>
+          </a:prstGeom>
+          <a:noFill/>
+          <a:ln w="9525" algn="ctr">
+            <a:solidFill>
+              <a:schemeClr val="tx1"/>
+            </a:solidFill>
+            <a:round/>
+            <a:headEnd/>
+            <a:tailEnd type="arrow" w="med" len="med"/>
+          </a:ln>
+        </p:spPr>
+      </p:cxnSp>
       <p:pic>
         <p:nvPicPr>
-          <p:cNvPr id="32" name="Picture 31" descr="Class Diagram.jpg"/>
+          <p:cNvPr id="31" name="Picture 30" descr="Cummulative task orient workload matrix.jpg"/>
           <p:cNvPicPr>
             <a:picLocks noChangeAspect="1"/>
           </p:cNvPicPr>
           <p:nvPr/>
         </p:nvPicPr>
         <p:blipFill>
-          <a:blip r:embed="rId13" cstate="print">
-            <a:clrChange>
-              <a:clrFrom>
-                <a:srgbClr val="FFFFFF"/>
-              </a:clrFrom>
-              <a:clrTo>
-                <a:srgbClr val="FFFFFF">
-                  <a:alpha val="0"/>
-                </a:srgbClr>
-              </a:clrTo>
-            </a:clrChange>
-          </a:blip>
+          <a:blip r:embed="rId8" cstate="print"/>
           <a:stretch>
             <a:fillRect/>
           </a:stretch>
         </p:blipFill>
         <p:spPr>
           <a:xfrm>
-            <a:off x="1905000" y="14478000"/>
-            <a:ext cx="15196756" cy="12970669"/>
+            <a:off x="28727400" y="5257800"/>
+            <a:ext cx="7467600" cy="6889301"/>
           </a:xfrm>
           <a:prstGeom prst="rect">
             <a:avLst/>
@@ -5084,40 +4905,79 @@
       </p:pic>
       <p:pic>
         <p:nvPicPr>
-          <p:cNvPr id="40" name="Picture 10" descr="Z:\Pictures\Department Poster Pics\FinalCSLogo\CS-Logo-final-small.png"/>
+          <p:cNvPr id="32" name="Picture 31" descr="Cummulative team orient workload matrix.jpg"/>
           <p:cNvPicPr>
-            <a:picLocks noChangeAspect="1" noChangeArrowheads="1"/>
+            <a:picLocks noChangeAspect="1"/>
           </p:cNvPicPr>
           <p:nvPr/>
         </p:nvPicPr>
         <p:blipFill>
-          <a:blip r:embed="rId14" cstate="print"/>
-          <a:srcRect/>
+          <a:blip r:embed="rId9" cstate="print"/>
           <a:stretch>
             <a:fillRect/>
           </a:stretch>
         </p:blipFill>
-        <p:spPr bwMode="auto">
+        <p:spPr>
           <a:xfrm>
-            <a:off x="26898600" y="1588008"/>
-            <a:ext cx="2438400" cy="2450592"/>
+            <a:off x="14249400" y="6477000"/>
+            <a:ext cx="5943600" cy="6827772"/>
+          </a:xfrm>
+          <a:prstGeom prst="rect">
+            <a:avLst/>
+          </a:prstGeom>
+        </p:spPr>
+      </p:pic>
+      <p:sp>
+        <p:nvSpPr>
+          <p:cNvPr id="36" name="TextBox 35"/>
+          <p:cNvSpPr txBox="1"/>
+          <p:nvPr/>
+        </p:nvSpPr>
+        <p:spPr>
+          <a:xfrm>
+            <a:off x="27660600" y="3962400"/>
+            <a:ext cx="8359340" cy="984885"/>
           </a:xfrm>
           <a:prstGeom prst="rect">
             <a:avLst/>
           </a:prstGeom>
           <a:noFill/>
         </p:spPr>
-      </p:pic>
-      <p:sp>
-        <p:nvSpPr>
-          <p:cNvPr id="41" name="Rectangle 40"/>
-          <p:cNvSpPr/>
+        <p:txBody>
+          <a:bodyPr wrap="none" rtlCol="0">
+            <a:spAutoFit/>
+          </a:bodyPr>
+          <a:lstStyle/>
+          <a:p>
+            <a:pPr lvl="1"/>
+            <a:r>
+              <a:rPr lang="en-US" sz="5800" dirty="0" smtClean="0">
+                <a:solidFill>
+                  <a:schemeClr val="bg1"/>
+                </a:solidFill>
+                <a:latin typeface="+mj-lt"/>
+              </a:rPr>
+              <a:t>Cumulative Task Oriented</a:t>
+            </a:r>
+            <a:endParaRPr lang="en-US" sz="5800" dirty="0">
+              <a:solidFill>
+                <a:schemeClr val="bg1"/>
+              </a:solidFill>
+              <a:latin typeface="+mj-lt"/>
+            </a:endParaRPr>
+          </a:p>
+        </p:txBody>
+      </p:sp>
+      <p:sp>
+        <p:nvSpPr>
+          <p:cNvPr id="37" name="TextBox 36"/>
+          <p:cNvSpPr txBox="1"/>
           <p:nvPr/>
         </p:nvSpPr>
         <p:spPr>
           <a:xfrm>
-            <a:off x="30708600" y="15392400"/>
-            <a:ext cx="4572000" cy="2308324"/>
+            <a:off x="20955000" y="10744200"/>
+            <a:ext cx="6503703" cy="984885"/>
           </a:xfrm>
           <a:prstGeom prst="rect">
             <a:avLst/>
@@ -5125,147 +4985,95 @@
           <a:noFill/>
         </p:spPr>
         <p:txBody>
-          <a:bodyPr wrap="square">
+          <a:bodyPr wrap="none" rtlCol="0">
             <a:spAutoFit/>
-            <a:scene3d>
-              <a:camera prst="orthographicFront"/>
-              <a:lightRig rig="soft" dir="tl">
-                <a:rot lat="0" lon="0" rev="0"/>
-              </a:lightRig>
-            </a:scene3d>
-            <a:sp3d contourW="25400" prstMaterial="matte">
-              <a:bevelT w="25400" h="55880" prst="artDeco"/>
-              <a:contourClr>
-                <a:schemeClr val="accent2">
-                  <a:tint val="20000"/>
-                </a:schemeClr>
-              </a:contourClr>
-            </a:sp3d>
           </a:bodyPr>
           <a:lstStyle/>
           <a:p>
-            <a:pPr algn="ctr" fontAlgn="auto">
-              <a:spcBef>
-                <a:spcPts val="0"/>
-              </a:spcBef>
-              <a:spcAft>
-                <a:spcPts val="0"/>
-              </a:spcAft>
-              <a:defRPr/>
-            </a:pPr>
-            <a:r>
-              <a:rPr lang="en-US" sz="4800" b="1" spc="50" dirty="0" err="1" smtClean="0">
-                <a:ln w="11430"/>
+            <a:pPr lvl="1"/>
+            <a:r>
+              <a:rPr lang="en-US" sz="5800" dirty="0" smtClean="0">
                 <a:solidFill>
-                  <a:schemeClr val="accent6">
-                    <a:lumMod val="75000"/>
-                  </a:schemeClr>
+                  <a:schemeClr val="bg1"/>
                 </a:solidFill>
-                <a:effectLst>
-                  <a:outerShdw blurRad="76200" dist="50800" dir="5400000" algn="tl" rotWithShape="0">
-                    <a:srgbClr val="000000">
-                      <a:alpha val="65000"/>
-                    </a:srgbClr>
-                  </a:outerShdw>
-                </a:effectLst>
-                <a:latin typeface="+mn-lt"/>
+                <a:latin typeface="+mj-lt"/>
               </a:rPr>
-              <a:t>Avg</a:t>
-            </a:r>
-            <a:r>
-              <a:rPr lang="en-US" sz="4800" b="1" spc="50" dirty="0" smtClean="0">
-                <a:ln w="11430"/>
+              <a:t>Time Per Milestone</a:t>
+            </a:r>
+            <a:endParaRPr lang="en-US" sz="5800" dirty="0">
+              <a:solidFill>
+                <a:schemeClr val="bg1"/>
+              </a:solidFill>
+              <a:latin typeface="+mj-lt"/>
+            </a:endParaRPr>
+          </a:p>
+        </p:txBody>
+      </p:sp>
+      <p:sp>
+        <p:nvSpPr>
+          <p:cNvPr id="38" name="TextBox 37"/>
+          <p:cNvSpPr txBox="1"/>
+          <p:nvPr/>
+        </p:nvSpPr>
+        <p:spPr>
+          <a:xfrm>
+            <a:off x="12420600" y="5486400"/>
+            <a:ext cx="9693423" cy="984885"/>
+          </a:xfrm>
+          <a:prstGeom prst="rect">
+            <a:avLst/>
+          </a:prstGeom>
+          <a:noFill/>
+        </p:spPr>
+        <p:txBody>
+          <a:bodyPr wrap="none" rtlCol="0">
+            <a:spAutoFit/>
+          </a:bodyPr>
+          <a:lstStyle/>
+          <a:p>
+            <a:pPr lvl="1"/>
+            <a:r>
+              <a:rPr lang="en-US" sz="5800" dirty="0" smtClean="0">
                 <a:solidFill>
-                  <a:schemeClr val="accent6">
-                    <a:lumMod val="75000"/>
-                  </a:schemeClr>
+                  <a:schemeClr val="bg1"/>
                 </a:solidFill>
-                <a:effectLst>
-                  <a:outerShdw blurRad="76200" dist="50800" dir="5400000" algn="tl" rotWithShape="0">
-                    <a:srgbClr val="000000">
-                      <a:alpha val="65000"/>
-                    </a:srgbClr>
-                  </a:outerShdw>
-                </a:effectLst>
-                <a:latin typeface="+mn-lt"/>
+                <a:latin typeface="+mj-lt"/>
               </a:rPr>
-              <a:t> </a:t>
-            </a:r>
-            <a:r>
-              <a:rPr lang="en-US" sz="4800" b="1" spc="50" dirty="0" err="1" smtClean="0">
-                <a:ln w="11430"/>
-                <a:solidFill>
-                  <a:schemeClr val="accent6">
-                    <a:lumMod val="75000"/>
-                  </a:schemeClr>
-                </a:solidFill>
-                <a:effectLst>
-                  <a:outerShdw blurRad="76200" dist="50800" dir="5400000" algn="tl" rotWithShape="0">
-                    <a:srgbClr val="000000">
-                      <a:alpha val="65000"/>
-                    </a:srgbClr>
-                  </a:outerShdw>
-                </a:effectLst>
-              </a:rPr>
-              <a:t>ManHours</a:t>
-            </a:r>
-            <a:r>
-              <a:rPr lang="en-US" sz="4800" b="1" spc="50" dirty="0" smtClean="0">
-                <a:ln w="11430"/>
-                <a:solidFill>
-                  <a:schemeClr val="accent6">
-                    <a:lumMod val="75000"/>
-                  </a:schemeClr>
-                </a:solidFill>
-                <a:effectLst>
-                  <a:outerShdw blurRad="76200" dist="50800" dir="5400000" algn="tl" rotWithShape="0">
-                    <a:srgbClr val="000000">
-                      <a:alpha val="65000"/>
-                    </a:srgbClr>
-                  </a:outerShdw>
-                </a:effectLst>
-                <a:latin typeface="+mn-lt"/>
-              </a:rPr>
-              <a:t> </a:t>
-            </a:r>
-            <a:r>
-              <a:rPr lang="en-US" sz="4800" b="1" spc="50" dirty="0" smtClean="0">
-                <a:ln w="11430"/>
-                <a:solidFill>
-                  <a:schemeClr val="accent6">
-                    <a:lumMod val="75000"/>
-                  </a:schemeClr>
-                </a:solidFill>
-                <a:effectLst>
-                  <a:outerShdw blurRad="76200" dist="50800" dir="5400000" algn="tl" rotWithShape="0">
-                    <a:srgbClr val="000000">
-                      <a:alpha val="65000"/>
-                    </a:srgbClr>
-                  </a:outerShdw>
-                </a:effectLst>
-                <a:latin typeface="+mn-lt"/>
-              </a:rPr>
-              <a:t>Per Team Member: 16 hrs</a:t>
-            </a:r>
-            <a:endParaRPr lang="en-US" sz="4800" b="1" spc="50" dirty="0">
-              <a:ln w="11430"/>
+              <a:t>Cumulative Member Oriented</a:t>
+            </a:r>
+            <a:endParaRPr lang="en-US" sz="5800" dirty="0">
               <a:solidFill>
-                <a:schemeClr val="accent6">
-                  <a:lumMod val="75000"/>
-                </a:schemeClr>
+                <a:schemeClr val="bg1"/>
               </a:solidFill>
-              <a:effectLst>
-                <a:outerShdw blurRad="76200" dist="50800" dir="5400000" algn="tl" rotWithShape="0">
-                  <a:srgbClr val="000000">
-                    <a:alpha val="65000"/>
-                  </a:srgbClr>
-                </a:outerShdw>
-              </a:effectLst>
-              <a:latin typeface="+mn-lt"/>
+              <a:latin typeface="+mj-lt"/>
             </a:endParaRPr>
           </a:p>
         </p:txBody>
       </p:sp>
+      <p:pic>
+        <p:nvPicPr>
+          <p:cNvPr id="39" name="Picture 38" descr="Total Time Per Milestone.jpg"/>
+          <p:cNvPicPr>
+            <a:picLocks noChangeAspect="1"/>
+          </p:cNvPicPr>
+          <p:nvPr/>
+        </p:nvPicPr>
+        <p:blipFill>
+          <a:blip r:embed="rId10" cstate="print"/>
+          <a:stretch>
+            <a:fillRect/>
+          </a:stretch>
+        </p:blipFill>
+        <p:spPr>
+          <a:xfrm>
+            <a:off x="21564600" y="11811000"/>
+            <a:ext cx="5562600" cy="5715524"/>
+          </a:xfrm>
+          <a:prstGeom prst="rect">
+            <a:avLst/>
+          </a:prstGeom>
+        </p:spPr>
+      </p:pic>
     </p:spTree>
   </p:cSld>
   <p:clrMapOvr>

--- a/src/Docs/posters/SoftEngView_CMS_Poster.pptx
+++ b/src/Docs/posters/SoftEngView_CMS_Poster.pptx
@@ -328,7 +328,7 @@
               <a:pPr>
                 <a:defRPr/>
               </a:pPr>
-              <a:t>4/14/2011</a:t>
+              <a:t>4/21/2011</a:t>
             </a:fld>
             <a:endParaRPr lang="en-US"/>
           </a:p>
@@ -520,7 +520,7 @@
               <a:pPr>
                 <a:defRPr/>
               </a:pPr>
-              <a:t>4/14/2011</a:t>
+              <a:t>4/21/2011</a:t>
             </a:fld>
             <a:endParaRPr lang="en-US"/>
           </a:p>
@@ -722,7 +722,7 @@
               <a:pPr>
                 <a:defRPr/>
               </a:pPr>
-              <a:t>4/14/2011</a:t>
+              <a:t>4/21/2011</a:t>
             </a:fld>
             <a:endParaRPr lang="en-US"/>
           </a:p>
@@ -914,7 +914,7 @@
               <a:pPr>
                 <a:defRPr/>
               </a:pPr>
-              <a:t>4/14/2011</a:t>
+              <a:t>4/21/2011</a:t>
             </a:fld>
             <a:endParaRPr lang="en-US"/>
           </a:p>
@@ -1182,7 +1182,7 @@
               <a:pPr>
                 <a:defRPr/>
               </a:pPr>
-              <a:t>4/14/2011</a:t>
+              <a:t>4/21/2011</a:t>
             </a:fld>
             <a:endParaRPr lang="en-US"/>
           </a:p>
@@ -1492,7 +1492,7 @@
               <a:pPr>
                 <a:defRPr/>
               </a:pPr>
-              <a:t>4/14/2011</a:t>
+              <a:t>4/21/2011</a:t>
             </a:fld>
             <a:endParaRPr lang="en-US"/>
           </a:p>
@@ -1936,7 +1936,7 @@
               <a:pPr>
                 <a:defRPr/>
               </a:pPr>
-              <a:t>4/14/2011</a:t>
+              <a:t>4/21/2011</a:t>
             </a:fld>
             <a:endParaRPr lang="en-US"/>
           </a:p>
@@ -2076,7 +2076,7 @@
               <a:pPr>
                 <a:defRPr/>
               </a:pPr>
-              <a:t>4/14/2011</a:t>
+              <a:t>4/21/2011</a:t>
             </a:fld>
             <a:endParaRPr lang="en-US"/>
           </a:p>
@@ -2193,7 +2193,7 @@
               <a:pPr>
                 <a:defRPr/>
               </a:pPr>
-              <a:t>4/14/2011</a:t>
+              <a:t>4/21/2011</a:t>
             </a:fld>
             <a:endParaRPr lang="en-US"/>
           </a:p>
@@ -2492,7 +2492,7 @@
               <a:pPr>
                 <a:defRPr/>
               </a:pPr>
-              <a:t>4/14/2011</a:t>
+              <a:t>4/21/2011</a:t>
             </a:fld>
             <a:endParaRPr lang="en-US"/>
           </a:p>
@@ -2770,7 +2770,7 @@
               <a:pPr>
                 <a:defRPr/>
               </a:pPr>
-              <a:t>4/14/2011</a:t>
+              <a:t>4/21/2011</a:t>
             </a:fld>
             <a:endParaRPr lang="en-US"/>
           </a:p>
@@ -3025,7 +3025,7 @@
               <a:pPr>
                 <a:defRPr/>
               </a:pPr>
-              <a:t>4/14/2011</a:t>
+              <a:t>4/21/2011</a:t>
             </a:fld>
             <a:endParaRPr lang="en-US"/>
           </a:p>
@@ -3617,325 +3617,128 @@
       </p:sp>
       <p:sp>
         <p:nvSpPr>
-          <p:cNvPr id="3" name="Subtitle 2"/>
-          <p:cNvSpPr>
-            <a:spLocks noGrp="1"/>
-          </p:cNvSpPr>
-          <p:nvPr>
-            <p:ph type="subTitle" idx="1"/>
-          </p:nvPr>
-        </p:nvSpPr>
-        <p:spPr>
-          <a:xfrm>
-            <a:off x="10744200" y="3048000"/>
-            <a:ext cx="15240000" cy="3967162"/>
-          </a:xfrm>
-        </p:spPr>
-        <p:txBody>
-          <a:bodyPr>
-            <a:normAutofit/>
-          </a:bodyPr>
-          <a:lstStyle/>
-          <a:p>
-            <a:pPr>
-              <a:lnSpc>
-                <a:spcPct val="90000"/>
-              </a:lnSpc>
-            </a:pPr>
-            <a:r>
-              <a:rPr lang="en-US" sz="5400" dirty="0" smtClean="0">
-                <a:solidFill>
-                  <a:schemeClr val="bg1"/>
-                </a:solidFill>
-              </a:rPr>
-              <a:t>Michael </a:t>
-            </a:r>
-            <a:r>
-              <a:rPr lang="en-US" sz="5400" dirty="0" smtClean="0">
-                <a:solidFill>
-                  <a:schemeClr val="bg1"/>
-                </a:solidFill>
-              </a:rPr>
-              <a:t>Laws, Michael </a:t>
-            </a:r>
-            <a:r>
-              <a:rPr lang="en-US" sz="5400" dirty="0" smtClean="0">
-                <a:solidFill>
-                  <a:schemeClr val="bg1"/>
-                </a:solidFill>
-              </a:rPr>
-              <a:t>Harrison</a:t>
-            </a:r>
-          </a:p>
-          <a:p>
-            <a:pPr>
-              <a:lnSpc>
-                <a:spcPct val="90000"/>
-              </a:lnSpc>
-            </a:pPr>
-            <a:r>
-              <a:rPr lang="en-US" sz="5400" dirty="0" smtClean="0">
-                <a:solidFill>
-                  <a:schemeClr val="bg1"/>
-                </a:solidFill>
-              </a:rPr>
-              <a:t>Ryan </a:t>
-            </a:r>
-            <a:r>
-              <a:rPr lang="en-US" sz="5400" dirty="0" err="1" smtClean="0">
-                <a:solidFill>
-                  <a:schemeClr val="bg1"/>
-                </a:solidFill>
-              </a:rPr>
-              <a:t>Rabe</a:t>
-            </a:r>
-            <a:r>
-              <a:rPr lang="en-US" sz="5400" dirty="0" smtClean="0">
-                <a:solidFill>
-                  <a:schemeClr val="bg1"/>
-                </a:solidFill>
-              </a:rPr>
-              <a:t>, </a:t>
-            </a:r>
-            <a:r>
-              <a:rPr lang="en-US" sz="5400" dirty="0" err="1" smtClean="0">
-                <a:solidFill>
-                  <a:schemeClr val="bg1"/>
-                </a:solidFill>
-              </a:rPr>
-              <a:t>Dimitri</a:t>
-            </a:r>
-            <a:r>
-              <a:rPr lang="en-US" sz="5400" dirty="0" smtClean="0">
-                <a:solidFill>
-                  <a:schemeClr val="bg1"/>
-                </a:solidFill>
-              </a:rPr>
-              <a:t> </a:t>
-            </a:r>
-            <a:r>
-              <a:rPr lang="en-US" sz="5400" dirty="0" err="1" smtClean="0">
-                <a:solidFill>
-                  <a:schemeClr val="bg1"/>
-                </a:solidFill>
-              </a:rPr>
-              <a:t>Hatley</a:t>
-            </a:r>
-            <a:endParaRPr lang="en-US" sz="12200" dirty="0" smtClean="0">
-              <a:solidFill>
-                <a:schemeClr val="bg1"/>
-              </a:solidFill>
-            </a:endParaRPr>
-          </a:p>
-        </p:txBody>
-      </p:sp>
-      <p:sp>
-        <p:nvSpPr>
-          <p:cNvPr id="13316" name="Subtitle 2"/>
+          <p:cNvPr id="13317" name="TextBox 4"/>
           <p:cNvSpPr txBox="1">
-            <a:spLocks/>
+            <a:spLocks noChangeArrowheads="1"/>
           </p:cNvSpPr>
           <p:nvPr/>
         </p:nvSpPr>
         <p:spPr bwMode="auto">
           <a:xfrm>
-            <a:off x="0" y="1828800"/>
-            <a:ext cx="36576000" cy="1685925"/>
+            <a:off x="5105400" y="2209800"/>
+            <a:ext cx="26136600" cy="3349920"/>
           </a:xfrm>
           <a:prstGeom prst="rect">
             <a:avLst/>
           </a:prstGeom>
-          <a:noFill/>
-          <a:ln w="9525">
-            <a:noFill/>
-            <a:miter lim="800000"/>
+          <a:solidFill>
+            <a:schemeClr val="accent5">
+              <a:lumMod val="20000"/>
+              <a:lumOff val="80000"/>
+            </a:schemeClr>
+          </a:solidFill>
+          <a:ln>
             <a:headEnd/>
             <a:tailEnd/>
           </a:ln>
+          <a:effectLst>
+            <a:softEdge rad="317500"/>
+          </a:effectLst>
         </p:spPr>
-        <p:txBody>
-          <a:bodyPr lIns="376202" tIns="188101" rIns="376202" bIns="188101"/>
+        <p:style>
+          <a:lnRef idx="2">
+            <a:schemeClr val="accent3">
+              <a:shade val="50000"/>
+            </a:schemeClr>
+          </a:lnRef>
+          <a:fillRef idx="1">
+            <a:schemeClr val="accent3"/>
+          </a:fillRef>
+          <a:effectRef idx="0">
+            <a:schemeClr val="accent3"/>
+          </a:effectRef>
+          <a:fontRef idx="minor">
+            <a:schemeClr val="lt1"/>
+          </a:fontRef>
+        </p:style>
+        <p:txBody>
+          <a:bodyPr wrap="square" lIns="376202" tIns="188101" rIns="376202" bIns="188101">
+            <a:spAutoFit/>
+          </a:bodyPr>
           <a:lstStyle/>
           <a:p>
-            <a:pPr algn="ctr">
-              <a:spcBef>
-                <a:spcPct val="20000"/>
-              </a:spcBef>
-            </a:pPr>
-            <a:r>
-              <a:rPr lang="en-US" sz="8200">
+            <a:pPr algn="ctr"/>
+            <a:r>
+              <a:rPr lang="en-US" sz="5800" b="1" dirty="0" smtClean="0">
                 <a:solidFill>
-                  <a:schemeClr val="bg1"/>
+                  <a:schemeClr val="tx1"/>
                 </a:solidFill>
                 <a:latin typeface="Calibri" pitchFamily="34" charset="0"/>
               </a:rPr>
-              <a:t>Team Name: Team1</a:t>
-            </a:r>
-            <a:endParaRPr lang="en-US" sz="13200">
+              <a:t>OVERVIEW</a:t>
+            </a:r>
+            <a:endParaRPr lang="en-US" sz="5800" b="1" dirty="0">
               <a:solidFill>
-                <a:schemeClr val="bg1"/>
+                <a:schemeClr val="tx1"/>
               </a:solidFill>
               <a:latin typeface="Calibri" pitchFamily="34" charset="0"/>
             </a:endParaRPr>
           </a:p>
-        </p:txBody>
-      </p:sp>
-      <p:sp>
-        <p:nvSpPr>
-          <p:cNvPr id="13317" name="TextBox 4"/>
-          <p:cNvSpPr txBox="1">
-            <a:spLocks noChangeArrowheads="1"/>
-          </p:cNvSpPr>
-          <p:nvPr/>
-        </p:nvSpPr>
-        <p:spPr bwMode="auto">
-          <a:xfrm>
-            <a:off x="533400" y="4953000"/>
-            <a:ext cx="12192000" cy="6119909"/>
-          </a:xfrm>
-          <a:prstGeom prst="rect">
-            <a:avLst/>
-          </a:prstGeom>
-          <a:noFill/>
-          <a:ln w="9525">
-            <a:noFill/>
-            <a:miter lim="800000"/>
-            <a:headEnd/>
-            <a:tailEnd/>
-          </a:ln>
-        </p:spPr>
-        <p:txBody>
-          <a:bodyPr lIns="376202" tIns="188101" rIns="376202" bIns="188101">
-            <a:spAutoFit/>
-          </a:bodyPr>
-          <a:lstStyle/>
-          <a:p>
-            <a:r>
-              <a:rPr lang="en-US" sz="5800" b="1" dirty="0">
+          <a:p>
+            <a:pPr algn="just"/>
+            <a:r>
+              <a:rPr lang="en-US" sz="4500" b="1" dirty="0" smtClean="0">
                 <a:solidFill>
-                  <a:schemeClr val="bg1"/>
-                </a:solidFill>
-                <a:latin typeface="Calibri" pitchFamily="34" charset="0"/>
-              </a:rPr>
-              <a:t>	OVERVIEW</a:t>
-            </a:r>
-          </a:p>
-          <a:p>
-            <a:r>
-              <a:rPr lang="en-US" sz="4500" dirty="0" smtClean="0">
-                <a:solidFill>
-                  <a:schemeClr val="bg1"/>
+                  <a:schemeClr val="tx1"/>
                 </a:solidFill>
                 <a:latin typeface="Calibri" pitchFamily="34" charset="0"/>
               </a:rPr>
               <a:t>Through programming with </a:t>
             </a:r>
             <a:r>
-              <a:rPr lang="en-US" sz="4500" dirty="0">
+              <a:rPr lang="en-US" sz="4500" b="1" dirty="0">
                 <a:solidFill>
-                  <a:schemeClr val="bg1"/>
+                  <a:schemeClr val="tx1"/>
                 </a:solidFill>
                 <a:latin typeface="Calibri" pitchFamily="34" charset="0"/>
               </a:rPr>
               <a:t>a web framework we have never heard of </a:t>
             </a:r>
             <a:r>
-              <a:rPr lang="en-US" sz="4500" dirty="0" smtClean="0">
+              <a:rPr lang="en-US" sz="4500" b="1" dirty="0" smtClean="0">
                 <a:solidFill>
-                  <a:schemeClr val="bg1"/>
+                  <a:schemeClr val="tx1"/>
                 </a:solidFill>
                 <a:latin typeface="Calibri" pitchFamily="34" charset="0"/>
               </a:rPr>
               <a:t>before </a:t>
             </a:r>
             <a:r>
-              <a:rPr lang="en-US" sz="4500" dirty="0">
+              <a:rPr lang="en-US" sz="4500" b="1" dirty="0">
                 <a:solidFill>
-                  <a:schemeClr val="bg1"/>
+                  <a:schemeClr val="tx1"/>
                 </a:solidFill>
                 <a:latin typeface="Calibri" pitchFamily="34" charset="0"/>
               </a:rPr>
               <a:t>(Django</a:t>
             </a:r>
             <a:r>
-              <a:rPr lang="en-US" sz="4500" dirty="0" smtClean="0">
+              <a:rPr lang="en-US" sz="4500" b="1" dirty="0" smtClean="0">
                 <a:solidFill>
-                  <a:schemeClr val="bg1"/>
+                  <a:schemeClr val="tx1"/>
                 </a:solidFill>
                 <a:latin typeface="Calibri" pitchFamily="34" charset="0"/>
               </a:rPr>
               <a:t>), </a:t>
             </a:r>
             <a:r>
-              <a:rPr lang="en-US" sz="4500" dirty="0">
+              <a:rPr lang="en-US" sz="4500" b="1" dirty="0">
                 <a:solidFill>
-                  <a:schemeClr val="bg1"/>
+                  <a:schemeClr val="tx1"/>
                 </a:solidFill>
                 <a:latin typeface="Calibri" pitchFamily="34" charset="0"/>
               </a:rPr>
               <a:t>in a language we have never used before (Python), we created a user role based, dynamically generated, highly extensible system to handle the paperwork the midshipmen of a company process on a daily basis.</a:t>
-            </a:r>
-          </a:p>
-        </p:txBody>
-      </p:sp>
-      <p:sp>
-        <p:nvSpPr>
-          <p:cNvPr id="13318" name="TextBox 5"/>
-          <p:cNvSpPr txBox="1">
-            <a:spLocks noChangeArrowheads="1"/>
-          </p:cNvSpPr>
-          <p:nvPr/>
-        </p:nvSpPr>
-        <p:spPr bwMode="auto">
-          <a:xfrm>
-            <a:off x="20193000" y="7315200"/>
-            <a:ext cx="9296400" cy="2088036"/>
-          </a:xfrm>
-          <a:prstGeom prst="rect">
-            <a:avLst/>
-          </a:prstGeom>
-          <a:noFill/>
-          <a:ln w="9525">
-            <a:noFill/>
-            <a:miter lim="800000"/>
-            <a:headEnd/>
-            <a:tailEnd/>
-          </a:ln>
-        </p:spPr>
-        <p:txBody>
-          <a:bodyPr wrap="square" lIns="376202" tIns="188101" rIns="376202" bIns="188101">
-            <a:spAutoFit/>
-          </a:bodyPr>
-          <a:lstStyle/>
-          <a:p>
-            <a:r>
-              <a:rPr lang="en-US" sz="6600" b="1" dirty="0">
-                <a:solidFill>
-                  <a:schemeClr val="bg1"/>
-                </a:solidFill>
-                <a:latin typeface="Calibri" pitchFamily="34" charset="0"/>
-              </a:rPr>
-              <a:t>Workload Distribution</a:t>
-            </a:r>
-          </a:p>
-          <a:p>
-            <a:r>
-              <a:rPr lang="en-US" sz="4500" dirty="0" err="1">
-                <a:solidFill>
-                  <a:schemeClr val="bg1"/>
-                </a:solidFill>
-                <a:latin typeface="Calibri" pitchFamily="34" charset="0"/>
-              </a:rPr>
-              <a:t>Avg</a:t>
-            </a:r>
-            <a:r>
-              <a:rPr lang="en-US" sz="4500" dirty="0">
-                <a:solidFill>
-                  <a:schemeClr val="bg1"/>
-                </a:solidFill>
-                <a:latin typeface="Calibri" pitchFamily="34" charset="0"/>
-              </a:rPr>
-              <a:t> man hours per person: 120+</a:t>
             </a:r>
           </a:p>
         </p:txBody>
@@ -3957,7 +3760,7 @@
         </p:blipFill>
         <p:spPr bwMode="auto">
           <a:xfrm>
-            <a:off x="1219200" y="0"/>
+            <a:off x="1219200" y="533400"/>
             <a:ext cx="3143250" cy="4495800"/>
           </a:xfrm>
           <a:prstGeom prst="rect">
@@ -3989,7 +3792,7 @@
         </p:blipFill>
         <p:spPr bwMode="auto">
           <a:xfrm>
-            <a:off x="32004000" y="0"/>
+            <a:off x="32004000" y="925513"/>
             <a:ext cx="3694113" cy="3711575"/>
           </a:xfrm>
           <a:prstGeom prst="rect">
@@ -4004,9 +3807,1848 @@
           </a:ln>
         </p:spPr>
       </p:pic>
-      <p:sp>
-        <p:nvSpPr>
-          <p:cNvPr id="13323" name="Text Box 11"/>
+      <p:grpSp>
+        <p:nvGrpSpPr>
+          <p:cNvPr id="45" name="Group 44"/>
+          <p:cNvGrpSpPr/>
+          <p:nvPr/>
+        </p:nvGrpSpPr>
+        <p:grpSpPr>
+          <a:xfrm>
+            <a:off x="533400" y="7086600"/>
+            <a:ext cx="3962400" cy="20726400"/>
+            <a:chOff x="533400" y="5562600"/>
+            <a:chExt cx="3962400" cy="20650200"/>
+          </a:xfrm>
+        </p:grpSpPr>
+        <p:sp>
+          <p:nvSpPr>
+            <p:cNvPr id="46" name="Rounded Rectangle 45"/>
+            <p:cNvSpPr/>
+            <p:nvPr/>
+          </p:nvSpPr>
+          <p:spPr>
+            <a:xfrm>
+              <a:off x="533400" y="5562600"/>
+              <a:ext cx="3962400" cy="20650200"/>
+            </a:xfrm>
+            <a:prstGeom prst="roundRect">
+              <a:avLst/>
+            </a:prstGeom>
+            <a:solidFill>
+              <a:srgbClr val="FFFFFF">
+                <a:alpha val="30980"/>
+              </a:srgbClr>
+            </a:solidFill>
+            <a:ln>
+              <a:noFill/>
+            </a:ln>
+          </p:spPr>
+          <p:style>
+            <a:lnRef idx="2">
+              <a:schemeClr val="dk1"/>
+            </a:lnRef>
+            <a:fillRef idx="1">
+              <a:schemeClr val="lt1"/>
+            </a:fillRef>
+            <a:effectRef idx="0">
+              <a:schemeClr val="dk1"/>
+            </a:effectRef>
+            <a:fontRef idx="minor">
+              <a:schemeClr val="dk1"/>
+            </a:fontRef>
+          </p:style>
+          <p:txBody>
+            <a:bodyPr rtlCol="0" anchor="ctr"/>
+            <a:lstStyle/>
+            <a:p>
+              <a:pPr algn="ctr"/>
+              <a:endParaRPr lang="en-US"/>
+            </a:p>
+          </p:txBody>
+        </p:sp>
+        <p:grpSp>
+          <p:nvGrpSpPr>
+            <p:cNvPr id="47" name="Group 39"/>
+            <p:cNvGrpSpPr/>
+            <p:nvPr/>
+          </p:nvGrpSpPr>
+          <p:grpSpPr>
+            <a:xfrm>
+              <a:off x="990600" y="6096000"/>
+              <a:ext cx="3048000" cy="19727108"/>
+              <a:chOff x="990600" y="6096000"/>
+              <a:chExt cx="3048000" cy="19727108"/>
+            </a:xfrm>
+          </p:grpSpPr>
+          <p:grpSp>
+            <p:nvGrpSpPr>
+              <p:cNvPr id="48" name="Group 35"/>
+              <p:cNvGrpSpPr/>
+              <p:nvPr/>
+            </p:nvGrpSpPr>
+            <p:grpSpPr>
+              <a:xfrm>
+                <a:off x="990600" y="6096000"/>
+                <a:ext cx="3048000" cy="4487108"/>
+                <a:chOff x="2819400" y="6324600"/>
+                <a:chExt cx="3048000" cy="4487108"/>
+              </a:xfrm>
+            </p:grpSpPr>
+            <p:pic>
+              <p:nvPicPr>
+                <p:cNvPr id="58" name="Picture 7"/>
+                <p:cNvPicPr>
+                  <a:picLocks noChangeAspect="1" noChangeArrowheads="1"/>
+                </p:cNvPicPr>
+                <p:nvPr/>
+              </p:nvPicPr>
+              <p:blipFill>
+                <a:blip r:embed="rId5" cstate="print"/>
+                <a:srcRect/>
+                <a:stretch>
+                  <a:fillRect/>
+                </a:stretch>
+              </p:blipFill>
+              <p:spPr bwMode="auto">
+                <a:xfrm>
+                  <a:off x="2819400" y="6324600"/>
+                  <a:ext cx="3047620" cy="3809524"/>
+                </a:xfrm>
+                <a:prstGeom prst="rect">
+                  <a:avLst/>
+                </a:prstGeom>
+                <a:ln>
+                  <a:noFill/>
+                </a:ln>
+                <a:effectLst>
+                  <a:outerShdw blurRad="190500" algn="tl" rotWithShape="0">
+                    <a:srgbClr val="000000">
+                      <a:alpha val="70000"/>
+                    </a:srgbClr>
+                  </a:outerShdw>
+                </a:effectLst>
+              </p:spPr>
+            </p:pic>
+            <p:sp>
+              <p:nvSpPr>
+                <p:cNvPr id="59" name="TextBox 58"/>
+                <p:cNvSpPr txBox="1"/>
+                <p:nvPr/>
+              </p:nvSpPr>
+              <p:spPr>
+                <a:xfrm>
+                  <a:off x="2819400" y="10134600"/>
+                  <a:ext cx="3048000" cy="677108"/>
+                </a:xfrm>
+                <a:prstGeom prst="rect">
+                  <a:avLst/>
+                </a:prstGeom>
+                <a:solidFill>
+                  <a:srgbClr val="000000">
+                    <a:alpha val="69804"/>
+                  </a:srgbClr>
+                </a:solidFill>
+              </p:spPr>
+              <p:txBody>
+                <a:bodyPr wrap="square" rtlCol="0">
+                  <a:spAutoFit/>
+                </a:bodyPr>
+                <a:lstStyle/>
+                <a:p>
+                  <a:pPr algn="ctr"/>
+                  <a:r>
+                    <a:rPr lang="en-US" sz="3800" cap="small" dirty="0" smtClean="0">
+                      <a:solidFill>
+                        <a:schemeClr val="bg1"/>
+                      </a:solidFill>
+                      <a:latin typeface="Calibri" pitchFamily="34" charset="0"/>
+                      <a:cs typeface="Calibri" pitchFamily="34" charset="0"/>
+                    </a:rPr>
+                    <a:t>MIDN Laws</a:t>
+                  </a:r>
+                  <a:endParaRPr lang="en-US" sz="3800" cap="small" dirty="0">
+                    <a:solidFill>
+                      <a:schemeClr val="bg1"/>
+                    </a:solidFill>
+                    <a:latin typeface="Calibri" pitchFamily="34" charset="0"/>
+                    <a:cs typeface="Calibri" pitchFamily="34" charset="0"/>
+                  </a:endParaRPr>
+                </a:p>
+              </p:txBody>
+            </p:sp>
+          </p:grpSp>
+          <p:grpSp>
+            <p:nvGrpSpPr>
+              <p:cNvPr id="49" name="Group 36"/>
+              <p:cNvGrpSpPr/>
+              <p:nvPr/>
+            </p:nvGrpSpPr>
+            <p:grpSpPr>
+              <a:xfrm>
+                <a:off x="990600" y="16256000"/>
+                <a:ext cx="3048000" cy="4487108"/>
+                <a:chOff x="5867400" y="6324600"/>
+                <a:chExt cx="3048000" cy="4487108"/>
+              </a:xfrm>
+            </p:grpSpPr>
+            <p:pic>
+              <p:nvPicPr>
+                <p:cNvPr id="56" name="Picture 12"/>
+                <p:cNvPicPr>
+                  <a:picLocks noChangeAspect="1" noChangeArrowheads="1"/>
+                </p:cNvPicPr>
+                <p:nvPr/>
+              </p:nvPicPr>
+              <p:blipFill>
+                <a:blip r:embed="rId6" cstate="print"/>
+                <a:srcRect/>
+                <a:stretch>
+                  <a:fillRect/>
+                </a:stretch>
+              </p:blipFill>
+              <p:spPr bwMode="auto">
+                <a:xfrm>
+                  <a:off x="5867400" y="6324600"/>
+                  <a:ext cx="3047620" cy="3809524"/>
+                </a:xfrm>
+                <a:prstGeom prst="rect">
+                  <a:avLst/>
+                </a:prstGeom>
+                <a:ln>
+                  <a:noFill/>
+                </a:ln>
+                <a:effectLst>
+                  <a:outerShdw blurRad="190500" algn="tl" rotWithShape="0">
+                    <a:srgbClr val="000000">
+                      <a:alpha val="70000"/>
+                    </a:srgbClr>
+                  </a:outerShdw>
+                </a:effectLst>
+              </p:spPr>
+            </p:pic>
+            <p:sp>
+              <p:nvSpPr>
+                <p:cNvPr id="57" name="TextBox 56"/>
+                <p:cNvSpPr txBox="1"/>
+                <p:nvPr/>
+              </p:nvSpPr>
+              <p:spPr>
+                <a:xfrm>
+                  <a:off x="5867400" y="10134600"/>
+                  <a:ext cx="3048000" cy="677108"/>
+                </a:xfrm>
+                <a:prstGeom prst="rect">
+                  <a:avLst/>
+                </a:prstGeom>
+                <a:solidFill>
+                  <a:srgbClr val="000000">
+                    <a:alpha val="69804"/>
+                  </a:srgbClr>
+                </a:solidFill>
+              </p:spPr>
+              <p:txBody>
+                <a:bodyPr wrap="square" rtlCol="0">
+                  <a:spAutoFit/>
+                </a:bodyPr>
+                <a:lstStyle/>
+                <a:p>
+                  <a:pPr algn="ctr"/>
+                  <a:r>
+                    <a:rPr lang="en-US" sz="3800" cap="small" dirty="0" smtClean="0">
+                      <a:solidFill>
+                        <a:schemeClr val="bg1"/>
+                      </a:solidFill>
+                      <a:latin typeface="Calibri" pitchFamily="34" charset="0"/>
+                      <a:cs typeface="Calibri" pitchFamily="34" charset="0"/>
+                    </a:rPr>
+                    <a:t>MIDN Rabe</a:t>
+                  </a:r>
+                  <a:endParaRPr lang="en-US" sz="3800" cap="small" dirty="0">
+                    <a:solidFill>
+                      <a:schemeClr val="bg1"/>
+                    </a:solidFill>
+                    <a:latin typeface="Calibri" pitchFamily="34" charset="0"/>
+                    <a:cs typeface="Calibri" pitchFamily="34" charset="0"/>
+                  </a:endParaRPr>
+                </a:p>
+              </p:txBody>
+            </p:sp>
+          </p:grpSp>
+          <p:grpSp>
+            <p:nvGrpSpPr>
+              <p:cNvPr id="50" name="Group 38"/>
+              <p:cNvGrpSpPr/>
+              <p:nvPr/>
+            </p:nvGrpSpPr>
+            <p:grpSpPr>
+              <a:xfrm>
+                <a:off x="990600" y="21336000"/>
+                <a:ext cx="3048000" cy="4487108"/>
+                <a:chOff x="11963400" y="6324600"/>
+                <a:chExt cx="3048000" cy="4487108"/>
+              </a:xfrm>
+            </p:grpSpPr>
+            <p:pic>
+              <p:nvPicPr>
+                <p:cNvPr id="54" name="Picture 16"/>
+                <p:cNvPicPr>
+                  <a:picLocks noChangeAspect="1" noChangeArrowheads="1"/>
+                </p:cNvPicPr>
+                <p:nvPr/>
+              </p:nvPicPr>
+              <p:blipFill>
+                <a:blip r:embed="rId7" cstate="print"/>
+                <a:srcRect/>
+                <a:stretch>
+                  <a:fillRect/>
+                </a:stretch>
+              </p:blipFill>
+              <p:spPr bwMode="auto">
+                <a:xfrm>
+                  <a:off x="11963400" y="6324600"/>
+                  <a:ext cx="3047620" cy="3809524"/>
+                </a:xfrm>
+                <a:prstGeom prst="rect">
+                  <a:avLst/>
+                </a:prstGeom>
+                <a:ln>
+                  <a:noFill/>
+                </a:ln>
+                <a:effectLst>
+                  <a:outerShdw blurRad="190500" algn="tl" rotWithShape="0">
+                    <a:srgbClr val="000000">
+                      <a:alpha val="70000"/>
+                    </a:srgbClr>
+                  </a:outerShdw>
+                </a:effectLst>
+              </p:spPr>
+            </p:pic>
+            <p:sp>
+              <p:nvSpPr>
+                <p:cNvPr id="55" name="TextBox 54"/>
+                <p:cNvSpPr txBox="1"/>
+                <p:nvPr/>
+              </p:nvSpPr>
+              <p:spPr>
+                <a:xfrm>
+                  <a:off x="11963400" y="10134600"/>
+                  <a:ext cx="3048000" cy="677108"/>
+                </a:xfrm>
+                <a:prstGeom prst="rect">
+                  <a:avLst/>
+                </a:prstGeom>
+                <a:solidFill>
+                  <a:srgbClr val="000000">
+                    <a:alpha val="69804"/>
+                  </a:srgbClr>
+                </a:solidFill>
+              </p:spPr>
+              <p:txBody>
+                <a:bodyPr wrap="square" rtlCol="0">
+                  <a:spAutoFit/>
+                </a:bodyPr>
+                <a:lstStyle/>
+                <a:p>
+                  <a:pPr algn="ctr"/>
+                  <a:r>
+                    <a:rPr lang="en-US" sz="3800" cap="small" dirty="0" smtClean="0">
+                      <a:solidFill>
+                        <a:schemeClr val="bg1"/>
+                      </a:solidFill>
+                      <a:latin typeface="Calibri" pitchFamily="34" charset="0"/>
+                      <a:cs typeface="Calibri" pitchFamily="34" charset="0"/>
+                    </a:rPr>
+                    <a:t>MIDN Hatley</a:t>
+                  </a:r>
+                  <a:endParaRPr lang="en-US" sz="3800" cap="small" dirty="0">
+                    <a:solidFill>
+                      <a:schemeClr val="bg1"/>
+                    </a:solidFill>
+                    <a:latin typeface="Calibri" pitchFamily="34" charset="0"/>
+                    <a:cs typeface="Calibri" pitchFamily="34" charset="0"/>
+                  </a:endParaRPr>
+                </a:p>
+              </p:txBody>
+            </p:sp>
+          </p:grpSp>
+          <p:grpSp>
+            <p:nvGrpSpPr>
+              <p:cNvPr id="51" name="Group 37"/>
+              <p:cNvGrpSpPr/>
+              <p:nvPr/>
+            </p:nvGrpSpPr>
+            <p:grpSpPr>
+              <a:xfrm>
+                <a:off x="990600" y="11176000"/>
+                <a:ext cx="3048000" cy="4487108"/>
+                <a:chOff x="8915400" y="6324600"/>
+                <a:chExt cx="3048000" cy="4487108"/>
+              </a:xfrm>
+            </p:grpSpPr>
+            <p:sp>
+              <p:nvSpPr>
+                <p:cNvPr id="52" name="TextBox 51"/>
+                <p:cNvSpPr txBox="1"/>
+                <p:nvPr/>
+              </p:nvSpPr>
+              <p:spPr>
+                <a:xfrm>
+                  <a:off x="8915400" y="10134600"/>
+                  <a:ext cx="3048000" cy="677108"/>
+                </a:xfrm>
+                <a:prstGeom prst="rect">
+                  <a:avLst/>
+                </a:prstGeom>
+                <a:solidFill>
+                  <a:srgbClr val="000000">
+                    <a:alpha val="69804"/>
+                  </a:srgbClr>
+                </a:solidFill>
+              </p:spPr>
+              <p:txBody>
+                <a:bodyPr wrap="square" rtlCol="0">
+                  <a:spAutoFit/>
+                </a:bodyPr>
+                <a:lstStyle/>
+                <a:p>
+                  <a:pPr algn="ctr"/>
+                  <a:r>
+                    <a:rPr lang="en-US" sz="3800" cap="small" dirty="0" smtClean="0">
+                      <a:solidFill>
+                        <a:schemeClr val="bg1"/>
+                      </a:solidFill>
+                      <a:latin typeface="Calibri" pitchFamily="34" charset="0"/>
+                      <a:cs typeface="Calibri" pitchFamily="34" charset="0"/>
+                    </a:rPr>
+                    <a:t>midn Harrison</a:t>
+                  </a:r>
+                  <a:endParaRPr lang="en-US" sz="3800" cap="small" dirty="0">
+                    <a:solidFill>
+                      <a:schemeClr val="bg1"/>
+                    </a:solidFill>
+                    <a:latin typeface="Calibri" pitchFamily="34" charset="0"/>
+                    <a:cs typeface="Calibri" pitchFamily="34" charset="0"/>
+                  </a:endParaRPr>
+                </a:p>
+              </p:txBody>
+            </p:sp>
+            <p:pic>
+              <p:nvPicPr>
+                <p:cNvPr id="53" name="Picture 19"/>
+                <p:cNvPicPr>
+                  <a:picLocks noChangeAspect="1" noChangeArrowheads="1"/>
+                </p:cNvPicPr>
+                <p:nvPr/>
+              </p:nvPicPr>
+              <p:blipFill>
+                <a:blip r:embed="rId8" cstate="print"/>
+                <a:srcRect/>
+                <a:stretch>
+                  <a:fillRect/>
+                </a:stretch>
+              </p:blipFill>
+              <p:spPr bwMode="auto">
+                <a:xfrm>
+                  <a:off x="8915400" y="6324600"/>
+                  <a:ext cx="3047620" cy="3809524"/>
+                </a:xfrm>
+                <a:prstGeom prst="rect">
+                  <a:avLst/>
+                </a:prstGeom>
+                <a:ln>
+                  <a:noFill/>
+                </a:ln>
+                <a:effectLst>
+                  <a:outerShdw blurRad="190500" algn="tl" rotWithShape="0">
+                    <a:srgbClr val="000000">
+                      <a:alpha val="70000"/>
+                    </a:srgbClr>
+                  </a:outerShdw>
+                </a:effectLst>
+              </p:spPr>
+            </p:pic>
+          </p:grpSp>
+        </p:grpSp>
+      </p:grpSp>
+      <p:grpSp>
+        <p:nvGrpSpPr>
+          <p:cNvPr id="71" name="Group 70"/>
+          <p:cNvGrpSpPr/>
+          <p:nvPr/>
+        </p:nvGrpSpPr>
+        <p:grpSpPr>
+          <a:xfrm>
+            <a:off x="5704840" y="7620000"/>
+            <a:ext cx="7498080" cy="19812000"/>
+            <a:chOff x="4991100" y="7620000"/>
+            <a:chExt cx="7498080" cy="19812000"/>
+          </a:xfrm>
+        </p:grpSpPr>
+        <p:grpSp>
+          <p:nvGrpSpPr>
+            <p:cNvPr id="66" name="Group 65"/>
+            <p:cNvGrpSpPr/>
+            <p:nvPr/>
+          </p:nvGrpSpPr>
+          <p:grpSpPr>
+            <a:xfrm>
+              <a:off x="4991100" y="7620000"/>
+              <a:ext cx="7498080" cy="6223575"/>
+              <a:chOff x="-15697200" y="1524000"/>
+              <a:chExt cx="7467600" cy="6223575"/>
+            </a:xfrm>
+          </p:grpSpPr>
+          <p:pic>
+            <p:nvPicPr>
+              <p:cNvPr id="39" name="Picture 38" descr="Total Time Per Milestone.jpg"/>
+              <p:cNvPicPr>
+                <a:picLocks noChangeAspect="1"/>
+              </p:cNvPicPr>
+              <p:nvPr/>
+            </p:nvPicPr>
+            <p:blipFill>
+              <a:blip r:embed="rId9" cstate="print"/>
+              <a:stretch>
+                <a:fillRect/>
+              </a:stretch>
+            </p:blipFill>
+            <p:spPr>
+              <a:xfrm>
+                <a:off x="-15697200" y="1524000"/>
+                <a:ext cx="7467600" cy="5715524"/>
+              </a:xfrm>
+              <a:prstGeom prst="rect">
+                <a:avLst/>
+              </a:prstGeom>
+            </p:spPr>
+          </p:pic>
+          <p:sp>
+            <p:nvSpPr>
+              <p:cNvPr id="43" name="Text Box 11"/>
+              <p:cNvSpPr txBox="1">
+                <a:spLocks noChangeArrowheads="1"/>
+              </p:cNvSpPr>
+              <p:nvPr/>
+            </p:nvSpPr>
+            <p:spPr bwMode="auto">
+              <a:xfrm>
+                <a:off x="-15697200" y="7162800"/>
+                <a:ext cx="7467600" cy="584775"/>
+              </a:xfrm>
+              <a:prstGeom prst="rect">
+                <a:avLst/>
+              </a:prstGeom>
+              <a:ln>
+                <a:headEnd/>
+                <a:tailEnd/>
+              </a:ln>
+            </p:spPr>
+            <p:style>
+              <a:lnRef idx="1">
+                <a:schemeClr val="accent3"/>
+              </a:lnRef>
+              <a:fillRef idx="3">
+                <a:schemeClr val="accent3"/>
+              </a:fillRef>
+              <a:effectRef idx="2">
+                <a:schemeClr val="accent3"/>
+              </a:effectRef>
+              <a:fontRef idx="minor">
+                <a:schemeClr val="lt1"/>
+              </a:fontRef>
+            </p:style>
+            <p:txBody>
+              <a:bodyPr wrap="square">
+                <a:spAutoFit/>
+              </a:bodyPr>
+              <a:lstStyle/>
+              <a:p>
+                <a:pPr algn="ctr" defTabSz="914400"/>
+                <a:r>
+                  <a:rPr lang="en-US" sz="3200" dirty="0" smtClean="0">
+                    <a:solidFill>
+                      <a:schemeClr val="bg1"/>
+                    </a:solidFill>
+                    <a:latin typeface="Courier New" pitchFamily="49" charset="0"/>
+                    <a:cs typeface="Courier New" pitchFamily="49" charset="0"/>
+                  </a:rPr>
+                  <a:t>Figure02: Time per Milestone</a:t>
+                </a:r>
+                <a:endParaRPr lang="en-US" sz="3200" dirty="0">
+                  <a:solidFill>
+                    <a:schemeClr val="bg1"/>
+                  </a:solidFill>
+                  <a:latin typeface="Courier New" pitchFamily="49" charset="0"/>
+                  <a:cs typeface="Courier New" pitchFamily="49" charset="0"/>
+                </a:endParaRPr>
+              </a:p>
+            </p:txBody>
+          </p:sp>
+        </p:grpSp>
+        <p:grpSp>
+          <p:nvGrpSpPr>
+            <p:cNvPr id="67" name="Group 66"/>
+            <p:cNvGrpSpPr/>
+            <p:nvPr/>
+          </p:nvGrpSpPr>
+          <p:grpSpPr>
+            <a:xfrm>
+              <a:off x="4991100" y="14236987"/>
+              <a:ext cx="7498080" cy="6400800"/>
+              <a:chOff x="-16992600" y="10591800"/>
+              <a:chExt cx="7467600" cy="7366575"/>
+            </a:xfrm>
+          </p:grpSpPr>
+          <p:pic>
+            <p:nvPicPr>
+              <p:cNvPr id="32" name="Picture 31" descr="Cummulative team orient workload matrix.jpg"/>
+              <p:cNvPicPr>
+                <a:picLocks noChangeAspect="1"/>
+              </p:cNvPicPr>
+              <p:nvPr/>
+            </p:nvPicPr>
+            <p:blipFill>
+              <a:blip r:embed="rId10" cstate="print"/>
+              <a:stretch>
+                <a:fillRect/>
+              </a:stretch>
+            </p:blipFill>
+            <p:spPr>
+              <a:xfrm>
+                <a:off x="-16992600" y="10591800"/>
+                <a:ext cx="7467600" cy="6827772"/>
+              </a:xfrm>
+              <a:prstGeom prst="rect">
+                <a:avLst/>
+              </a:prstGeom>
+            </p:spPr>
+          </p:pic>
+          <p:sp>
+            <p:nvSpPr>
+              <p:cNvPr id="60" name="Text Box 11"/>
+              <p:cNvSpPr txBox="1">
+                <a:spLocks noChangeArrowheads="1"/>
+              </p:cNvSpPr>
+              <p:nvPr/>
+            </p:nvSpPr>
+            <p:spPr bwMode="auto">
+              <a:xfrm>
+                <a:off x="-16992600" y="17373600"/>
+                <a:ext cx="7467600" cy="584775"/>
+              </a:xfrm>
+              <a:prstGeom prst="rect">
+                <a:avLst/>
+              </a:prstGeom>
+              <a:ln>
+                <a:headEnd/>
+                <a:tailEnd/>
+              </a:ln>
+            </p:spPr>
+            <p:style>
+              <a:lnRef idx="1">
+                <a:schemeClr val="accent3"/>
+              </a:lnRef>
+              <a:fillRef idx="3">
+                <a:schemeClr val="accent3"/>
+              </a:fillRef>
+              <a:effectRef idx="2">
+                <a:schemeClr val="accent3"/>
+              </a:effectRef>
+              <a:fontRef idx="minor">
+                <a:schemeClr val="lt1"/>
+              </a:fontRef>
+            </p:style>
+            <p:txBody>
+              <a:bodyPr wrap="square">
+                <a:spAutoFit/>
+              </a:bodyPr>
+              <a:lstStyle/>
+              <a:p>
+                <a:pPr algn="ctr" defTabSz="914400"/>
+                <a:r>
+                  <a:rPr lang="en-US" sz="3200" dirty="0" smtClean="0">
+                    <a:solidFill>
+                      <a:schemeClr val="bg1"/>
+                    </a:solidFill>
+                    <a:latin typeface="Courier New" pitchFamily="49" charset="0"/>
+                    <a:cs typeface="Courier New" pitchFamily="49" charset="0"/>
+                  </a:rPr>
+                  <a:t>Figure03: </a:t>
+                </a:r>
+                <a:r>
+                  <a:rPr lang="en-US" sz="3200" dirty="0" smtClean="0">
+                    <a:solidFill>
+                      <a:schemeClr val="bg1"/>
+                    </a:solidFill>
+                    <a:latin typeface="Courier New" pitchFamily="49" charset="0"/>
+                    <a:cs typeface="Courier New" pitchFamily="49" charset="0"/>
+                  </a:rPr>
+                  <a:t>Member Distribution</a:t>
+                </a:r>
+                <a:endParaRPr lang="en-US" sz="3200" dirty="0" smtClean="0">
+                  <a:solidFill>
+                    <a:schemeClr val="bg1"/>
+                  </a:solidFill>
+                  <a:latin typeface="Courier New" pitchFamily="49" charset="0"/>
+                  <a:cs typeface="Courier New" pitchFamily="49" charset="0"/>
+                </a:endParaRPr>
+              </a:p>
+            </p:txBody>
+          </p:sp>
+        </p:grpSp>
+        <p:grpSp>
+          <p:nvGrpSpPr>
+            <p:cNvPr id="68" name="Group 67"/>
+            <p:cNvGrpSpPr/>
+            <p:nvPr/>
+          </p:nvGrpSpPr>
+          <p:grpSpPr>
+            <a:xfrm>
+              <a:off x="4991100" y="21031200"/>
+              <a:ext cx="7498080" cy="6400800"/>
+              <a:chOff x="40119300" y="0"/>
+              <a:chExt cx="7505700" cy="7518975"/>
+            </a:xfrm>
+          </p:grpSpPr>
+          <p:pic>
+            <p:nvPicPr>
+              <p:cNvPr id="31" name="Picture 30" descr="Cummulative task orient workload matrix.jpg"/>
+              <p:cNvPicPr>
+                <a:picLocks noChangeAspect="1"/>
+              </p:cNvPicPr>
+              <p:nvPr/>
+            </p:nvPicPr>
+            <p:blipFill>
+              <a:blip r:embed="rId11" cstate="print"/>
+              <a:stretch>
+                <a:fillRect/>
+              </a:stretch>
+            </p:blipFill>
+            <p:spPr>
+              <a:xfrm>
+                <a:off x="40157400" y="0"/>
+                <a:ext cx="7467600" cy="6889301"/>
+              </a:xfrm>
+              <a:prstGeom prst="rect">
+                <a:avLst/>
+              </a:prstGeom>
+            </p:spPr>
+          </p:pic>
+          <p:sp>
+            <p:nvSpPr>
+              <p:cNvPr id="61" name="Text Box 11"/>
+              <p:cNvSpPr txBox="1">
+                <a:spLocks noChangeArrowheads="1"/>
+              </p:cNvSpPr>
+              <p:nvPr/>
+            </p:nvSpPr>
+            <p:spPr bwMode="auto">
+              <a:xfrm>
+                <a:off x="40119300" y="6934200"/>
+                <a:ext cx="7467600" cy="584775"/>
+              </a:xfrm>
+              <a:prstGeom prst="rect">
+                <a:avLst/>
+              </a:prstGeom>
+              <a:ln>
+                <a:headEnd/>
+                <a:tailEnd/>
+              </a:ln>
+            </p:spPr>
+            <p:style>
+              <a:lnRef idx="1">
+                <a:schemeClr val="accent3"/>
+              </a:lnRef>
+              <a:fillRef idx="3">
+                <a:schemeClr val="accent3"/>
+              </a:fillRef>
+              <a:effectRef idx="2">
+                <a:schemeClr val="accent3"/>
+              </a:effectRef>
+              <a:fontRef idx="minor">
+                <a:schemeClr val="lt1"/>
+              </a:fontRef>
+            </p:style>
+            <p:txBody>
+              <a:bodyPr wrap="square">
+                <a:spAutoFit/>
+              </a:bodyPr>
+              <a:lstStyle/>
+              <a:p>
+                <a:pPr algn="ctr" defTabSz="914400"/>
+                <a:r>
+                  <a:rPr lang="en-US" sz="3200" dirty="0" smtClean="0">
+                    <a:solidFill>
+                      <a:schemeClr val="bg1"/>
+                    </a:solidFill>
+                    <a:latin typeface="Courier New" pitchFamily="49" charset="0"/>
+                    <a:cs typeface="Courier New" pitchFamily="49" charset="0"/>
+                  </a:rPr>
+                  <a:t>Figure04: Time per Milestone</a:t>
+                </a:r>
+                <a:endParaRPr lang="en-US" sz="3200" dirty="0">
+                  <a:solidFill>
+                    <a:schemeClr val="bg1"/>
+                  </a:solidFill>
+                  <a:latin typeface="Courier New" pitchFamily="49" charset="0"/>
+                  <a:cs typeface="Courier New" pitchFamily="49" charset="0"/>
+                </a:endParaRPr>
+              </a:p>
+            </p:txBody>
+          </p:sp>
+        </p:grpSp>
+      </p:grpSp>
+      <p:grpSp>
+        <p:nvGrpSpPr>
+          <p:cNvPr id="72" name="Group 71"/>
+          <p:cNvGrpSpPr/>
+          <p:nvPr/>
+        </p:nvGrpSpPr>
+        <p:grpSpPr>
+          <a:xfrm>
+            <a:off x="26289000" y="8382000"/>
+            <a:ext cx="9601200" cy="18196892"/>
+            <a:chOff x="25831800" y="8382000"/>
+            <a:chExt cx="9601200" cy="18196892"/>
+          </a:xfrm>
+        </p:grpSpPr>
+        <p:pic>
+          <p:nvPicPr>
+            <p:cNvPr id="13326" name="Picture 14" descr="eng view 1"/>
+            <p:cNvPicPr>
+              <a:picLocks noChangeAspect="1" noChangeArrowheads="1"/>
+            </p:cNvPicPr>
+            <p:nvPr/>
+          </p:nvPicPr>
+          <p:blipFill>
+            <a:blip r:embed="rId12" cstate="print"/>
+            <a:srcRect/>
+            <a:stretch>
+              <a:fillRect/>
+            </a:stretch>
+          </p:blipFill>
+          <p:spPr bwMode="auto">
+            <a:xfrm>
+              <a:off x="25831800" y="18288000"/>
+              <a:ext cx="9601200" cy="8290892"/>
+            </a:xfrm>
+            <a:prstGeom prst="rect">
+              <a:avLst/>
+            </a:prstGeom>
+            <a:noFill/>
+          </p:spPr>
+        </p:pic>
+        <p:pic>
+          <p:nvPicPr>
+            <p:cNvPr id="13327" name="Picture 15" descr="eng view 2"/>
+            <p:cNvPicPr>
+              <a:picLocks noChangeAspect="1" noChangeArrowheads="1"/>
+            </p:cNvPicPr>
+            <p:nvPr/>
+          </p:nvPicPr>
+          <p:blipFill>
+            <a:blip r:embed="rId13" cstate="print"/>
+            <a:srcRect/>
+            <a:stretch>
+              <a:fillRect/>
+            </a:stretch>
+          </p:blipFill>
+          <p:spPr bwMode="auto">
+            <a:xfrm>
+              <a:off x="25831800" y="8382000"/>
+              <a:ext cx="9601200" cy="8681661"/>
+            </a:xfrm>
+            <a:prstGeom prst="rect">
+              <a:avLst/>
+            </a:prstGeom>
+            <a:noFill/>
+          </p:spPr>
+        </p:pic>
+        <p:sp>
+          <p:nvSpPr>
+            <p:cNvPr id="70" name="Text Box 11"/>
+            <p:cNvSpPr txBox="1">
+              <a:spLocks noChangeArrowheads="1"/>
+            </p:cNvSpPr>
+            <p:nvPr/>
+          </p:nvSpPr>
+          <p:spPr bwMode="auto">
+            <a:xfrm>
+              <a:off x="25831800" y="17221200"/>
+              <a:ext cx="9601200" cy="830997"/>
+            </a:xfrm>
+            <a:prstGeom prst="rect">
+              <a:avLst/>
+            </a:prstGeom>
+            <a:ln>
+              <a:headEnd/>
+              <a:tailEnd/>
+            </a:ln>
+          </p:spPr>
+          <p:style>
+            <a:lnRef idx="1">
+              <a:schemeClr val="accent3"/>
+            </a:lnRef>
+            <a:fillRef idx="3">
+              <a:schemeClr val="accent3"/>
+            </a:fillRef>
+            <a:effectRef idx="2">
+              <a:schemeClr val="accent3"/>
+            </a:effectRef>
+            <a:fontRef idx="minor">
+              <a:schemeClr val="lt1"/>
+            </a:fontRef>
+          </p:style>
+          <p:txBody>
+            <a:bodyPr wrap="square">
+              <a:spAutoFit/>
+            </a:bodyPr>
+            <a:lstStyle/>
+            <a:p>
+              <a:pPr algn="ctr" defTabSz="914400"/>
+              <a:r>
+                <a:rPr lang="en-US" sz="4800" dirty="0" smtClean="0">
+                  <a:solidFill>
+                    <a:schemeClr val="bg1"/>
+                  </a:solidFill>
+                  <a:latin typeface="Courier New" pitchFamily="49" charset="0"/>
+                  <a:cs typeface="Courier New" pitchFamily="49" charset="0"/>
+                </a:rPr>
+                <a:t>Figure05: Staff List</a:t>
+              </a:r>
+            </a:p>
+          </p:txBody>
+        </p:sp>
+      </p:grpSp>
+      <p:grpSp>
+        <p:nvGrpSpPr>
+          <p:cNvPr id="75" name="Group 74"/>
+          <p:cNvGrpSpPr/>
+          <p:nvPr/>
+        </p:nvGrpSpPr>
+        <p:grpSpPr>
+          <a:xfrm>
+            <a:off x="14411960" y="6665089"/>
+            <a:ext cx="10668000" cy="20912108"/>
+            <a:chOff x="14097000" y="6665089"/>
+            <a:chExt cx="10668000" cy="20912108"/>
+          </a:xfrm>
+        </p:grpSpPr>
+        <p:grpSp>
+          <p:nvGrpSpPr>
+            <p:cNvPr id="44" name="Group 43"/>
+            <p:cNvGrpSpPr/>
+            <p:nvPr/>
+          </p:nvGrpSpPr>
+          <p:grpSpPr>
+            <a:xfrm>
+              <a:off x="14097000" y="12039600"/>
+              <a:ext cx="10668000" cy="15537597"/>
+              <a:chOff x="11658600" y="8763000"/>
+              <a:chExt cx="11688763" cy="15991840"/>
+            </a:xfrm>
+          </p:grpSpPr>
+          <p:sp>
+            <p:nvSpPr>
+              <p:cNvPr id="13323" name="Text Box 11"/>
+              <p:cNvSpPr txBox="1">
+                <a:spLocks noChangeArrowheads="1"/>
+              </p:cNvSpPr>
+              <p:nvPr/>
+            </p:nvSpPr>
+            <p:spPr bwMode="auto">
+              <a:xfrm>
+                <a:off x="11658600" y="23899549"/>
+                <a:ext cx="11582401" cy="855291"/>
+              </a:xfrm>
+              <a:prstGeom prst="rect">
+                <a:avLst/>
+              </a:prstGeom>
+              <a:ln>
+                <a:headEnd/>
+                <a:tailEnd/>
+              </a:ln>
+            </p:spPr>
+            <p:style>
+              <a:lnRef idx="1">
+                <a:schemeClr val="accent3"/>
+              </a:lnRef>
+              <a:fillRef idx="3">
+                <a:schemeClr val="accent3"/>
+              </a:fillRef>
+              <a:effectRef idx="2">
+                <a:schemeClr val="accent3"/>
+              </a:effectRef>
+              <a:fontRef idx="minor">
+                <a:schemeClr val="lt1"/>
+              </a:fontRef>
+            </p:style>
+            <p:txBody>
+              <a:bodyPr wrap="square">
+                <a:spAutoFit/>
+              </a:bodyPr>
+              <a:lstStyle/>
+              <a:p>
+                <a:pPr algn="ctr" defTabSz="914400"/>
+                <a:r>
+                  <a:rPr lang="en-US" sz="4800" dirty="0" smtClean="0">
+                    <a:solidFill>
+                      <a:schemeClr val="bg1"/>
+                    </a:solidFill>
+                    <a:latin typeface="Courier New" pitchFamily="49" charset="0"/>
+                    <a:cs typeface="Courier New" pitchFamily="49" charset="0"/>
+                  </a:rPr>
+                  <a:t>Figure01: UML Diagram</a:t>
+                </a:r>
+                <a:endParaRPr lang="en-US" sz="4800" dirty="0">
+                  <a:solidFill>
+                    <a:schemeClr val="bg1"/>
+                  </a:solidFill>
+                  <a:latin typeface="Courier New" pitchFamily="49" charset="0"/>
+                  <a:cs typeface="Courier New" pitchFamily="49" charset="0"/>
+                </a:endParaRPr>
+              </a:p>
+            </p:txBody>
+          </p:sp>
+          <p:pic>
+            <p:nvPicPr>
+              <p:cNvPr id="13325" name="Picture 13" descr="UML_1"/>
+              <p:cNvPicPr>
+                <a:picLocks noChangeAspect="1" noChangeArrowheads="1"/>
+              </p:cNvPicPr>
+              <p:nvPr/>
+            </p:nvPicPr>
+            <p:blipFill>
+              <a:blip r:embed="rId14" cstate="print"/>
+              <a:srcRect/>
+              <a:stretch>
+                <a:fillRect/>
+              </a:stretch>
+            </p:blipFill>
+            <p:spPr bwMode="auto">
+              <a:xfrm>
+                <a:off x="11658600" y="8763000"/>
+                <a:ext cx="11688763" cy="15087600"/>
+              </a:xfrm>
+              <a:prstGeom prst="rect">
+                <a:avLst/>
+              </a:prstGeom>
+              <a:noFill/>
+            </p:spPr>
+          </p:pic>
+        </p:grpSp>
+        <p:grpSp>
+          <p:nvGrpSpPr>
+            <p:cNvPr id="74" name="Group 73"/>
+            <p:cNvGrpSpPr/>
+            <p:nvPr/>
+          </p:nvGrpSpPr>
+          <p:grpSpPr>
+            <a:xfrm>
+              <a:off x="14161868" y="6665089"/>
+              <a:ext cx="10538265" cy="4764911"/>
+              <a:chOff x="14161868" y="6665089"/>
+              <a:chExt cx="10538265" cy="4764911"/>
+            </a:xfrm>
+          </p:grpSpPr>
+          <p:sp>
+            <p:nvSpPr>
+              <p:cNvPr id="64" name="Rounded Rectangle 63"/>
+              <p:cNvSpPr/>
+              <p:nvPr/>
+            </p:nvSpPr>
+            <p:spPr>
+              <a:xfrm>
+                <a:off x="14249400" y="7543800"/>
+                <a:ext cx="10363200" cy="3886200"/>
+              </a:xfrm>
+              <a:prstGeom prst="roundRect">
+                <a:avLst/>
+              </a:prstGeom>
+              <a:solidFill>
+                <a:schemeClr val="accent1">
+                  <a:alpha val="86000"/>
+                </a:schemeClr>
+              </a:solidFill>
+            </p:spPr>
+            <p:style>
+              <a:lnRef idx="2">
+                <a:schemeClr val="accent1">
+                  <a:shade val="50000"/>
+                </a:schemeClr>
+              </a:lnRef>
+              <a:fillRef idx="1">
+                <a:schemeClr val="accent1"/>
+              </a:fillRef>
+              <a:effectRef idx="0">
+                <a:schemeClr val="accent1"/>
+              </a:effectRef>
+              <a:fontRef idx="minor">
+                <a:schemeClr val="lt1"/>
+              </a:fontRef>
+            </p:style>
+            <p:txBody>
+              <a:bodyPr rtlCol="0" anchor="ctr"/>
+              <a:lstStyle/>
+              <a:p>
+                <a:pPr algn="ctr"/>
+                <a:endParaRPr lang="en-US"/>
+              </a:p>
+            </p:txBody>
+          </p:sp>
+          <p:sp>
+            <p:nvSpPr>
+              <p:cNvPr id="13344" name="Text Box 32"/>
+              <p:cNvSpPr txBox="1">
+                <a:spLocks noChangeArrowheads="1"/>
+              </p:cNvSpPr>
+              <p:nvPr/>
+            </p:nvSpPr>
+            <p:spPr bwMode="auto">
+              <a:xfrm>
+                <a:off x="14161868" y="6665089"/>
+                <a:ext cx="10538265" cy="4447371"/>
+              </a:xfrm>
+              <a:prstGeom prst="rect">
+                <a:avLst/>
+              </a:prstGeom>
+              <a:noFill/>
+              <a:ln w="9525">
+                <a:noFill/>
+                <a:miter lim="800000"/>
+                <a:headEnd/>
+                <a:tailEnd/>
+              </a:ln>
+              <a:effectLst/>
+            </p:spPr>
+            <p:txBody>
+              <a:bodyPr wrap="square">
+                <a:spAutoFit/>
+              </a:bodyPr>
+              <a:lstStyle/>
+              <a:p>
+                <a:pPr algn="ctr" defTabSz="914400"/>
+                <a:r>
+                  <a:rPr lang="en-US" sz="5800" b="1" dirty="0" err="1">
+                    <a:solidFill>
+                      <a:schemeClr val="bg1"/>
+                    </a:solidFill>
+                    <a:latin typeface="Calibri" pitchFamily="34" charset="0"/>
+                  </a:rPr>
+                  <a:t>Mcabe’s</a:t>
+                </a:r>
+                <a:r>
+                  <a:rPr lang="en-US" sz="5800" b="1" dirty="0">
+                    <a:solidFill>
+                      <a:schemeClr val="bg1"/>
+                    </a:solidFill>
+                    <a:latin typeface="Calibri" pitchFamily="34" charset="0"/>
+                  </a:rPr>
+                  <a:t> </a:t>
+                </a:r>
+                <a:r>
+                  <a:rPr lang="en-US" sz="5800" b="1" dirty="0" smtClean="0">
+                    <a:solidFill>
+                      <a:schemeClr val="bg1"/>
+                    </a:solidFill>
+                    <a:latin typeface="Calibri" pitchFamily="34" charset="0"/>
+                  </a:rPr>
+                  <a:t>Metric</a:t>
+                </a:r>
+                <a:endParaRPr lang="en-US" sz="5800" dirty="0">
+                  <a:solidFill>
+                    <a:schemeClr val="bg1"/>
+                  </a:solidFill>
+                  <a:latin typeface="Calibri" pitchFamily="34" charset="0"/>
+                </a:endParaRPr>
+              </a:p>
+              <a:p>
+                <a:pPr lvl="2" defTabSz="914400"/>
+                <a:r>
+                  <a:rPr lang="en-US" sz="4500" dirty="0">
+                    <a:solidFill>
+                      <a:schemeClr val="bg1"/>
+                    </a:solidFill>
+                    <a:latin typeface="Calibri" pitchFamily="34" charset="0"/>
+                  </a:rPr>
+                  <a:t>E = 8</a:t>
+                </a:r>
+              </a:p>
+              <a:p>
+                <a:pPr lvl="2" defTabSz="914400"/>
+                <a:r>
+                  <a:rPr lang="en-US" sz="4500" dirty="0">
+                    <a:solidFill>
+                      <a:schemeClr val="bg1"/>
+                    </a:solidFill>
+                    <a:latin typeface="Calibri" pitchFamily="34" charset="0"/>
+                  </a:rPr>
+                  <a:t>N = 7</a:t>
+                </a:r>
+              </a:p>
+              <a:p>
+                <a:pPr lvl="2" defTabSz="914400"/>
+                <a:r>
+                  <a:rPr lang="en-US" sz="4500" dirty="0">
+                    <a:solidFill>
+                      <a:schemeClr val="bg1"/>
+                    </a:solidFill>
+                    <a:latin typeface="Calibri" pitchFamily="34" charset="0"/>
+                  </a:rPr>
+                  <a:t>P = 1</a:t>
+                </a:r>
+              </a:p>
+              <a:p>
+                <a:pPr lvl="2" defTabSz="914400"/>
+                <a:r>
+                  <a:rPr lang="en-US" sz="4500" dirty="0">
+                    <a:solidFill>
+                      <a:schemeClr val="bg1"/>
+                    </a:solidFill>
+                    <a:latin typeface="Calibri" pitchFamily="34" charset="0"/>
+                  </a:rPr>
+                  <a:t>Therefore,</a:t>
+                </a:r>
+              </a:p>
+              <a:p>
+                <a:pPr lvl="2" defTabSz="914400"/>
+                <a:r>
+                  <a:rPr lang="en-US" sz="4500" dirty="0">
+                    <a:solidFill>
+                      <a:schemeClr val="bg1"/>
+                    </a:solidFill>
+                    <a:latin typeface="Calibri" pitchFamily="34" charset="0"/>
+                  </a:rPr>
+                  <a:t>M = </a:t>
+                </a:r>
+                <a:r>
+                  <a:rPr lang="en-US" sz="4500" dirty="0" smtClean="0">
+                    <a:solidFill>
+                      <a:schemeClr val="bg1"/>
+                    </a:solidFill>
+                    <a:latin typeface="Calibri" pitchFamily="34" charset="0"/>
+                  </a:rPr>
+                  <a:t>3</a:t>
+                </a:r>
+                <a:endParaRPr lang="en-US" dirty="0">
+                  <a:solidFill>
+                    <a:schemeClr val="bg1"/>
+                  </a:solidFill>
+                </a:endParaRPr>
+              </a:p>
+            </p:txBody>
+          </p:sp>
+          <p:grpSp>
+            <p:nvGrpSpPr>
+              <p:cNvPr id="63" name="Group 62"/>
+              <p:cNvGrpSpPr/>
+              <p:nvPr/>
+            </p:nvGrpSpPr>
+            <p:grpSpPr>
+              <a:xfrm>
+                <a:off x="20497800" y="7848600"/>
+                <a:ext cx="1510194" cy="2946722"/>
+                <a:chOff x="-7543800" y="21336000"/>
+                <a:chExt cx="1676400" cy="3581400"/>
+              </a:xfrm>
+            </p:grpSpPr>
+            <p:cxnSp>
+              <p:nvCxnSpPr>
+                <p:cNvPr id="13348" name="Straight Arrow Connector 16"/>
+                <p:cNvCxnSpPr>
+                  <a:cxnSpLocks noChangeShapeType="1"/>
+                  <a:stCxn id="13351" idx="4"/>
+                  <a:endCxn id="13352" idx="7"/>
+                </p:cNvCxnSpPr>
+                <p:nvPr/>
+              </p:nvCxnSpPr>
+              <p:spPr bwMode="auto">
+                <a:xfrm rot="5400000">
+                  <a:off x="-6497964" y="22726650"/>
+                  <a:ext cx="306715" cy="268615"/>
+                </a:xfrm>
+                <a:prstGeom prst="straightConnector1">
+                  <a:avLst/>
+                </a:prstGeom>
+                <a:noFill/>
+                <a:ln w="9525" algn="ctr">
+                  <a:solidFill>
+                    <a:schemeClr val="tx1"/>
+                  </a:solidFill>
+                  <a:round/>
+                  <a:headEnd/>
+                  <a:tailEnd type="arrow" w="med" len="med"/>
+                </a:ln>
+              </p:spPr>
+            </p:cxnSp>
+            <p:grpSp>
+              <p:nvGrpSpPr>
+                <p:cNvPr id="40" name="Group 39"/>
+                <p:cNvGrpSpPr/>
+                <p:nvPr/>
+              </p:nvGrpSpPr>
+              <p:grpSpPr>
+                <a:xfrm>
+                  <a:off x="-7543800" y="21336000"/>
+                  <a:ext cx="1676400" cy="3581400"/>
+                  <a:chOff x="15544800" y="14478000"/>
+                  <a:chExt cx="1676400" cy="3581400"/>
+                </a:xfrm>
+              </p:grpSpPr>
+              <p:cxnSp>
+                <p:nvCxnSpPr>
+                  <p:cNvPr id="13345" name="Straight Arrow Connector 8"/>
+                  <p:cNvCxnSpPr>
+                    <a:cxnSpLocks noChangeShapeType="1"/>
+                    <a:stCxn id="13349" idx="5"/>
+                    <a:endCxn id="13351" idx="0"/>
+                  </p:cNvCxnSpPr>
+                  <p:nvPr/>
+                </p:nvCxnSpPr>
+                <p:spPr bwMode="auto">
+                  <a:xfrm rot="16200000" flipH="1">
+                    <a:off x="16552863" y="14990763"/>
+                    <a:ext cx="382587" cy="268287"/>
+                  </a:xfrm>
+                  <a:prstGeom prst="straightConnector1">
+                    <a:avLst/>
+                  </a:prstGeom>
+                  <a:noFill/>
+                  <a:ln w="9525" algn="ctr">
+                    <a:solidFill>
+                      <a:schemeClr val="tx1"/>
+                    </a:solidFill>
+                    <a:round/>
+                    <a:headEnd/>
+                    <a:tailEnd type="arrow" w="med" len="med"/>
+                  </a:ln>
+                </p:spPr>
+              </p:cxnSp>
+              <p:cxnSp>
+                <p:nvCxnSpPr>
+                  <p:cNvPr id="13346" name="Straight Arrow Connector 10"/>
+                  <p:cNvCxnSpPr>
+                    <a:cxnSpLocks noChangeShapeType="1"/>
+                    <a:stCxn id="13349" idx="3"/>
+                    <a:endCxn id="13350" idx="0"/>
+                  </p:cNvCxnSpPr>
+                  <p:nvPr/>
+                </p:nvCxnSpPr>
+                <p:spPr bwMode="auto">
+                  <a:xfrm rot="5400000">
+                    <a:off x="15906750" y="14990763"/>
+                    <a:ext cx="382587" cy="268288"/>
+                  </a:xfrm>
+                  <a:prstGeom prst="straightConnector1">
+                    <a:avLst/>
+                  </a:prstGeom>
+                  <a:noFill/>
+                  <a:ln w="9525" algn="ctr">
+                    <a:solidFill>
+                      <a:schemeClr val="tx1"/>
+                    </a:solidFill>
+                    <a:round/>
+                    <a:headEnd/>
+                    <a:tailEnd type="arrow" w="med" len="med"/>
+                  </a:ln>
+                </p:spPr>
+              </p:cxnSp>
+              <p:cxnSp>
+                <p:nvCxnSpPr>
+                  <p:cNvPr id="13347" name="Straight Arrow Connector 12"/>
+                  <p:cNvCxnSpPr>
+                    <a:cxnSpLocks noChangeShapeType="1"/>
+                    <a:stCxn id="13350" idx="4"/>
+                    <a:endCxn id="13352" idx="1"/>
+                  </p:cNvCxnSpPr>
+                  <p:nvPr/>
+                </p:nvCxnSpPr>
+                <p:spPr bwMode="auto">
+                  <a:xfrm rot="16200000" flipH="1">
+                    <a:off x="15944850" y="15868650"/>
+                    <a:ext cx="306388" cy="268288"/>
+                  </a:xfrm>
+                  <a:prstGeom prst="straightConnector1">
+                    <a:avLst/>
+                  </a:prstGeom>
+                  <a:noFill/>
+                  <a:ln w="9525" algn="ctr">
+                    <a:solidFill>
+                      <a:schemeClr val="tx1"/>
+                    </a:solidFill>
+                    <a:round/>
+                    <a:headEnd/>
+                    <a:tailEnd type="arrow" w="med" len="med"/>
+                  </a:ln>
+                </p:spPr>
+              </p:cxnSp>
+              <p:sp>
+                <p:nvSpPr>
+                  <p:cNvPr id="13349" name="Oval 17"/>
+                  <p:cNvSpPr>
+                    <a:spLocks noChangeArrowheads="1"/>
+                  </p:cNvSpPr>
+                  <p:nvPr/>
+                </p:nvSpPr>
+                <p:spPr bwMode="auto">
+                  <a:xfrm>
+                    <a:off x="16154400" y="14478000"/>
+                    <a:ext cx="533400" cy="533400"/>
+                  </a:xfrm>
+                  <a:prstGeom prst="ellipse">
+                    <a:avLst/>
+                  </a:prstGeom>
+                  <a:solidFill>
+                    <a:srgbClr val="FF0000"/>
+                  </a:solidFill>
+                  <a:ln w="9525" algn="ctr">
+                    <a:solidFill>
+                      <a:schemeClr val="tx1"/>
+                    </a:solidFill>
+                    <a:round/>
+                    <a:headEnd/>
+                    <a:tailEnd/>
+                  </a:ln>
+                </p:spPr>
+                <p:txBody>
+                  <a:bodyPr/>
+                  <a:lstStyle/>
+                  <a:p>
+                    <a:pPr algn="ctr">
+                      <a:buClr>
+                        <a:srgbClr val="000000"/>
+                      </a:buClr>
+                      <a:buSzPct val="100000"/>
+                      <a:buFont typeface="Times New Roman" pitchFamily="18" charset="0"/>
+                      <a:buNone/>
+                    </a:pPr>
+                    <a:endParaRPr lang="en-US" sz="3200">
+                      <a:solidFill>
+                        <a:schemeClr val="bg1"/>
+                      </a:solidFill>
+                      <a:latin typeface="Baskerville" charset="0"/>
+                    </a:endParaRPr>
+                  </a:p>
+                </p:txBody>
+              </p:sp>
+              <p:sp>
+                <p:nvSpPr>
+                  <p:cNvPr id="13350" name="Oval 18"/>
+                  <p:cNvSpPr>
+                    <a:spLocks noChangeArrowheads="1"/>
+                  </p:cNvSpPr>
+                  <p:nvPr/>
+                </p:nvSpPr>
+                <p:spPr bwMode="auto">
+                  <a:xfrm>
+                    <a:off x="15697200" y="15316200"/>
+                    <a:ext cx="533400" cy="533400"/>
+                  </a:xfrm>
+                  <a:prstGeom prst="ellipse">
+                    <a:avLst/>
+                  </a:prstGeom>
+                  <a:solidFill>
+                    <a:schemeClr val="bg1"/>
+                  </a:solidFill>
+                  <a:ln w="9525" algn="ctr">
+                    <a:solidFill>
+                      <a:schemeClr val="tx1"/>
+                    </a:solidFill>
+                    <a:round/>
+                    <a:headEnd/>
+                    <a:tailEnd/>
+                  </a:ln>
+                </p:spPr>
+                <p:txBody>
+                  <a:bodyPr/>
+                  <a:lstStyle/>
+                  <a:p>
+                    <a:pPr algn="ctr">
+                      <a:buClr>
+                        <a:srgbClr val="000000"/>
+                      </a:buClr>
+                      <a:buSzPct val="100000"/>
+                      <a:buFont typeface="Times New Roman" pitchFamily="18" charset="0"/>
+                      <a:buNone/>
+                    </a:pPr>
+                    <a:endParaRPr lang="en-US" sz="3200">
+                      <a:solidFill>
+                        <a:schemeClr val="bg1"/>
+                      </a:solidFill>
+                      <a:latin typeface="Baskerville" charset="0"/>
+                    </a:endParaRPr>
+                  </a:p>
+                </p:txBody>
+              </p:sp>
+              <p:sp>
+                <p:nvSpPr>
+                  <p:cNvPr id="13351" name="Oval 19"/>
+                  <p:cNvSpPr>
+                    <a:spLocks noChangeArrowheads="1"/>
+                  </p:cNvSpPr>
+                  <p:nvPr/>
+                </p:nvSpPr>
+                <p:spPr bwMode="auto">
+                  <a:xfrm>
+                    <a:off x="16611600" y="15316200"/>
+                    <a:ext cx="533400" cy="533400"/>
+                  </a:xfrm>
+                  <a:prstGeom prst="ellipse">
+                    <a:avLst/>
+                  </a:prstGeom>
+                  <a:solidFill>
+                    <a:schemeClr val="bg1"/>
+                  </a:solidFill>
+                  <a:ln w="9525" algn="ctr">
+                    <a:solidFill>
+                      <a:schemeClr val="tx1"/>
+                    </a:solidFill>
+                    <a:round/>
+                    <a:headEnd/>
+                    <a:tailEnd/>
+                  </a:ln>
+                </p:spPr>
+                <p:txBody>
+                  <a:bodyPr/>
+                  <a:lstStyle/>
+                  <a:p>
+                    <a:pPr algn="ctr">
+                      <a:buClr>
+                        <a:srgbClr val="000000"/>
+                      </a:buClr>
+                      <a:buSzPct val="100000"/>
+                      <a:buFont typeface="Times New Roman" pitchFamily="18" charset="0"/>
+                      <a:buNone/>
+                    </a:pPr>
+                    <a:endParaRPr lang="en-US" sz="3200">
+                      <a:solidFill>
+                        <a:schemeClr val="bg1"/>
+                      </a:solidFill>
+                      <a:latin typeface="Baskerville" charset="0"/>
+                    </a:endParaRPr>
+                  </a:p>
+                </p:txBody>
+              </p:sp>
+              <p:sp>
+                <p:nvSpPr>
+                  <p:cNvPr id="13352" name="Oval 20"/>
+                  <p:cNvSpPr>
+                    <a:spLocks noChangeArrowheads="1"/>
+                  </p:cNvSpPr>
+                  <p:nvPr/>
+                </p:nvSpPr>
+                <p:spPr bwMode="auto">
+                  <a:xfrm>
+                    <a:off x="16154400" y="16078200"/>
+                    <a:ext cx="533400" cy="533400"/>
+                  </a:xfrm>
+                  <a:prstGeom prst="ellipse">
+                    <a:avLst/>
+                  </a:prstGeom>
+                  <a:solidFill>
+                    <a:schemeClr val="bg1"/>
+                  </a:solidFill>
+                  <a:ln w="9525" algn="ctr">
+                    <a:solidFill>
+                      <a:schemeClr val="tx1"/>
+                    </a:solidFill>
+                    <a:round/>
+                    <a:headEnd/>
+                    <a:tailEnd/>
+                  </a:ln>
+                </p:spPr>
+                <p:txBody>
+                  <a:bodyPr/>
+                  <a:lstStyle/>
+                  <a:p>
+                    <a:pPr algn="ctr">
+                      <a:buClr>
+                        <a:srgbClr val="000000"/>
+                      </a:buClr>
+                      <a:buSzPct val="100000"/>
+                      <a:buFont typeface="Times New Roman" pitchFamily="18" charset="0"/>
+                      <a:buNone/>
+                    </a:pPr>
+                    <a:endParaRPr lang="en-US" sz="3200">
+                      <a:solidFill>
+                        <a:schemeClr val="bg1"/>
+                      </a:solidFill>
+                      <a:latin typeface="Baskerville" charset="0"/>
+                    </a:endParaRPr>
+                  </a:p>
+                </p:txBody>
+              </p:sp>
+              <p:sp>
+                <p:nvSpPr>
+                  <p:cNvPr id="13353" name="Oval 21"/>
+                  <p:cNvSpPr>
+                    <a:spLocks noChangeArrowheads="1"/>
+                  </p:cNvSpPr>
+                  <p:nvPr/>
+                </p:nvSpPr>
+                <p:spPr bwMode="auto">
+                  <a:xfrm>
+                    <a:off x="15544800" y="16764000"/>
+                    <a:ext cx="533400" cy="533400"/>
+                  </a:xfrm>
+                  <a:prstGeom prst="ellipse">
+                    <a:avLst/>
+                  </a:prstGeom>
+                  <a:solidFill>
+                    <a:schemeClr val="bg1"/>
+                  </a:solidFill>
+                  <a:ln w="9525" algn="ctr">
+                    <a:solidFill>
+                      <a:schemeClr val="tx1"/>
+                    </a:solidFill>
+                    <a:round/>
+                    <a:headEnd/>
+                    <a:tailEnd/>
+                  </a:ln>
+                </p:spPr>
+                <p:txBody>
+                  <a:bodyPr/>
+                  <a:lstStyle/>
+                  <a:p>
+                    <a:pPr algn="ctr">
+                      <a:buClr>
+                        <a:srgbClr val="000000"/>
+                      </a:buClr>
+                      <a:buSzPct val="100000"/>
+                      <a:buFont typeface="Times New Roman" pitchFamily="18" charset="0"/>
+                      <a:buNone/>
+                    </a:pPr>
+                    <a:endParaRPr lang="en-US" sz="3200">
+                      <a:solidFill>
+                        <a:schemeClr val="bg1"/>
+                      </a:solidFill>
+                      <a:latin typeface="Baskerville" charset="0"/>
+                    </a:endParaRPr>
+                  </a:p>
+                </p:txBody>
+              </p:sp>
+              <p:sp>
+                <p:nvSpPr>
+                  <p:cNvPr id="13354" name="Oval 22"/>
+                  <p:cNvSpPr>
+                    <a:spLocks noChangeArrowheads="1"/>
+                  </p:cNvSpPr>
+                  <p:nvPr/>
+                </p:nvSpPr>
+                <p:spPr bwMode="auto">
+                  <a:xfrm>
+                    <a:off x="16687800" y="16764000"/>
+                    <a:ext cx="533400" cy="533400"/>
+                  </a:xfrm>
+                  <a:prstGeom prst="ellipse">
+                    <a:avLst/>
+                  </a:prstGeom>
+                  <a:solidFill>
+                    <a:schemeClr val="bg1"/>
+                  </a:solidFill>
+                  <a:ln w="9525" algn="ctr">
+                    <a:solidFill>
+                      <a:schemeClr val="tx1"/>
+                    </a:solidFill>
+                    <a:round/>
+                    <a:headEnd/>
+                    <a:tailEnd/>
+                  </a:ln>
+                </p:spPr>
+                <p:txBody>
+                  <a:bodyPr/>
+                  <a:lstStyle/>
+                  <a:p>
+                    <a:pPr algn="ctr">
+                      <a:buClr>
+                        <a:srgbClr val="000000"/>
+                      </a:buClr>
+                      <a:buSzPct val="100000"/>
+                      <a:buFont typeface="Times New Roman" pitchFamily="18" charset="0"/>
+                      <a:buNone/>
+                    </a:pPr>
+                    <a:endParaRPr lang="en-US" sz="3200">
+                      <a:solidFill>
+                        <a:schemeClr val="bg1"/>
+                      </a:solidFill>
+                      <a:latin typeface="Baskerville" charset="0"/>
+                    </a:endParaRPr>
+                  </a:p>
+                </p:txBody>
+              </p:sp>
+              <p:sp>
+                <p:nvSpPr>
+                  <p:cNvPr id="42" name="Oval 41"/>
+                  <p:cNvSpPr/>
+                  <p:nvPr/>
+                </p:nvSpPr>
+                <p:spPr bwMode="auto">
+                  <a:xfrm>
+                    <a:off x="16154400" y="17526000"/>
+                    <a:ext cx="533400" cy="533400"/>
+                  </a:xfrm>
+                  <a:prstGeom prst="ellipse">
+                    <a:avLst/>
+                  </a:prstGeom>
+                  <a:solidFill>
+                    <a:schemeClr val="accent6"/>
+                  </a:solidFill>
+                  <a:ln w="9525" cap="flat" cmpd="sng" algn="ctr">
+                    <a:solidFill>
+                      <a:schemeClr val="tx1"/>
+                    </a:solidFill>
+                    <a:prstDash val="solid"/>
+                    <a:round/>
+                    <a:headEnd type="none" w="med" len="med"/>
+                    <a:tailEnd type="none" w="med" len="med"/>
+                  </a:ln>
+                  <a:effectLst/>
+                </p:spPr>
+                <p:txBody>
+                  <a:bodyPr/>
+                  <a:lstStyle/>
+                  <a:p>
+                    <a:pPr algn="ctr">
+                      <a:buClr>
+                        <a:srgbClr val="000000"/>
+                      </a:buClr>
+                      <a:buSzPct val="100000"/>
+                      <a:buFont typeface="Times New Roman" pitchFamily="18" charset="0"/>
+                      <a:buNone/>
+                    </a:pPr>
+                    <a:endParaRPr lang="en-US" sz="3200">
+                      <a:solidFill>
+                        <a:schemeClr val="bg1"/>
+                      </a:solidFill>
+                      <a:latin typeface="Baskerville" charset="0"/>
+                    </a:endParaRPr>
+                  </a:p>
+                </p:txBody>
+              </p:sp>
+              <p:cxnSp>
+                <p:nvCxnSpPr>
+                  <p:cNvPr id="13356" name="Straight Arrow Connector 43"/>
+                  <p:cNvCxnSpPr>
+                    <a:cxnSpLocks noChangeShapeType="1"/>
+                    <a:stCxn id="13352" idx="3"/>
+                    <a:endCxn id="13353" idx="7"/>
+                  </p:cNvCxnSpPr>
+                  <p:nvPr/>
+                </p:nvCxnSpPr>
+                <p:spPr bwMode="auto">
+                  <a:xfrm rot="5400000">
+                    <a:off x="15962313" y="16571913"/>
+                    <a:ext cx="307975" cy="231775"/>
+                  </a:xfrm>
+                  <a:prstGeom prst="straightConnector1">
+                    <a:avLst/>
+                  </a:prstGeom>
+                  <a:noFill/>
+                  <a:ln w="9525" algn="ctr">
+                    <a:solidFill>
+                      <a:schemeClr val="tx1"/>
+                    </a:solidFill>
+                    <a:round/>
+                    <a:headEnd/>
+                    <a:tailEnd type="arrow" w="med" len="med"/>
+                  </a:ln>
+                </p:spPr>
+              </p:cxnSp>
+              <p:cxnSp>
+                <p:nvCxnSpPr>
+                  <p:cNvPr id="13357" name="Straight Arrow Connector 48"/>
+                  <p:cNvCxnSpPr>
+                    <a:cxnSpLocks noChangeShapeType="1"/>
+                    <a:stCxn id="13352" idx="5"/>
+                    <a:endCxn id="13354" idx="1"/>
+                  </p:cNvCxnSpPr>
+                  <p:nvPr/>
+                </p:nvCxnSpPr>
+                <p:spPr bwMode="auto">
+                  <a:xfrm rot="16200000" flipH="1">
+                    <a:off x="16533813" y="16610013"/>
+                    <a:ext cx="307975" cy="155575"/>
+                  </a:xfrm>
+                  <a:prstGeom prst="straightConnector1">
+                    <a:avLst/>
+                  </a:prstGeom>
+                  <a:noFill/>
+                  <a:ln w="9525" algn="ctr">
+                    <a:solidFill>
+                      <a:schemeClr val="tx1"/>
+                    </a:solidFill>
+                    <a:round/>
+                    <a:headEnd/>
+                    <a:tailEnd type="arrow" w="med" len="med"/>
+                  </a:ln>
+                </p:spPr>
+              </p:cxnSp>
+              <p:cxnSp>
+                <p:nvCxnSpPr>
+                  <p:cNvPr id="13358" name="Straight Arrow Connector 56"/>
+                  <p:cNvCxnSpPr>
+                    <a:cxnSpLocks noChangeShapeType="1"/>
+                    <a:stCxn id="13353" idx="4"/>
+                    <a:endCxn id="42" idx="1"/>
+                  </p:cNvCxnSpPr>
+                  <p:nvPr/>
+                </p:nvCxnSpPr>
+                <p:spPr bwMode="auto">
+                  <a:xfrm rot="16200000" flipH="1">
+                    <a:off x="15868650" y="17240250"/>
+                    <a:ext cx="306388" cy="420688"/>
+                  </a:xfrm>
+                  <a:prstGeom prst="straightConnector1">
+                    <a:avLst/>
+                  </a:prstGeom>
+                  <a:noFill/>
+                  <a:ln w="9525" algn="ctr">
+                    <a:solidFill>
+                      <a:schemeClr val="tx1"/>
+                    </a:solidFill>
+                    <a:round/>
+                    <a:headEnd/>
+                    <a:tailEnd type="arrow" w="med" len="med"/>
+                  </a:ln>
+                </p:spPr>
+              </p:cxnSp>
+              <p:cxnSp>
+                <p:nvCxnSpPr>
+                  <p:cNvPr id="13359" name="Straight Arrow Connector 60"/>
+                  <p:cNvCxnSpPr>
+                    <a:cxnSpLocks noChangeShapeType="1"/>
+                    <a:stCxn id="13354" idx="4"/>
+                    <a:endCxn id="42" idx="7"/>
+                  </p:cNvCxnSpPr>
+                  <p:nvPr/>
+                </p:nvCxnSpPr>
+                <p:spPr bwMode="auto">
+                  <a:xfrm rot="5400000">
+                    <a:off x="16629063" y="17278350"/>
+                    <a:ext cx="306388" cy="344487"/>
+                  </a:xfrm>
+                  <a:prstGeom prst="straightConnector1">
+                    <a:avLst/>
+                  </a:prstGeom>
+                  <a:noFill/>
+                  <a:ln w="9525" algn="ctr">
+                    <a:solidFill>
+                      <a:schemeClr val="tx1"/>
+                    </a:solidFill>
+                    <a:round/>
+                    <a:headEnd/>
+                    <a:tailEnd type="arrow" w="med" len="med"/>
+                  </a:ln>
+                </p:spPr>
+              </p:cxnSp>
+            </p:grpSp>
+          </p:grpSp>
+        </p:grpSp>
+      </p:grpSp>
+      <p:sp>
+        <p:nvSpPr>
+          <p:cNvPr id="13318" name="TextBox 5"/>
           <p:cNvSpPr txBox="1">
             <a:spLocks noChangeArrowheads="1"/>
           </p:cNvSpPr>
@@ -4014,42 +5656,98 @@
         </p:nvSpPr>
         <p:spPr bwMode="auto">
           <a:xfrm>
-            <a:off x="3108325" y="12222163"/>
-            <a:ext cx="5980113" cy="1219200"/>
+            <a:off x="9448800" y="20894331"/>
+            <a:ext cx="5105400" cy="2041869"/>
           </a:xfrm>
           <a:prstGeom prst="rect">
             <a:avLst/>
           </a:prstGeom>
-          <a:noFill/>
-          <a:ln w="9525">
-            <a:noFill/>
-            <a:miter lim="800000"/>
+          <a:ln>
             <a:headEnd/>
             <a:tailEnd/>
           </a:ln>
-          <a:effectLst/>
         </p:spPr>
-        <p:txBody>
-          <a:bodyPr wrap="none">
+        <p:style>
+          <a:lnRef idx="1">
+            <a:schemeClr val="accent1"/>
+          </a:lnRef>
+          <a:fillRef idx="3">
+            <a:schemeClr val="accent1"/>
+          </a:fillRef>
+          <a:effectRef idx="2">
+            <a:schemeClr val="accent1"/>
+          </a:effectRef>
+          <a:fontRef idx="minor">
+            <a:schemeClr val="lt1"/>
+          </a:fontRef>
+        </p:style>
+        <p:txBody>
+          <a:bodyPr wrap="square" lIns="376202" tIns="188101" rIns="376202" bIns="188101">
             <a:spAutoFit/>
           </a:bodyPr>
           <a:lstStyle/>
           <a:p>
-            <a:pPr defTabSz="914400"/>
-            <a:r>
-              <a:rPr lang="en-US">
+            <a:r>
+              <a:rPr lang="en-US" sz="3600" b="1" dirty="0">
                 <a:solidFill>
-                  <a:schemeClr val="bg1"/>
+                  <a:schemeClr val="tx1"/>
                 </a:solidFill>
+                <a:latin typeface="Calibri" pitchFamily="34" charset="0"/>
               </a:rPr>
-              <a:t>UML Diagram</a:t>
-            </a:r>
-          </a:p>
-        </p:txBody>
-      </p:sp>
-      <p:sp>
-        <p:nvSpPr>
-          <p:cNvPr id="13324" name="Text Box 12"/>
+              <a:t>Workload Distribution</a:t>
+            </a:r>
+          </a:p>
+          <a:p>
+            <a:r>
+              <a:rPr lang="en-US" sz="3600" dirty="0" smtClean="0">
+                <a:solidFill>
+                  <a:schemeClr val="tx1"/>
+                </a:solidFill>
+                <a:latin typeface="Calibri" pitchFamily="34" charset="0"/>
+              </a:rPr>
+              <a:t>Average </a:t>
+            </a:r>
+            <a:r>
+              <a:rPr lang="en-US" sz="3600" dirty="0">
+                <a:solidFill>
+                  <a:schemeClr val="tx1"/>
+                </a:solidFill>
+                <a:latin typeface="Calibri" pitchFamily="34" charset="0"/>
+              </a:rPr>
+              <a:t>man hours </a:t>
+            </a:r>
+            <a:endParaRPr lang="en-US" sz="3600" dirty="0" smtClean="0">
+              <a:solidFill>
+                <a:schemeClr val="tx1"/>
+              </a:solidFill>
+              <a:latin typeface="Calibri" pitchFamily="34" charset="0"/>
+            </a:endParaRPr>
+          </a:p>
+          <a:p>
+            <a:r>
+              <a:rPr lang="en-US" sz="3600" dirty="0" smtClean="0">
+                <a:solidFill>
+                  <a:schemeClr val="tx1"/>
+                </a:solidFill>
+                <a:latin typeface="Calibri" pitchFamily="34" charset="0"/>
+              </a:rPr>
+              <a:t>per </a:t>
+            </a:r>
+            <a:r>
+              <a:rPr lang="en-US" sz="3600" dirty="0">
+                <a:solidFill>
+                  <a:schemeClr val="tx1"/>
+                </a:solidFill>
+                <a:latin typeface="Calibri" pitchFamily="34" charset="0"/>
+              </a:rPr>
+              <a:t>person: 120+</a:t>
+            </a:r>
+          </a:p>
+        </p:txBody>
+      </p:sp>
+      <p:sp>
+        <p:nvSpPr>
+          <p:cNvPr id="76" name="Text Box 11"/>
           <p:cNvSpPr txBox="1">
             <a:spLocks noChangeArrowheads="1"/>
           </p:cNvSpPr>
@@ -4057,1023 +5755,78 @@
         </p:nvSpPr>
         <p:spPr bwMode="auto">
           <a:xfrm>
-            <a:off x="23926800" y="18059400"/>
-            <a:ext cx="1854200" cy="1219200"/>
+            <a:off x="26365200" y="26746200"/>
+            <a:ext cx="9525000" cy="838200"/>
           </a:xfrm>
           <a:prstGeom prst="rect">
             <a:avLst/>
           </a:prstGeom>
-          <a:noFill/>
-          <a:ln w="9525">
-            <a:noFill/>
-            <a:miter lim="800000"/>
-            <a:headEnd/>
-            <a:tailEnd/>
-          </a:ln>
-          <a:effectLst/>
-        </p:spPr>
-        <p:txBody>
-          <a:bodyPr wrap="none">
-            <a:spAutoFit/>
-          </a:bodyPr>
-          <a:lstStyle/>
-          <a:p>
-            <a:pPr defTabSz="914400"/>
-            <a:r>
-              <a:rPr lang="en-US" dirty="0">
-                <a:solidFill>
-                  <a:schemeClr val="bg1"/>
-                </a:solidFill>
-              </a:rPr>
-              <a:t>GUI</a:t>
-            </a:r>
-          </a:p>
-        </p:txBody>
-      </p:sp>
-      <p:pic>
-        <p:nvPicPr>
-          <p:cNvPr id="13325" name="Picture 13" descr="UML_1"/>
-          <p:cNvPicPr>
-            <a:picLocks noChangeAspect="1" noChangeArrowheads="1"/>
-          </p:cNvPicPr>
-          <p:nvPr/>
-        </p:nvPicPr>
-        <p:blipFill>
-          <a:blip r:embed="rId5" cstate="print"/>
-          <a:srcRect/>
-          <a:stretch>
-            <a:fillRect/>
-          </a:stretch>
-        </p:blipFill>
-        <p:spPr bwMode="auto">
-          <a:xfrm>
-            <a:off x="838200" y="13716000"/>
-            <a:ext cx="11688763" cy="15087600"/>
-          </a:xfrm>
-          <a:prstGeom prst="rect">
-            <a:avLst/>
-          </a:prstGeom>
-          <a:noFill/>
-        </p:spPr>
-      </p:pic>
-      <p:pic>
-        <p:nvPicPr>
-          <p:cNvPr id="13326" name="Picture 14" descr="eng view 1"/>
-          <p:cNvPicPr>
-            <a:picLocks noChangeAspect="1" noChangeArrowheads="1"/>
-          </p:cNvPicPr>
-          <p:nvPr/>
-        </p:nvPicPr>
-        <p:blipFill>
-          <a:blip r:embed="rId6" cstate="print"/>
-          <a:srcRect/>
-          <a:stretch>
-            <a:fillRect/>
-          </a:stretch>
-        </p:blipFill>
-        <p:spPr bwMode="auto">
-          <a:xfrm>
-            <a:off x="13868400" y="19278600"/>
-            <a:ext cx="10515600" cy="9080500"/>
-          </a:xfrm>
-          <a:prstGeom prst="rect">
-            <a:avLst/>
-          </a:prstGeom>
-          <a:noFill/>
-        </p:spPr>
-      </p:pic>
-      <p:pic>
-        <p:nvPicPr>
-          <p:cNvPr id="13327" name="Picture 15" descr="eng view 2"/>
-          <p:cNvPicPr>
-            <a:picLocks noChangeAspect="1" noChangeArrowheads="1"/>
-          </p:cNvPicPr>
-          <p:nvPr/>
-        </p:nvPicPr>
-        <p:blipFill>
-          <a:blip r:embed="rId7" cstate="print"/>
-          <a:srcRect/>
-          <a:stretch>
-            <a:fillRect/>
-          </a:stretch>
-        </p:blipFill>
-        <p:spPr bwMode="auto">
-          <a:xfrm>
-            <a:off x="25374600" y="19126200"/>
-            <a:ext cx="10591800" cy="9577388"/>
-          </a:xfrm>
-          <a:prstGeom prst="rect">
-            <a:avLst/>
-          </a:prstGeom>
-          <a:noFill/>
-        </p:spPr>
-      </p:pic>
-      <p:sp>
-        <p:nvSpPr>
-          <p:cNvPr id="13344" name="Text Box 32"/>
-          <p:cNvSpPr txBox="1">
-            <a:spLocks noChangeArrowheads="1"/>
-          </p:cNvSpPr>
-          <p:nvPr/>
-        </p:nvSpPr>
-        <p:spPr bwMode="auto">
-          <a:xfrm>
-            <a:off x="12877800" y="13411200"/>
-            <a:ext cx="4936095" cy="5339923"/>
-          </a:xfrm>
-          <a:prstGeom prst="rect">
-            <a:avLst/>
-          </a:prstGeom>
-          <a:noFill/>
-          <a:ln w="9525">
-            <a:noFill/>
-            <a:miter lim="800000"/>
-            <a:headEnd/>
-            <a:tailEnd/>
-          </a:ln>
-          <a:effectLst/>
-        </p:spPr>
-        <p:txBody>
-          <a:bodyPr wrap="none">
-            <a:spAutoFit/>
-          </a:bodyPr>
-          <a:lstStyle/>
-          <a:p>
-            <a:pPr defTabSz="914400"/>
-            <a:r>
-              <a:rPr lang="en-US" sz="5800" b="1" dirty="0" err="1">
-                <a:solidFill>
-                  <a:schemeClr val="bg1"/>
-                </a:solidFill>
-                <a:latin typeface="Calibri" pitchFamily="34" charset="0"/>
-              </a:rPr>
-              <a:t>Mcabe’s</a:t>
-            </a:r>
-            <a:r>
-              <a:rPr lang="en-US" sz="5800" b="1" dirty="0">
-                <a:solidFill>
-                  <a:schemeClr val="bg1"/>
-                </a:solidFill>
-                <a:latin typeface="Calibri" pitchFamily="34" charset="0"/>
-              </a:rPr>
-              <a:t> Metric</a:t>
-            </a:r>
-          </a:p>
-          <a:p>
-            <a:pPr defTabSz="914400"/>
-            <a:endParaRPr lang="en-US" sz="5800" dirty="0">
-              <a:solidFill>
-                <a:schemeClr val="bg1"/>
-              </a:solidFill>
-              <a:latin typeface="Calibri" pitchFamily="34" charset="0"/>
-            </a:endParaRPr>
-          </a:p>
-          <a:p>
-            <a:pPr defTabSz="914400"/>
-            <a:r>
-              <a:rPr lang="en-US" sz="4500" dirty="0">
-                <a:solidFill>
-                  <a:schemeClr val="bg1"/>
-                </a:solidFill>
-                <a:latin typeface="Calibri" pitchFamily="34" charset="0"/>
-              </a:rPr>
-              <a:t>E = 8</a:t>
-            </a:r>
-          </a:p>
-          <a:p>
-            <a:pPr defTabSz="914400"/>
-            <a:r>
-              <a:rPr lang="en-US" sz="4500" dirty="0">
-                <a:solidFill>
-                  <a:schemeClr val="bg1"/>
-                </a:solidFill>
-                <a:latin typeface="Calibri" pitchFamily="34" charset="0"/>
-              </a:rPr>
-              <a:t>N = 7</a:t>
-            </a:r>
-          </a:p>
-          <a:p>
-            <a:pPr defTabSz="914400"/>
-            <a:r>
-              <a:rPr lang="en-US" sz="4500" dirty="0">
-                <a:solidFill>
-                  <a:schemeClr val="bg1"/>
-                </a:solidFill>
-                <a:latin typeface="Calibri" pitchFamily="34" charset="0"/>
-              </a:rPr>
-              <a:t>P = 1</a:t>
-            </a:r>
-          </a:p>
-          <a:p>
-            <a:pPr defTabSz="914400"/>
-            <a:r>
-              <a:rPr lang="en-US" sz="4500" dirty="0">
-                <a:solidFill>
-                  <a:schemeClr val="bg1"/>
-                </a:solidFill>
-                <a:latin typeface="Calibri" pitchFamily="34" charset="0"/>
-              </a:rPr>
-              <a:t>Therefore,</a:t>
-            </a:r>
-          </a:p>
-          <a:p>
-            <a:pPr defTabSz="914400"/>
-            <a:r>
-              <a:rPr lang="en-US" sz="4500" dirty="0">
-                <a:solidFill>
-                  <a:schemeClr val="bg1"/>
-                </a:solidFill>
-                <a:latin typeface="Calibri" pitchFamily="34" charset="0"/>
-              </a:rPr>
-              <a:t>M = </a:t>
-            </a:r>
-            <a:r>
-              <a:rPr lang="en-US" sz="4500" dirty="0" smtClean="0">
-                <a:solidFill>
-                  <a:schemeClr val="bg1"/>
-                </a:solidFill>
-                <a:latin typeface="Calibri" pitchFamily="34" charset="0"/>
-              </a:rPr>
-              <a:t>3</a:t>
-            </a:r>
-            <a:endParaRPr lang="en-US" dirty="0">
-              <a:solidFill>
-                <a:schemeClr val="bg1"/>
-              </a:solidFill>
-            </a:endParaRPr>
-          </a:p>
-        </p:txBody>
-      </p:sp>
-      <p:cxnSp>
-        <p:nvCxnSpPr>
-          <p:cNvPr id="13345" name="Straight Arrow Connector 8"/>
-          <p:cNvCxnSpPr>
-            <a:cxnSpLocks noChangeShapeType="1"/>
-            <a:stCxn id="13349" idx="5"/>
-            <a:endCxn id="13351" idx="0"/>
-          </p:cNvCxnSpPr>
-          <p:nvPr/>
-        </p:nvCxnSpPr>
-        <p:spPr bwMode="auto">
-          <a:xfrm rot="16200000" flipH="1">
-            <a:off x="16552863" y="14990763"/>
-            <a:ext cx="382587" cy="268287"/>
-          </a:xfrm>
-          <a:prstGeom prst="straightConnector1">
-            <a:avLst/>
-          </a:prstGeom>
-          <a:noFill/>
-          <a:ln w="9525" algn="ctr">
-            <a:solidFill>
-              <a:schemeClr val="tx1"/>
-            </a:solidFill>
-            <a:round/>
-            <a:headEnd/>
-            <a:tailEnd type="arrow" w="med" len="med"/>
-          </a:ln>
-        </p:spPr>
-      </p:cxnSp>
-      <p:cxnSp>
-        <p:nvCxnSpPr>
-          <p:cNvPr id="13346" name="Straight Arrow Connector 10"/>
-          <p:cNvCxnSpPr>
-            <a:cxnSpLocks noChangeShapeType="1"/>
-            <a:stCxn id="13349" idx="3"/>
-            <a:endCxn id="13350" idx="0"/>
-          </p:cNvCxnSpPr>
-          <p:nvPr/>
-        </p:nvCxnSpPr>
-        <p:spPr bwMode="auto">
-          <a:xfrm rot="5400000">
-            <a:off x="15906750" y="14990763"/>
-            <a:ext cx="382587" cy="268288"/>
-          </a:xfrm>
-          <a:prstGeom prst="straightConnector1">
-            <a:avLst/>
-          </a:prstGeom>
-          <a:noFill/>
-          <a:ln w="9525" algn="ctr">
-            <a:solidFill>
-              <a:schemeClr val="tx1"/>
-            </a:solidFill>
-            <a:round/>
-            <a:headEnd/>
-            <a:tailEnd type="arrow" w="med" len="med"/>
-          </a:ln>
-        </p:spPr>
-      </p:cxnSp>
-      <p:cxnSp>
-        <p:nvCxnSpPr>
-          <p:cNvPr id="13347" name="Straight Arrow Connector 12"/>
-          <p:cNvCxnSpPr>
-            <a:cxnSpLocks noChangeShapeType="1"/>
-            <a:stCxn id="13350" idx="4"/>
-            <a:endCxn id="13352" idx="1"/>
-          </p:cNvCxnSpPr>
-          <p:nvPr/>
-        </p:nvCxnSpPr>
-        <p:spPr bwMode="auto">
-          <a:xfrm rot="16200000" flipH="1">
-            <a:off x="15944850" y="15868650"/>
-            <a:ext cx="306388" cy="268288"/>
-          </a:xfrm>
-          <a:prstGeom prst="straightConnector1">
-            <a:avLst/>
-          </a:prstGeom>
-          <a:noFill/>
-          <a:ln w="9525" algn="ctr">
-            <a:solidFill>
-              <a:schemeClr val="tx1"/>
-            </a:solidFill>
-            <a:round/>
-            <a:headEnd/>
-            <a:tailEnd type="arrow" w="med" len="med"/>
-          </a:ln>
-        </p:spPr>
-      </p:cxnSp>
-      <p:cxnSp>
-        <p:nvCxnSpPr>
-          <p:cNvPr id="13348" name="Straight Arrow Connector 16"/>
-          <p:cNvCxnSpPr>
-            <a:cxnSpLocks noChangeShapeType="1"/>
-            <a:stCxn id="13351" idx="4"/>
-            <a:endCxn id="13352" idx="7"/>
-          </p:cNvCxnSpPr>
-          <p:nvPr/>
-        </p:nvCxnSpPr>
-        <p:spPr bwMode="auto">
-          <a:xfrm rot="5400000">
-            <a:off x="16590963" y="15868650"/>
-            <a:ext cx="306388" cy="268287"/>
-          </a:xfrm>
-          <a:prstGeom prst="straightConnector1">
-            <a:avLst/>
-          </a:prstGeom>
-          <a:noFill/>
-          <a:ln w="9525" algn="ctr">
-            <a:solidFill>
-              <a:schemeClr val="tx1"/>
-            </a:solidFill>
-            <a:round/>
-            <a:headEnd/>
-            <a:tailEnd type="arrow" w="med" len="med"/>
-          </a:ln>
-        </p:spPr>
-      </p:cxnSp>
-      <p:sp>
-        <p:nvSpPr>
-          <p:cNvPr id="13349" name="Oval 17"/>
-          <p:cNvSpPr>
-            <a:spLocks noChangeArrowheads="1"/>
-          </p:cNvSpPr>
-          <p:nvPr/>
-        </p:nvSpPr>
-        <p:spPr bwMode="auto">
-          <a:xfrm>
-            <a:off x="16154400" y="14478000"/>
-            <a:ext cx="533400" cy="533400"/>
-          </a:xfrm>
-          <a:prstGeom prst="ellipse">
-            <a:avLst/>
-          </a:prstGeom>
-          <a:solidFill>
-            <a:srgbClr val="FF0000"/>
-          </a:solidFill>
-          <a:ln w="9525" algn="ctr">
-            <a:solidFill>
-              <a:schemeClr val="tx1"/>
-            </a:solidFill>
-            <a:round/>
+          <a:ln>
             <a:headEnd/>
             <a:tailEnd/>
           </a:ln>
         </p:spPr>
-        <p:txBody>
-          <a:bodyPr/>
+        <p:style>
+          <a:lnRef idx="1">
+            <a:schemeClr val="accent3"/>
+          </a:lnRef>
+          <a:fillRef idx="3">
+            <a:schemeClr val="accent3"/>
+          </a:fillRef>
+          <a:effectRef idx="2">
+            <a:schemeClr val="accent3"/>
+          </a:effectRef>
+          <a:fontRef idx="minor">
+            <a:schemeClr val="lt1"/>
+          </a:fontRef>
+        </p:style>
+        <p:txBody>
+          <a:bodyPr wrap="square">
+            <a:spAutoFit/>
+          </a:bodyPr>
           <a:lstStyle/>
           <a:p>
-            <a:pPr algn="ctr">
-              <a:buClr>
-                <a:srgbClr val="000000"/>
-              </a:buClr>
-              <a:buSzPct val="100000"/>
-              <a:buFont typeface="Times New Roman" pitchFamily="18" charset="0"/>
-              <a:buNone/>
-            </a:pPr>
-            <a:endParaRPr lang="en-US" sz="3200">
+            <a:pPr algn="ctr" defTabSz="914400"/>
+            <a:r>
+              <a:rPr lang="en-US" sz="4800" dirty="0" smtClean="0">
+                <a:solidFill>
+                  <a:schemeClr val="bg1"/>
+                </a:solidFill>
+                <a:latin typeface="Courier New" pitchFamily="49" charset="0"/>
+                <a:cs typeface="Courier New" pitchFamily="49" charset="0"/>
+              </a:rPr>
+              <a:t>Figure06: </a:t>
+            </a:r>
+            <a:r>
+              <a:rPr lang="en-US" sz="4800" dirty="0" err="1" smtClean="0">
+                <a:solidFill>
+                  <a:schemeClr val="bg1"/>
+                </a:solidFill>
+                <a:latin typeface="Courier New" pitchFamily="49" charset="0"/>
+                <a:cs typeface="Courier New" pitchFamily="49" charset="0"/>
+              </a:rPr>
+              <a:t>MedChit</a:t>
+            </a:r>
+            <a:r>
+              <a:rPr lang="en-US" sz="4800" dirty="0" smtClean="0">
+                <a:solidFill>
+                  <a:schemeClr val="bg1"/>
+                </a:solidFill>
+                <a:latin typeface="Courier New" pitchFamily="49" charset="0"/>
+                <a:cs typeface="Courier New" pitchFamily="49" charset="0"/>
+              </a:rPr>
+              <a:t> Page</a:t>
+            </a:r>
+            <a:endParaRPr lang="en-US" sz="4800" dirty="0">
               <a:solidFill>
                 <a:schemeClr val="bg1"/>
               </a:solidFill>
-              <a:latin typeface="Baskerville" charset="0"/>
+              <a:latin typeface="Courier New" pitchFamily="49" charset="0"/>
+              <a:cs typeface="Courier New" pitchFamily="49" charset="0"/>
             </a:endParaRPr>
           </a:p>
         </p:txBody>
       </p:sp>
-      <p:sp>
-        <p:nvSpPr>
-          <p:cNvPr id="13350" name="Oval 18"/>
-          <p:cNvSpPr>
-            <a:spLocks noChangeArrowheads="1"/>
-          </p:cNvSpPr>
-          <p:nvPr/>
-        </p:nvSpPr>
-        <p:spPr bwMode="auto">
-          <a:xfrm>
-            <a:off x="15697200" y="15316200"/>
-            <a:ext cx="533400" cy="533400"/>
-          </a:xfrm>
-          <a:prstGeom prst="ellipse">
-            <a:avLst/>
-          </a:prstGeom>
-          <a:solidFill>
-            <a:schemeClr val="bg1"/>
-          </a:solidFill>
-          <a:ln w="9525" algn="ctr">
-            <a:solidFill>
-              <a:schemeClr val="tx1"/>
-            </a:solidFill>
-            <a:round/>
-            <a:headEnd/>
-            <a:tailEnd/>
-          </a:ln>
-        </p:spPr>
-        <p:txBody>
-          <a:bodyPr/>
-          <a:lstStyle/>
-          <a:p>
-            <a:pPr algn="ctr">
-              <a:buClr>
-                <a:srgbClr val="000000"/>
-              </a:buClr>
-              <a:buSzPct val="100000"/>
-              <a:buFont typeface="Times New Roman" pitchFamily="18" charset="0"/>
-              <a:buNone/>
-            </a:pPr>
-            <a:endParaRPr lang="en-US" sz="3200">
-              <a:solidFill>
-                <a:schemeClr val="bg1"/>
-              </a:solidFill>
-              <a:latin typeface="Baskerville" charset="0"/>
-            </a:endParaRPr>
-          </a:p>
-        </p:txBody>
-      </p:sp>
-      <p:sp>
-        <p:nvSpPr>
-          <p:cNvPr id="13351" name="Oval 19"/>
-          <p:cNvSpPr>
-            <a:spLocks noChangeArrowheads="1"/>
-          </p:cNvSpPr>
-          <p:nvPr/>
-        </p:nvSpPr>
-        <p:spPr bwMode="auto">
-          <a:xfrm>
-            <a:off x="16611600" y="15316200"/>
-            <a:ext cx="533400" cy="533400"/>
-          </a:xfrm>
-          <a:prstGeom prst="ellipse">
-            <a:avLst/>
-          </a:prstGeom>
-          <a:solidFill>
-            <a:schemeClr val="bg1"/>
-          </a:solidFill>
-          <a:ln w="9525" algn="ctr">
-            <a:solidFill>
-              <a:schemeClr val="tx1"/>
-            </a:solidFill>
-            <a:round/>
-            <a:headEnd/>
-            <a:tailEnd/>
-          </a:ln>
-        </p:spPr>
-        <p:txBody>
-          <a:bodyPr/>
-          <a:lstStyle/>
-          <a:p>
-            <a:pPr algn="ctr">
-              <a:buClr>
-                <a:srgbClr val="000000"/>
-              </a:buClr>
-              <a:buSzPct val="100000"/>
-              <a:buFont typeface="Times New Roman" pitchFamily="18" charset="0"/>
-              <a:buNone/>
-            </a:pPr>
-            <a:endParaRPr lang="en-US" sz="3200">
-              <a:solidFill>
-                <a:schemeClr val="bg1"/>
-              </a:solidFill>
-              <a:latin typeface="Baskerville" charset="0"/>
-            </a:endParaRPr>
-          </a:p>
-        </p:txBody>
-      </p:sp>
-      <p:sp>
-        <p:nvSpPr>
-          <p:cNvPr id="13352" name="Oval 20"/>
-          <p:cNvSpPr>
-            <a:spLocks noChangeArrowheads="1"/>
-          </p:cNvSpPr>
-          <p:nvPr/>
-        </p:nvSpPr>
-        <p:spPr bwMode="auto">
-          <a:xfrm>
-            <a:off x="16154400" y="16078200"/>
-            <a:ext cx="533400" cy="533400"/>
-          </a:xfrm>
-          <a:prstGeom prst="ellipse">
-            <a:avLst/>
-          </a:prstGeom>
-          <a:solidFill>
-            <a:schemeClr val="bg1"/>
-          </a:solidFill>
-          <a:ln w="9525" algn="ctr">
-            <a:solidFill>
-              <a:schemeClr val="tx1"/>
-            </a:solidFill>
-            <a:round/>
-            <a:headEnd/>
-            <a:tailEnd/>
-          </a:ln>
-        </p:spPr>
-        <p:txBody>
-          <a:bodyPr/>
-          <a:lstStyle/>
-          <a:p>
-            <a:pPr algn="ctr">
-              <a:buClr>
-                <a:srgbClr val="000000"/>
-              </a:buClr>
-              <a:buSzPct val="100000"/>
-              <a:buFont typeface="Times New Roman" pitchFamily="18" charset="0"/>
-              <a:buNone/>
-            </a:pPr>
-            <a:endParaRPr lang="en-US" sz="3200">
-              <a:solidFill>
-                <a:schemeClr val="bg1"/>
-              </a:solidFill>
-              <a:latin typeface="Baskerville" charset="0"/>
-            </a:endParaRPr>
-          </a:p>
-        </p:txBody>
-      </p:sp>
-      <p:sp>
-        <p:nvSpPr>
-          <p:cNvPr id="13353" name="Oval 21"/>
-          <p:cNvSpPr>
-            <a:spLocks noChangeArrowheads="1"/>
-          </p:cNvSpPr>
-          <p:nvPr/>
-        </p:nvSpPr>
-        <p:spPr bwMode="auto">
-          <a:xfrm>
-            <a:off x="15544800" y="16764000"/>
-            <a:ext cx="533400" cy="533400"/>
-          </a:xfrm>
-          <a:prstGeom prst="ellipse">
-            <a:avLst/>
-          </a:prstGeom>
-          <a:solidFill>
-            <a:schemeClr val="bg1"/>
-          </a:solidFill>
-          <a:ln w="9525" algn="ctr">
-            <a:solidFill>
-              <a:schemeClr val="tx1"/>
-            </a:solidFill>
-            <a:round/>
-            <a:headEnd/>
-            <a:tailEnd/>
-          </a:ln>
-        </p:spPr>
-        <p:txBody>
-          <a:bodyPr/>
-          <a:lstStyle/>
-          <a:p>
-            <a:pPr algn="ctr">
-              <a:buClr>
-                <a:srgbClr val="000000"/>
-              </a:buClr>
-              <a:buSzPct val="100000"/>
-              <a:buFont typeface="Times New Roman" pitchFamily="18" charset="0"/>
-              <a:buNone/>
-            </a:pPr>
-            <a:endParaRPr lang="en-US" sz="3200">
-              <a:solidFill>
-                <a:schemeClr val="bg1"/>
-              </a:solidFill>
-              <a:latin typeface="Baskerville" charset="0"/>
-            </a:endParaRPr>
-          </a:p>
-        </p:txBody>
-      </p:sp>
-      <p:sp>
-        <p:nvSpPr>
-          <p:cNvPr id="13354" name="Oval 22"/>
-          <p:cNvSpPr>
-            <a:spLocks noChangeArrowheads="1"/>
-          </p:cNvSpPr>
-          <p:nvPr/>
-        </p:nvSpPr>
-        <p:spPr bwMode="auto">
-          <a:xfrm>
-            <a:off x="16687800" y="16764000"/>
-            <a:ext cx="533400" cy="533400"/>
-          </a:xfrm>
-          <a:prstGeom prst="ellipse">
-            <a:avLst/>
-          </a:prstGeom>
-          <a:solidFill>
-            <a:schemeClr val="bg1"/>
-          </a:solidFill>
-          <a:ln w="9525" algn="ctr">
-            <a:solidFill>
-              <a:schemeClr val="tx1"/>
-            </a:solidFill>
-            <a:round/>
-            <a:headEnd/>
-            <a:tailEnd/>
-          </a:ln>
-        </p:spPr>
-        <p:txBody>
-          <a:bodyPr/>
-          <a:lstStyle/>
-          <a:p>
-            <a:pPr algn="ctr">
-              <a:buClr>
-                <a:srgbClr val="000000"/>
-              </a:buClr>
-              <a:buSzPct val="100000"/>
-              <a:buFont typeface="Times New Roman" pitchFamily="18" charset="0"/>
-              <a:buNone/>
-            </a:pPr>
-            <a:endParaRPr lang="en-US" sz="3200">
-              <a:solidFill>
-                <a:schemeClr val="bg1"/>
-              </a:solidFill>
-              <a:latin typeface="Baskerville" charset="0"/>
-            </a:endParaRPr>
-          </a:p>
-        </p:txBody>
-      </p:sp>
-      <p:sp>
-        <p:nvSpPr>
-          <p:cNvPr id="42" name="Oval 41"/>
-          <p:cNvSpPr/>
-          <p:nvPr/>
-        </p:nvSpPr>
-        <p:spPr bwMode="auto">
-          <a:xfrm>
-            <a:off x="16154400" y="17526000"/>
-            <a:ext cx="533400" cy="533400"/>
-          </a:xfrm>
-          <a:prstGeom prst="ellipse">
-            <a:avLst/>
-          </a:prstGeom>
-          <a:solidFill>
-            <a:schemeClr val="accent6"/>
-          </a:solidFill>
-          <a:ln w="9525" cap="flat" cmpd="sng" algn="ctr">
-            <a:solidFill>
-              <a:schemeClr val="tx1"/>
-            </a:solidFill>
-            <a:prstDash val="solid"/>
-            <a:round/>
-            <a:headEnd type="none" w="med" len="med"/>
-            <a:tailEnd type="none" w="med" len="med"/>
-          </a:ln>
-          <a:effectLst/>
-        </p:spPr>
-        <p:txBody>
-          <a:bodyPr/>
-          <a:lstStyle/>
-          <a:p>
-            <a:pPr algn="ctr">
-              <a:buClr>
-                <a:srgbClr val="000000"/>
-              </a:buClr>
-              <a:buSzPct val="100000"/>
-              <a:buFont typeface="Times New Roman" pitchFamily="18" charset="0"/>
-              <a:buNone/>
-            </a:pPr>
-            <a:endParaRPr lang="en-US" sz="3200">
-              <a:solidFill>
-                <a:schemeClr val="bg1"/>
-              </a:solidFill>
-              <a:latin typeface="Baskerville" charset="0"/>
-            </a:endParaRPr>
-          </a:p>
-        </p:txBody>
-      </p:sp>
-      <p:cxnSp>
-        <p:nvCxnSpPr>
-          <p:cNvPr id="13356" name="Straight Arrow Connector 43"/>
-          <p:cNvCxnSpPr>
-            <a:cxnSpLocks noChangeShapeType="1"/>
-            <a:stCxn id="13352" idx="3"/>
-            <a:endCxn id="13353" idx="7"/>
-          </p:cNvCxnSpPr>
-          <p:nvPr/>
-        </p:nvCxnSpPr>
-        <p:spPr bwMode="auto">
-          <a:xfrm rot="5400000">
-            <a:off x="15962313" y="16571913"/>
-            <a:ext cx="307975" cy="231775"/>
-          </a:xfrm>
-          <a:prstGeom prst="straightConnector1">
-            <a:avLst/>
-          </a:prstGeom>
-          <a:noFill/>
-          <a:ln w="9525" algn="ctr">
-            <a:solidFill>
-              <a:schemeClr val="tx1"/>
-            </a:solidFill>
-            <a:round/>
-            <a:headEnd/>
-            <a:tailEnd type="arrow" w="med" len="med"/>
-          </a:ln>
-        </p:spPr>
-      </p:cxnSp>
-      <p:cxnSp>
-        <p:nvCxnSpPr>
-          <p:cNvPr id="13357" name="Straight Arrow Connector 48"/>
-          <p:cNvCxnSpPr>
-            <a:cxnSpLocks noChangeShapeType="1"/>
-            <a:stCxn id="13352" idx="5"/>
-            <a:endCxn id="13354" idx="1"/>
-          </p:cNvCxnSpPr>
-          <p:nvPr/>
-        </p:nvCxnSpPr>
-        <p:spPr bwMode="auto">
-          <a:xfrm rot="16200000" flipH="1">
-            <a:off x="16533813" y="16610013"/>
-            <a:ext cx="307975" cy="155575"/>
-          </a:xfrm>
-          <a:prstGeom prst="straightConnector1">
-            <a:avLst/>
-          </a:prstGeom>
-          <a:noFill/>
-          <a:ln w="9525" algn="ctr">
-            <a:solidFill>
-              <a:schemeClr val="tx1"/>
-            </a:solidFill>
-            <a:round/>
-            <a:headEnd/>
-            <a:tailEnd type="arrow" w="med" len="med"/>
-          </a:ln>
-        </p:spPr>
-      </p:cxnSp>
-      <p:cxnSp>
-        <p:nvCxnSpPr>
-          <p:cNvPr id="13358" name="Straight Arrow Connector 56"/>
-          <p:cNvCxnSpPr>
-            <a:cxnSpLocks noChangeShapeType="1"/>
-            <a:stCxn id="13353" idx="4"/>
-            <a:endCxn id="42" idx="1"/>
-          </p:cNvCxnSpPr>
-          <p:nvPr/>
-        </p:nvCxnSpPr>
-        <p:spPr bwMode="auto">
-          <a:xfrm rot="16200000" flipH="1">
-            <a:off x="15868650" y="17240250"/>
-            <a:ext cx="306388" cy="420688"/>
-          </a:xfrm>
-          <a:prstGeom prst="straightConnector1">
-            <a:avLst/>
-          </a:prstGeom>
-          <a:noFill/>
-          <a:ln w="9525" algn="ctr">
-            <a:solidFill>
-              <a:schemeClr val="tx1"/>
-            </a:solidFill>
-            <a:round/>
-            <a:headEnd/>
-            <a:tailEnd type="arrow" w="med" len="med"/>
-          </a:ln>
-        </p:spPr>
-      </p:cxnSp>
-      <p:cxnSp>
-        <p:nvCxnSpPr>
-          <p:cNvPr id="13359" name="Straight Arrow Connector 60"/>
-          <p:cNvCxnSpPr>
-            <a:cxnSpLocks noChangeShapeType="1"/>
-            <a:stCxn id="13354" idx="4"/>
-            <a:endCxn id="42" idx="7"/>
-          </p:cNvCxnSpPr>
-          <p:nvPr/>
-        </p:nvCxnSpPr>
-        <p:spPr bwMode="auto">
-          <a:xfrm rot="5400000">
-            <a:off x="16629063" y="17278350"/>
-            <a:ext cx="306388" cy="344487"/>
-          </a:xfrm>
-          <a:prstGeom prst="straightConnector1">
-            <a:avLst/>
-          </a:prstGeom>
-          <a:noFill/>
-          <a:ln w="9525" algn="ctr">
-            <a:solidFill>
-              <a:schemeClr val="tx1"/>
-            </a:solidFill>
-            <a:round/>
-            <a:headEnd/>
-            <a:tailEnd type="arrow" w="med" len="med"/>
-          </a:ln>
-        </p:spPr>
-      </p:cxnSp>
-      <p:pic>
-        <p:nvPicPr>
-          <p:cNvPr id="31" name="Picture 30" descr="Cummulative task orient workload matrix.jpg"/>
-          <p:cNvPicPr>
-            <a:picLocks noChangeAspect="1"/>
-          </p:cNvPicPr>
-          <p:nvPr/>
-        </p:nvPicPr>
-        <p:blipFill>
-          <a:blip r:embed="rId8" cstate="print"/>
-          <a:stretch>
-            <a:fillRect/>
-          </a:stretch>
-        </p:blipFill>
-        <p:spPr>
-          <a:xfrm>
-            <a:off x="28727400" y="5257800"/>
-            <a:ext cx="7467600" cy="6889301"/>
-          </a:xfrm>
-          <a:prstGeom prst="rect">
-            <a:avLst/>
-          </a:prstGeom>
-        </p:spPr>
-      </p:pic>
-      <p:pic>
-        <p:nvPicPr>
-          <p:cNvPr id="32" name="Picture 31" descr="Cummulative team orient workload matrix.jpg"/>
-          <p:cNvPicPr>
-            <a:picLocks noChangeAspect="1"/>
-          </p:cNvPicPr>
-          <p:nvPr/>
-        </p:nvPicPr>
-        <p:blipFill>
-          <a:blip r:embed="rId9" cstate="print"/>
-          <a:stretch>
-            <a:fillRect/>
-          </a:stretch>
-        </p:blipFill>
-        <p:spPr>
-          <a:xfrm>
-            <a:off x="14249400" y="6477000"/>
-            <a:ext cx="5943600" cy="6827772"/>
-          </a:xfrm>
-          <a:prstGeom prst="rect">
-            <a:avLst/>
-          </a:prstGeom>
-        </p:spPr>
-      </p:pic>
-      <p:sp>
-        <p:nvSpPr>
-          <p:cNvPr id="36" name="TextBox 35"/>
-          <p:cNvSpPr txBox="1"/>
-          <p:nvPr/>
-        </p:nvSpPr>
-        <p:spPr>
-          <a:xfrm>
-            <a:off x="27660600" y="3962400"/>
-            <a:ext cx="8359340" cy="984885"/>
-          </a:xfrm>
-          <a:prstGeom prst="rect">
-            <a:avLst/>
-          </a:prstGeom>
-          <a:noFill/>
-        </p:spPr>
-        <p:txBody>
-          <a:bodyPr wrap="none" rtlCol="0">
-            <a:spAutoFit/>
-          </a:bodyPr>
-          <a:lstStyle/>
-          <a:p>
-            <a:pPr lvl="1"/>
-            <a:r>
-              <a:rPr lang="en-US" sz="5800" dirty="0" smtClean="0">
-                <a:solidFill>
-                  <a:schemeClr val="bg1"/>
-                </a:solidFill>
-                <a:latin typeface="+mj-lt"/>
-              </a:rPr>
-              <a:t>Cumulative Task Oriented</a:t>
-            </a:r>
-            <a:endParaRPr lang="en-US" sz="5800" dirty="0">
-              <a:solidFill>
-                <a:schemeClr val="bg1"/>
-              </a:solidFill>
-              <a:latin typeface="+mj-lt"/>
-            </a:endParaRPr>
-          </a:p>
-        </p:txBody>
-      </p:sp>
-      <p:sp>
-        <p:nvSpPr>
-          <p:cNvPr id="37" name="TextBox 36"/>
-          <p:cNvSpPr txBox="1"/>
-          <p:nvPr/>
-        </p:nvSpPr>
-        <p:spPr>
-          <a:xfrm>
-            <a:off x="20955000" y="10744200"/>
-            <a:ext cx="6503703" cy="984885"/>
-          </a:xfrm>
-          <a:prstGeom prst="rect">
-            <a:avLst/>
-          </a:prstGeom>
-          <a:noFill/>
-        </p:spPr>
-        <p:txBody>
-          <a:bodyPr wrap="none" rtlCol="0">
-            <a:spAutoFit/>
-          </a:bodyPr>
-          <a:lstStyle/>
-          <a:p>
-            <a:pPr lvl="1"/>
-            <a:r>
-              <a:rPr lang="en-US" sz="5800" dirty="0" smtClean="0">
-                <a:solidFill>
-                  <a:schemeClr val="bg1"/>
-                </a:solidFill>
-                <a:latin typeface="+mj-lt"/>
-              </a:rPr>
-              <a:t>Time Per Milestone</a:t>
-            </a:r>
-            <a:endParaRPr lang="en-US" sz="5800" dirty="0">
-              <a:solidFill>
-                <a:schemeClr val="bg1"/>
-              </a:solidFill>
-              <a:latin typeface="+mj-lt"/>
-            </a:endParaRPr>
-          </a:p>
-        </p:txBody>
-      </p:sp>
-      <p:sp>
-        <p:nvSpPr>
-          <p:cNvPr id="38" name="TextBox 37"/>
-          <p:cNvSpPr txBox="1"/>
-          <p:nvPr/>
-        </p:nvSpPr>
-        <p:spPr>
-          <a:xfrm>
-            <a:off x="12420600" y="5486400"/>
-            <a:ext cx="9693423" cy="984885"/>
-          </a:xfrm>
-          <a:prstGeom prst="rect">
-            <a:avLst/>
-          </a:prstGeom>
-          <a:noFill/>
-        </p:spPr>
-        <p:txBody>
-          <a:bodyPr wrap="none" rtlCol="0">
-            <a:spAutoFit/>
-          </a:bodyPr>
-          <a:lstStyle/>
-          <a:p>
-            <a:pPr lvl="1"/>
-            <a:r>
-              <a:rPr lang="en-US" sz="5800" dirty="0" smtClean="0">
-                <a:solidFill>
-                  <a:schemeClr val="bg1"/>
-                </a:solidFill>
-                <a:latin typeface="+mj-lt"/>
-              </a:rPr>
-              <a:t>Cumulative Member Oriented</a:t>
-            </a:r>
-            <a:endParaRPr lang="en-US" sz="5800" dirty="0">
-              <a:solidFill>
-                <a:schemeClr val="bg1"/>
-              </a:solidFill>
-              <a:latin typeface="+mj-lt"/>
-            </a:endParaRPr>
-          </a:p>
-        </p:txBody>
-      </p:sp>
-      <p:pic>
-        <p:nvPicPr>
-          <p:cNvPr id="39" name="Picture 38" descr="Total Time Per Milestone.jpg"/>
-          <p:cNvPicPr>
-            <a:picLocks noChangeAspect="1"/>
-          </p:cNvPicPr>
-          <p:nvPr/>
-        </p:nvPicPr>
-        <p:blipFill>
-          <a:blip r:embed="rId10" cstate="print"/>
-          <a:stretch>
-            <a:fillRect/>
-          </a:stretch>
-        </p:blipFill>
-        <p:spPr>
-          <a:xfrm>
-            <a:off x="21564600" y="11811000"/>
-            <a:ext cx="5562600" cy="5715524"/>
-          </a:xfrm>
-          <a:prstGeom prst="rect">
-            <a:avLst/>
-          </a:prstGeom>
-        </p:spPr>
-      </p:pic>
     </p:spTree>
   </p:cSld>
   <p:clrMapOvr>
